--- a/Análise de Texto.pptx
+++ b/Análise de Texto.pptx
@@ -264,7 +264,7 @@
             <a:pPr rtl="0"/>
             <a:fld id="{48348F61-903F-4A92-BD1D-F4D50DEE5616}" type="datetime1">
               <a:rPr lang="pt-BR" smtClean="0"/>
-              <a:t>17/07/2021</a:t>
+              <a:t>31/07/2021</a:t>
             </a:fld>
             <a:endParaRPr lang="pt-BR" dirty="0"/>
           </a:p>
@@ -445,7 +445,7 @@
             <a:fld id="{7F91DD10-601E-4934-9857-CBBA808B825D}" type="datetime1">
               <a:rPr lang="pt-BR" smtClean="0"/>
               <a:pPr/>
-              <a:t>17/07/2021</a:t>
+              <a:t>31/07/2021</a:t>
             </a:fld>
             <a:endParaRPr lang="pt-BR" dirty="0"/>
           </a:p>
@@ -1698,7 +1698,7 @@
             <a:pPr rtl="0"/>
             <a:fld id="{DCA197FC-5BCA-4F4D-9F82-64AFC200E358}" type="datetime1">
               <a:rPr lang="pt-BR" noProof="0" smtClean="0"/>
-              <a:t>17/07/2021</a:t>
+              <a:t>31/07/2021</a:t>
             </a:fld>
             <a:endParaRPr lang="pt-BR" noProof="0" dirty="0"/>
           </a:p>
@@ -1902,7 +1902,7 @@
             <a:pPr rtl="0"/>
             <a:fld id="{BC604A03-7973-4BC4-9222-74CFA49BB370}" type="datetime1">
               <a:rPr lang="pt-BR" noProof="0" smtClean="0"/>
-              <a:t>17/07/2021</a:t>
+              <a:t>31/07/2021</a:t>
             </a:fld>
             <a:endParaRPr lang="pt-BR" noProof="0" dirty="0"/>
           </a:p>
@@ -2116,7 +2116,7 @@
             <a:pPr rtl="0"/>
             <a:fld id="{2C130B9D-1A45-452F-AC16-D36CD5C4EA6A}" type="datetime1">
               <a:rPr lang="pt-BR" noProof="0" smtClean="0"/>
-              <a:t>17/07/2021</a:t>
+              <a:t>31/07/2021</a:t>
             </a:fld>
             <a:endParaRPr lang="pt-BR" noProof="0" dirty="0"/>
           </a:p>
@@ -3593,7 +3593,7 @@
             <a:pPr rtl="0"/>
             <a:fld id="{179EAAF2-1359-4DAA-92D0-EC18028594EE}" type="datetime1">
               <a:rPr lang="pt-BR" noProof="0" smtClean="0"/>
-              <a:t>17/07/2021</a:t>
+              <a:t>31/07/2021</a:t>
             </a:fld>
             <a:endParaRPr lang="pt-BR" noProof="0" dirty="0"/>
           </a:p>
@@ -6259,7 +6259,7 @@
             <a:pPr rtl="0"/>
             <a:fld id="{2A5E3AA6-3E77-4EDD-A5D3-91497A83F745}" type="datetime1">
               <a:rPr lang="pt-BR" noProof="0" smtClean="0"/>
-              <a:t>17/07/2021</a:t>
+              <a:t>31/07/2021</a:t>
             </a:fld>
             <a:endParaRPr lang="pt-BR" noProof="0" dirty="0"/>
           </a:p>
@@ -6561,7 +6561,7 @@
             <a:pPr rtl="0"/>
             <a:fld id="{0933B832-A218-4C52-AD98-17F0930C59CC}" type="datetime1">
               <a:rPr lang="pt-BR" noProof="0" smtClean="0"/>
-              <a:t>17/07/2021</a:t>
+              <a:t>31/07/2021</a:t>
             </a:fld>
             <a:endParaRPr lang="pt-BR" noProof="0" dirty="0"/>
           </a:p>
@@ -6980,7 +6980,7 @@
             <a:pPr rtl="0"/>
             <a:fld id="{8851457D-773F-4388-805A-0245A2DC7FA6}" type="datetime1">
               <a:rPr lang="pt-BR" noProof="0" smtClean="0"/>
-              <a:t>17/07/2021</a:t>
+              <a:t>31/07/2021</a:t>
             </a:fld>
             <a:endParaRPr lang="pt-BR" noProof="0" dirty="0"/>
           </a:p>
@@ -7126,7 +7126,7 @@
             <a:pPr rtl="0"/>
             <a:fld id="{E1BDAD40-2C61-41F0-AC0A-B8DA56506CF8}" type="datetime1">
               <a:rPr lang="pt-BR" noProof="0" smtClean="0"/>
-              <a:t>17/07/2021</a:t>
+              <a:t>31/07/2021</a:t>
             </a:fld>
             <a:endParaRPr lang="pt-BR" noProof="0" dirty="0"/>
           </a:p>
@@ -7242,7 +7242,7 @@
             <a:pPr rtl="0"/>
             <a:fld id="{335F0EE2-8399-4909-BF8E-74D816C91647}" type="datetime1">
               <a:rPr lang="pt-BR" noProof="0" smtClean="0"/>
-              <a:t>17/07/2021</a:t>
+              <a:t>31/07/2021</a:t>
             </a:fld>
             <a:endParaRPr lang="pt-BR" noProof="0" dirty="0"/>
           </a:p>
@@ -7559,7 +7559,7 @@
             <a:pPr rtl="0"/>
             <a:fld id="{7CC62C37-8077-44BC-A52B-E2531EDBA2DE}" type="datetime1">
               <a:rPr lang="pt-BR" noProof="0" smtClean="0"/>
-              <a:t>17/07/2021</a:t>
+              <a:t>31/07/2021</a:t>
             </a:fld>
             <a:endParaRPr lang="pt-BR" noProof="0" dirty="0"/>
           </a:p>
@@ -7857,7 +7857,7 @@
             <a:pPr rtl="0"/>
             <a:fld id="{7D4235C6-032F-4A2C-8BCF-60C0B3B0EFA5}" type="datetime1">
               <a:rPr lang="pt-BR" noProof="0" smtClean="0"/>
-              <a:t>17/07/2021</a:t>
+              <a:t>31/07/2021</a:t>
             </a:fld>
             <a:endParaRPr lang="pt-BR" noProof="0" dirty="0"/>
           </a:p>
@@ -8104,7 +8104,7 @@
             <a:pPr rtl="0"/>
             <a:fld id="{FEE00915-A8F3-468F-8237-A0B9291D1250}" type="datetime1">
               <a:rPr lang="pt-BR" noProof="0" smtClean="0"/>
-              <a:t>17/07/2021</a:t>
+              <a:t>31/07/2021</a:t>
             </a:fld>
             <a:endParaRPr lang="pt-BR" noProof="0" dirty="0"/>
           </a:p>
@@ -9837,7 +9837,7 @@
                 <a16:creationId xmlns:a16="http://schemas.microsoft.com/office/drawing/2014/main" id="{1C59176D-59A8-4C02-B448-EE01232FB3E7}"/>
               </a:ext>
               <a:ext uri="{C183D7F6-B498-43B3-948B-1728B52AA6E4}">
-                <adec:decorative xmlns="" xmlns:adec="http://schemas.microsoft.com/office/drawing/2017/decorative" val="1"/>
+                <adec:decorative xmlns:adec="http://schemas.microsoft.com/office/drawing/2017/decorative" xmlns="" val="1"/>
               </a:ext>
             </a:extLst>
           </p:cNvPr>
@@ -9892,7 +9892,7 @@
                 <a16:creationId xmlns:a16="http://schemas.microsoft.com/office/drawing/2014/main" id="{A50B1817-3C7F-41BC-8557-7A00C928EE16}"/>
               </a:ext>
               <a:ext uri="{C183D7F6-B498-43B3-948B-1728B52AA6E4}">
-                <adec:decorative xmlns="" xmlns:adec="http://schemas.microsoft.com/office/drawing/2017/decorative" val="1"/>
+                <adec:decorative xmlns:adec="http://schemas.microsoft.com/office/drawing/2017/decorative" xmlns="" val="1"/>
               </a:ext>
             </a:extLst>
           </p:cNvPr>
@@ -11224,14 +11224,14 @@
           <p:nvPr>
             <p:extLst>
               <p:ext uri="{D42A27DB-BD31-4B8C-83A1-F6EECF244321}">
-                <p14:modId xmlns:p14="http://schemas.microsoft.com/office/powerpoint/2010/main" val="927762671"/>
+                <p14:modId xmlns:p14="http://schemas.microsoft.com/office/powerpoint/2010/main" val="747647971"/>
               </p:ext>
             </p:extLst>
           </p:nvPr>
         </p:nvGraphicFramePr>
         <p:xfrm>
-          <a:off x="175451" y="887631"/>
-          <a:ext cx="11898053" cy="3225800"/>
+          <a:off x="96012" y="923593"/>
+          <a:ext cx="11898053" cy="3566160"/>
         </p:xfrm>
         <a:graphic>
           <a:graphicData uri="http://schemas.openxmlformats.org/drawingml/2006/table">
@@ -11290,7 +11290,7 @@
                   </a:extLst>
                 </a:gridCol>
               </a:tblGrid>
-              <a:tr h="370840">
+              <a:tr h="255506">
                 <a:tc>
                   <a:txBody>
                     <a:bodyPr/>
@@ -11469,7 +11469,7 @@
                   </a:ext>
                 </a:extLst>
               </a:tr>
-              <a:tr h="299103">
+              <a:tr h="253919">
                 <a:tc>
                   <a:txBody>
                     <a:bodyPr/>
@@ -11685,7 +11685,7 @@
                   </a:ext>
                 </a:extLst>
               </a:tr>
-              <a:tr h="299103">
+              <a:tr h="253919">
                 <a:tc>
                   <a:txBody>
                     <a:bodyPr/>
@@ -11941,7 +11941,7 @@
                   </a:ext>
                 </a:extLst>
               </a:tr>
-              <a:tr h="299103">
+              <a:tr h="380879">
                 <a:tc>
                   <a:txBody>
                     <a:bodyPr/>
@@ -12219,13 +12219,21 @@
                   </a:ext>
                 </a:extLst>
               </a:tr>
-              <a:tr h="299103">
+              <a:tr h="533230">
                 <a:tc>
                   <a:txBody>
                     <a:bodyPr/>
                     <a:lstStyle/>
                     <a:p>
                       <a:pPr algn="ctr"/>
+                      <a:r>
+                        <a:rPr lang="pt-BR" sz="1400" dirty="0" smtClean="0">
+                          <a:latin typeface="Verdana" pitchFamily="34" charset="0"/>
+                          <a:ea typeface="Verdana" pitchFamily="34" charset="0"/>
+                          <a:cs typeface="Verdana" pitchFamily="34" charset="0"/>
+                        </a:rPr>
+                        <a:t>04</a:t>
+                      </a:r>
                       <a:endParaRPr lang="pt-BR" sz="1400" dirty="0">
                         <a:latin typeface="Verdana" pitchFamily="34" charset="0"/>
                         <a:ea typeface="Verdana" pitchFamily="34" charset="0"/>
@@ -12256,6 +12264,22 @@
                     <a:lstStyle/>
                     <a:p>
                       <a:pPr algn="ctr"/>
+                      <a:r>
+                        <a:rPr lang="pt-BR" sz="1200" dirty="0" smtClean="0">
+                          <a:latin typeface="Verdana" pitchFamily="34" charset="0"/>
+                          <a:ea typeface="Verdana" pitchFamily="34" charset="0"/>
+                          <a:cs typeface="Verdana" pitchFamily="34" charset="0"/>
+                        </a:rPr>
+                        <a:t>Limitação da API do </a:t>
+                      </a:r>
+                      <a:r>
+                        <a:rPr lang="pt-BR" sz="1200" dirty="0" err="1" smtClean="0">
+                          <a:latin typeface="Verdana" pitchFamily="34" charset="0"/>
+                          <a:ea typeface="Verdana" pitchFamily="34" charset="0"/>
+                          <a:cs typeface="Verdana" pitchFamily="34" charset="0"/>
+                        </a:rPr>
+                        <a:t>Twitter</a:t>
+                      </a:r>
                       <a:endParaRPr lang="pt-BR" sz="1200" dirty="0">
                         <a:latin typeface="Verdana" pitchFamily="34" charset="0"/>
                         <a:ea typeface="Verdana" pitchFamily="34" charset="0"/>
@@ -12270,8 +12294,82 @@
                     <a:bodyPr/>
                     <a:lstStyle/>
                     <a:p>
-                      <a:pPr algn="ctr"/>
-                      <a:endParaRPr lang="pt-BR" sz="1200" dirty="0">
+                      <a:pPr marL="0" marR="0" indent="0" algn="ctr" defTabSz="914400" rtl="0" eaLnBrk="1" fontAlgn="auto" latinLnBrk="0" hangingPunct="1">
+                        <a:lnSpc>
+                          <a:spcPct val="100000"/>
+                        </a:lnSpc>
+                        <a:spcBef>
+                          <a:spcPts val="0"/>
+                        </a:spcBef>
+                        <a:spcAft>
+                          <a:spcPts val="0"/>
+                        </a:spcAft>
+                        <a:buClrTx/>
+                        <a:buSzTx/>
+                        <a:buFontTx/>
+                        <a:buNone/>
+                        <a:tabLst/>
+                        <a:defRPr/>
+                      </a:pPr>
+                      <a:r>
+                        <a:rPr lang="pt-BR" sz="1200" dirty="0" smtClean="0">
+                          <a:latin typeface="Verdana" pitchFamily="34" charset="0"/>
+                          <a:ea typeface="Verdana" pitchFamily="34" charset="0"/>
+                          <a:cs typeface="Verdana" pitchFamily="34" charset="0"/>
+                        </a:rPr>
+                        <a:t>31/07/2021</a:t>
+                      </a:r>
+                    </a:p>
+                  </a:txBody>
+                  <a:tcPr anchor="ctr"/>
+                </a:tc>
+                <a:tc>
+                  <a:txBody>
+                    <a:bodyPr/>
+                    <a:lstStyle/>
+                    <a:p>
+                      <a:pPr marL="0" marR="0" lvl="0" indent="0" algn="ctr" defTabSz="914400" rtl="0" eaLnBrk="1" fontAlgn="auto" latinLnBrk="0" hangingPunct="1">
+                        <a:lnSpc>
+                          <a:spcPct val="100000"/>
+                        </a:lnSpc>
+                        <a:spcBef>
+                          <a:spcPts val="0"/>
+                        </a:spcBef>
+                        <a:spcAft>
+                          <a:spcPts val="0"/>
+                        </a:spcAft>
+                        <a:buClrTx/>
+                        <a:buSzTx/>
+                        <a:buFontTx/>
+                        <a:buNone/>
+                        <a:tabLst/>
+                        <a:defRPr/>
+                      </a:pPr>
+                      <a:r>
+                        <a:rPr lang="pt-BR" sz="1200" dirty="0" smtClean="0">
+                          <a:latin typeface="Verdana" pitchFamily="34" charset="0"/>
+                          <a:ea typeface="Verdana" pitchFamily="34" charset="0"/>
+                          <a:cs typeface="Verdana" pitchFamily="34" charset="0"/>
+                        </a:rPr>
+                        <a:t>Geração</a:t>
+                      </a:r>
+                      <a:r>
+                        <a:rPr lang="pt-BR" sz="1200" baseline="0" dirty="0" smtClean="0">
+                          <a:latin typeface="Verdana" pitchFamily="34" charset="0"/>
+                          <a:ea typeface="Verdana" pitchFamily="34" charset="0"/>
+                          <a:cs typeface="Verdana" pitchFamily="34" charset="0"/>
+                        </a:rPr>
+                        <a:t> do </a:t>
+                      </a:r>
+                      <a:r>
+                        <a:rPr lang="pt-BR" sz="1200" baseline="0" dirty="0" err="1" smtClean="0">
+                          <a:latin typeface="Verdana" pitchFamily="34" charset="0"/>
+                          <a:ea typeface="Verdana" pitchFamily="34" charset="0"/>
+                          <a:cs typeface="Verdana" pitchFamily="34" charset="0"/>
+                        </a:rPr>
+                        <a:t>dataset</a:t>
+                      </a:r>
+                      <a:endParaRPr lang="pt-BR" sz="1200" dirty="0" smtClean="0">
                         <a:latin typeface="Verdana" pitchFamily="34" charset="0"/>
                         <a:ea typeface="Verdana" pitchFamily="34" charset="0"/>
                         <a:cs typeface="Verdana" pitchFamily="34" charset="0"/>
@@ -12285,15 +12383,31 @@
                     <a:bodyPr/>
                     <a:lstStyle/>
                     <a:p>
-                      <a:pPr marL="0" indent="0" algn="ctr">
+                      <a:pPr marL="0" marR="0" indent="0" algn="ctr" defTabSz="914400" rtl="0" eaLnBrk="1" fontAlgn="auto" latinLnBrk="0" hangingPunct="1">
+                        <a:lnSpc>
+                          <a:spcPct val="100000"/>
+                        </a:lnSpc>
+                        <a:spcBef>
+                          <a:spcPts val="0"/>
+                        </a:spcBef>
+                        <a:spcAft>
+                          <a:spcPts val="0"/>
+                        </a:spcAft>
+                        <a:buClrTx/>
+                        <a:buSzTx/>
                         <a:buFontTx/>
                         <a:buNone/>
+                        <a:tabLst/>
+                        <a:defRPr/>
                       </a:pPr>
-                      <a:endParaRPr lang="pt-BR" sz="1200" dirty="0">
-                        <a:latin typeface="Verdana" pitchFamily="34" charset="0"/>
-                        <a:ea typeface="Verdana" pitchFamily="34" charset="0"/>
-                        <a:cs typeface="Verdana" pitchFamily="34" charset="0"/>
-                      </a:endParaRPr>
+                      <a:r>
+                        <a:rPr lang="pt-BR" sz="1200" dirty="0" smtClean="0">
+                          <a:latin typeface="Verdana" pitchFamily="34" charset="0"/>
+                          <a:ea typeface="Verdana" pitchFamily="34" charset="0"/>
+                          <a:cs typeface="Verdana" pitchFamily="34" charset="0"/>
+                        </a:rPr>
+                        <a:t>Time DEV</a:t>
+                      </a:r>
                     </a:p>
                   </a:txBody>
                   <a:tcPr anchor="ctr"/>
@@ -12303,23 +12417,40 @@
                     <a:bodyPr/>
                     <a:lstStyle/>
                     <a:p>
-                      <a:pPr algn="ctr"/>
-                      <a:endParaRPr lang="pt-BR" sz="1200" dirty="0">
-                        <a:latin typeface="Verdana" pitchFamily="34" charset="0"/>
-                        <a:ea typeface="Verdana" pitchFamily="34" charset="0"/>
-                        <a:cs typeface="Verdana" pitchFamily="34" charset="0"/>
-                      </a:endParaRPr>
-                    </a:p>
-                  </a:txBody>
-                  <a:tcPr anchor="ctr"/>
-                </a:tc>
-                <a:tc>
-                  <a:txBody>
-                    <a:bodyPr/>
-                    <a:lstStyle/>
-                    <a:p>
-                      <a:pPr algn="ctr"/>
-                      <a:endParaRPr lang="pt-BR" sz="1200" dirty="0">
+                      <a:pPr marL="0" marR="0" indent="0" algn="ctr" defTabSz="914400" rtl="0" eaLnBrk="1" fontAlgn="auto" latinLnBrk="0" hangingPunct="1">
+                        <a:lnSpc>
+                          <a:spcPct val="100000"/>
+                        </a:lnSpc>
+                        <a:spcBef>
+                          <a:spcPts val="0"/>
+                        </a:spcBef>
+                        <a:spcAft>
+                          <a:spcPts val="0"/>
+                        </a:spcAft>
+                        <a:buClrTx/>
+                        <a:buSzTx/>
+                        <a:buFontTx/>
+                        <a:buNone/>
+                        <a:tabLst/>
+                        <a:defRPr/>
+                      </a:pPr>
+                      <a:r>
+                        <a:rPr lang="pt-BR" sz="1200" dirty="0" smtClean="0">
+                          <a:latin typeface="Verdana" pitchFamily="34" charset="0"/>
+                          <a:ea typeface="Verdana" pitchFamily="34" charset="0"/>
+                          <a:cs typeface="Verdana" pitchFamily="34" charset="0"/>
+                        </a:rPr>
+                        <a:t>Geração</a:t>
+                      </a:r>
+                      <a:r>
+                        <a:rPr lang="pt-BR" sz="1200" baseline="0" dirty="0" smtClean="0">
+                          <a:latin typeface="Verdana" pitchFamily="34" charset="0"/>
+                          <a:ea typeface="Verdana" pitchFamily="34" charset="0"/>
+                          <a:cs typeface="Verdana" pitchFamily="34" charset="0"/>
+                        </a:rPr>
+                        <a:t> de bases recorrentes para visualização no PBI</a:t>
+                      </a:r>
+                      <a:endParaRPr lang="pt-BR" sz="1200" dirty="0" smtClean="0">
                         <a:latin typeface="Verdana" pitchFamily="34" charset="0"/>
                         <a:ea typeface="Verdana" pitchFamily="34" charset="0"/>
                         <a:cs typeface="Verdana" pitchFamily="34" charset="0"/>
@@ -12334,13 +12465,21 @@
                   </a:ext>
                 </a:extLst>
               </a:tr>
-              <a:tr h="370840">
+              <a:tr h="533230">
                 <a:tc>
                   <a:txBody>
                     <a:bodyPr/>
                     <a:lstStyle/>
                     <a:p>
                       <a:pPr algn="ctr"/>
+                      <a:r>
+                        <a:rPr lang="pt-BR" sz="1400" dirty="0" smtClean="0">
+                          <a:latin typeface="Verdana" pitchFamily="34" charset="0"/>
+                          <a:ea typeface="Verdana" pitchFamily="34" charset="0"/>
+                          <a:cs typeface="Verdana" pitchFamily="34" charset="0"/>
+                        </a:rPr>
+                        <a:t>05</a:t>
+                      </a:r>
                       <a:endParaRPr lang="pt-BR" sz="1400" dirty="0">
                         <a:latin typeface="Verdana" pitchFamily="34" charset="0"/>
                         <a:ea typeface="Verdana" pitchFamily="34" charset="0"/>
@@ -12370,8 +12509,40 @@
                     <a:bodyPr/>
                     <a:lstStyle/>
                     <a:p>
-                      <a:pPr algn="ctr"/>
-                      <a:endParaRPr lang="pt-BR" sz="1200" dirty="0">
+                      <a:pPr marL="0" marR="0" indent="0" algn="ctr" defTabSz="914400" rtl="0" eaLnBrk="1" fontAlgn="auto" latinLnBrk="0" hangingPunct="1">
+                        <a:lnSpc>
+                          <a:spcPct val="100000"/>
+                        </a:lnSpc>
+                        <a:spcBef>
+                          <a:spcPts val="0"/>
+                        </a:spcBef>
+                        <a:spcAft>
+                          <a:spcPts val="0"/>
+                        </a:spcAft>
+                        <a:buClrTx/>
+                        <a:buSzTx/>
+                        <a:buFontTx/>
+                        <a:buNone/>
+                        <a:tabLst/>
+                        <a:defRPr/>
+                      </a:pPr>
+                      <a:r>
+                        <a:rPr lang="pt-BR" sz="1200" dirty="0" smtClean="0">
+                          <a:latin typeface="Verdana" pitchFamily="34" charset="0"/>
+                          <a:ea typeface="Verdana" pitchFamily="34" charset="0"/>
+                          <a:cs typeface="Verdana" pitchFamily="34" charset="0"/>
+                        </a:rPr>
+                        <a:t>Limitação da API do de</a:t>
+                      </a:r>
+                      <a:r>
+                        <a:rPr lang="pt-BR" sz="1200" baseline="0" dirty="0" smtClean="0">
+                          <a:latin typeface="Verdana" pitchFamily="34" charset="0"/>
+                          <a:ea typeface="Verdana" pitchFamily="34" charset="0"/>
+                          <a:cs typeface="Verdana" pitchFamily="34" charset="0"/>
+                        </a:rPr>
+                        <a:t> conversão de linguagem</a:t>
+                      </a:r>
+                      <a:endParaRPr lang="pt-BR" sz="1200" dirty="0" smtClean="0">
                         <a:latin typeface="Verdana" pitchFamily="34" charset="0"/>
                         <a:ea typeface="Verdana" pitchFamily="34" charset="0"/>
                         <a:cs typeface="Verdana" pitchFamily="34" charset="0"/>
@@ -12385,8 +12556,74 @@
                     <a:bodyPr/>
                     <a:lstStyle/>
                     <a:p>
-                      <a:pPr algn="ctr"/>
-                      <a:endParaRPr lang="pt-BR" sz="1200" dirty="0">
+                      <a:pPr marL="0" marR="0" indent="0" algn="ctr" defTabSz="914400" rtl="0" eaLnBrk="1" fontAlgn="auto" latinLnBrk="0" hangingPunct="1">
+                        <a:lnSpc>
+                          <a:spcPct val="100000"/>
+                        </a:lnSpc>
+                        <a:spcBef>
+                          <a:spcPts val="0"/>
+                        </a:spcBef>
+                        <a:spcAft>
+                          <a:spcPts val="0"/>
+                        </a:spcAft>
+                        <a:buClrTx/>
+                        <a:buSzTx/>
+                        <a:buFontTx/>
+                        <a:buNone/>
+                        <a:tabLst/>
+                        <a:defRPr/>
+                      </a:pPr>
+                      <a:r>
+                        <a:rPr lang="pt-BR" sz="1200" dirty="0" smtClean="0">
+                          <a:latin typeface="Verdana" pitchFamily="34" charset="0"/>
+                          <a:ea typeface="Verdana" pitchFamily="34" charset="0"/>
+                          <a:cs typeface="Verdana" pitchFamily="34" charset="0"/>
+                        </a:rPr>
+                        <a:t>31/07/2021</a:t>
+                      </a:r>
+                    </a:p>
+                  </a:txBody>
+                  <a:tcPr anchor="ctr"/>
+                </a:tc>
+                <a:tc>
+                  <a:txBody>
+                    <a:bodyPr/>
+                    <a:lstStyle/>
+                    <a:p>
+                      <a:pPr marL="0" marR="0" lvl="0" indent="0" algn="ctr" defTabSz="914400" rtl="0" eaLnBrk="1" fontAlgn="auto" latinLnBrk="0" hangingPunct="1">
+                        <a:lnSpc>
+                          <a:spcPct val="100000"/>
+                        </a:lnSpc>
+                        <a:spcBef>
+                          <a:spcPts val="0"/>
+                        </a:spcBef>
+                        <a:spcAft>
+                          <a:spcPts val="0"/>
+                        </a:spcAft>
+                        <a:buClrTx/>
+                        <a:buSzTx/>
+                        <a:buFontTx/>
+                        <a:buNone/>
+                        <a:tabLst/>
+                        <a:defRPr/>
+                      </a:pPr>
+                      <a:r>
+                        <a:rPr lang="pt-BR" sz="1200" dirty="0" smtClean="0">
+                          <a:latin typeface="Verdana" pitchFamily="34" charset="0"/>
+                          <a:ea typeface="Verdana" pitchFamily="34" charset="0"/>
+                          <a:cs typeface="Verdana" pitchFamily="34" charset="0"/>
+                        </a:rPr>
+                        <a:t>Geração</a:t>
+                      </a:r>
+                      <a:r>
+                        <a:rPr lang="pt-BR" sz="1200" baseline="0" dirty="0" smtClean="0">
+                          <a:latin typeface="Verdana" pitchFamily="34" charset="0"/>
+                          <a:ea typeface="Verdana" pitchFamily="34" charset="0"/>
+                          <a:cs typeface="Verdana" pitchFamily="34" charset="0"/>
+                        </a:rPr>
+                        <a:t> de polaridades</a:t>
+                      </a:r>
+                      <a:endParaRPr lang="pt-BR" sz="1200" dirty="0" smtClean="0">
                         <a:latin typeface="Verdana" pitchFamily="34" charset="0"/>
                         <a:ea typeface="Verdana" pitchFamily="34" charset="0"/>
                         <a:cs typeface="Verdana" pitchFamily="34" charset="0"/>
@@ -12400,15 +12637,31 @@
                     <a:bodyPr/>
                     <a:lstStyle/>
                     <a:p>
-                      <a:pPr marL="0" indent="0" algn="ctr">
+                      <a:pPr marL="0" marR="0" indent="0" algn="ctr" defTabSz="914400" rtl="0" eaLnBrk="1" fontAlgn="auto" latinLnBrk="0" hangingPunct="1">
+                        <a:lnSpc>
+                          <a:spcPct val="100000"/>
+                        </a:lnSpc>
+                        <a:spcBef>
+                          <a:spcPts val="0"/>
+                        </a:spcBef>
+                        <a:spcAft>
+                          <a:spcPts val="0"/>
+                        </a:spcAft>
+                        <a:buClrTx/>
+                        <a:buSzTx/>
                         <a:buFontTx/>
                         <a:buNone/>
+                        <a:tabLst/>
+                        <a:defRPr/>
                       </a:pPr>
-                      <a:endParaRPr lang="pt-BR" sz="1200" dirty="0">
-                        <a:latin typeface="Verdana" pitchFamily="34" charset="0"/>
-                        <a:ea typeface="Verdana" pitchFamily="34" charset="0"/>
-                        <a:cs typeface="Verdana" pitchFamily="34" charset="0"/>
-                      </a:endParaRPr>
+                      <a:r>
+                        <a:rPr lang="pt-BR" sz="1200" dirty="0" smtClean="0">
+                          <a:latin typeface="Verdana" pitchFamily="34" charset="0"/>
+                          <a:ea typeface="Verdana" pitchFamily="34" charset="0"/>
+                          <a:cs typeface="Verdana" pitchFamily="34" charset="0"/>
+                        </a:rPr>
+                        <a:t>Time DEV</a:t>
+                      </a:r>
                     </a:p>
                   </a:txBody>
                   <a:tcPr anchor="ctr"/>
@@ -12418,23 +12671,56 @@
                     <a:bodyPr/>
                     <a:lstStyle/>
                     <a:p>
-                      <a:pPr algn="ctr"/>
-                      <a:endParaRPr lang="pt-BR" sz="1200" dirty="0">
-                        <a:latin typeface="Verdana" pitchFamily="34" charset="0"/>
-                        <a:ea typeface="Verdana" pitchFamily="34" charset="0"/>
-                        <a:cs typeface="Verdana" pitchFamily="34" charset="0"/>
-                      </a:endParaRPr>
-                    </a:p>
-                  </a:txBody>
-                  <a:tcPr anchor="ctr"/>
-                </a:tc>
-                <a:tc>
-                  <a:txBody>
-                    <a:bodyPr/>
-                    <a:lstStyle/>
-                    <a:p>
-                      <a:pPr algn="ctr"/>
-                      <a:endParaRPr lang="pt-BR" sz="1200" dirty="0">
+                      <a:pPr marL="0" marR="0" indent="0" algn="ctr" defTabSz="914400" rtl="0" eaLnBrk="1" fontAlgn="auto" latinLnBrk="0" hangingPunct="1">
+                        <a:lnSpc>
+                          <a:spcPct val="100000"/>
+                        </a:lnSpc>
+                        <a:spcBef>
+                          <a:spcPts val="0"/>
+                        </a:spcBef>
+                        <a:spcAft>
+                          <a:spcPts val="0"/>
+                        </a:spcAft>
+                        <a:buClrTx/>
+                        <a:buSzTx/>
+                        <a:buFontTx/>
+                        <a:buNone/>
+                        <a:tabLst/>
+                        <a:defRPr/>
+                      </a:pPr>
+                      <a:r>
+                        <a:rPr lang="pt-BR" sz="1200" dirty="0" smtClean="0">
+                          <a:latin typeface="Verdana" pitchFamily="34" charset="0"/>
+                          <a:ea typeface="Verdana" pitchFamily="34" charset="0"/>
+                          <a:cs typeface="Verdana" pitchFamily="34" charset="0"/>
+                        </a:rPr>
+                        <a:t>Geração</a:t>
+                      </a:r>
+                      <a:r>
+                        <a:rPr lang="pt-BR" sz="1200" baseline="0" dirty="0" smtClean="0">
+                          <a:latin typeface="Verdana" pitchFamily="34" charset="0"/>
+                          <a:ea typeface="Verdana" pitchFamily="34" charset="0"/>
+                          <a:cs typeface="Verdana" pitchFamily="34" charset="0"/>
+                        </a:rPr>
+                        <a:t> de bases recorrentes</a:t>
+                      </a:r>
+                      <a:r>
+                        <a:rPr lang="pt-BR" sz="1200" baseline="0" dirty="0">
+                          <a:latin typeface="Verdana" pitchFamily="34" charset="0"/>
+                          <a:ea typeface="Verdana" pitchFamily="34" charset="0"/>
+                          <a:cs typeface="Verdana" pitchFamily="34" charset="0"/>
+                        </a:rPr>
+                        <a:t> </a:t>
+                      </a:r>
+                      <a:r>
+                        <a:rPr lang="pt-BR" sz="1200" baseline="0" dirty="0" smtClean="0">
+                          <a:latin typeface="Verdana" pitchFamily="34" charset="0"/>
+                          <a:ea typeface="Verdana" pitchFamily="34" charset="0"/>
+                          <a:cs typeface="Verdana" pitchFamily="34" charset="0"/>
+                        </a:rPr>
+                        <a:t>para visualização no PBI</a:t>
+                      </a:r>
+                      <a:endParaRPr lang="pt-BR" sz="1200" dirty="0" smtClean="0">
                         <a:latin typeface="Verdana" pitchFamily="34" charset="0"/>
                         <a:ea typeface="Verdana" pitchFamily="34" charset="0"/>
                         <a:cs typeface="Verdana" pitchFamily="34" charset="0"/>
@@ -12449,7 +12735,7 @@
                   </a:ext>
                 </a:extLst>
               </a:tr>
-              <a:tr h="370840">
+              <a:tr h="255506">
                 <a:tc>
                   <a:txBody>
                     <a:bodyPr/>
@@ -12564,7 +12850,7 @@
                   </a:ext>
                 </a:extLst>
               </a:tr>
-              <a:tr h="370840">
+              <a:tr h="255506">
                 <a:tc>
                   <a:txBody>
                     <a:bodyPr/>
@@ -12679,7 +12965,7 @@
                   </a:ext>
                 </a:extLst>
               </a:tr>
-              <a:tr h="370840">
+              <a:tr h="255506">
                 <a:tc>
                   <a:txBody>
                     <a:bodyPr/>
@@ -13253,7 +13539,7 @@
         </p:blipFill>
         <p:spPr bwMode="auto">
           <a:xfrm>
-            <a:off x="3515540" y="4286929"/>
+            <a:off x="3407540" y="6326884"/>
             <a:ext cx="214313" cy="214312"/>
           </a:xfrm>
           <a:prstGeom prst="rect">
@@ -13291,7 +13577,7 @@
         </p:blipFill>
         <p:spPr bwMode="auto">
           <a:xfrm>
-            <a:off x="204012" y="4273745"/>
+            <a:off x="96012" y="6313700"/>
             <a:ext cx="190500" cy="190500"/>
           </a:xfrm>
           <a:prstGeom prst="rect">
@@ -13329,7 +13615,7 @@
         </p:blipFill>
         <p:spPr bwMode="auto">
           <a:xfrm>
-            <a:off x="1155823" y="4285893"/>
+            <a:off x="1047823" y="6325848"/>
             <a:ext cx="190500" cy="190500"/>
           </a:xfrm>
           <a:prstGeom prst="rect">
@@ -13360,7 +13646,7 @@
         </p:nvSpPr>
         <p:spPr bwMode="auto">
           <a:xfrm>
-            <a:off x="313897" y="4237493"/>
+            <a:off x="205897" y="6277448"/>
             <a:ext cx="882594" cy="252152"/>
           </a:xfrm>
           <a:prstGeom prst="rect">
@@ -13433,7 +13719,7 @@
         </p:nvSpPr>
         <p:spPr bwMode="auto">
           <a:xfrm>
-            <a:off x="1306377" y="4251004"/>
+            <a:off x="1198377" y="6290959"/>
             <a:ext cx="2209164" cy="253916"/>
           </a:xfrm>
           <a:prstGeom prst="rect">
@@ -13520,7 +13806,7 @@
         </p:nvSpPr>
         <p:spPr bwMode="auto">
           <a:xfrm>
-            <a:off x="3721294" y="4257762"/>
+            <a:off x="3613294" y="6297717"/>
             <a:ext cx="3287437" cy="253916"/>
           </a:xfrm>
           <a:prstGeom prst="rect">
@@ -13669,7 +13955,7 @@
         </p:blipFill>
         <p:spPr bwMode="auto">
           <a:xfrm>
-            <a:off x="961381" y="1321439"/>
+            <a:off x="961381" y="1266019"/>
             <a:ext cx="216000" cy="216000"/>
           </a:xfrm>
           <a:prstGeom prst="rect">
@@ -13709,6 +13995,82 @@
           <a:xfrm>
             <a:off x="970136" y="2000757"/>
             <a:ext cx="216000" cy="216000"/>
+          </a:xfrm>
+          <a:prstGeom prst="rect">
+            <a:avLst/>
+          </a:prstGeom>
+          <a:noFill/>
+          <a:ln w="9525">
+            <a:noFill/>
+            <a:miter lim="800000"/>
+            <a:headEnd/>
+            <a:tailEnd/>
+          </a:ln>
+        </p:spPr>
+      </p:pic>
+      <p:pic>
+        <p:nvPicPr>
+          <p:cNvPr id="19" name="Picture 53">
+            <a:extLst>
+              <a:ext uri="{FF2B5EF4-FFF2-40B4-BE49-F238E27FC236}">
+                <a16:creationId xmlns:a16="http://schemas.microsoft.com/office/drawing/2014/main" id="{227959E3-5414-47F0-80A9-3501A1D3A6FA}"/>
+              </a:ext>
+            </a:extLst>
+          </p:cNvPr>
+          <p:cNvPicPr>
+            <a:picLocks noChangeAspect="1" noChangeArrowheads="1"/>
+          </p:cNvPicPr>
+          <p:nvPr/>
+        </p:nvPicPr>
+        <p:blipFill>
+          <a:blip r:embed="rId3" cstate="print"/>
+          <a:srcRect/>
+          <a:stretch>
+            <a:fillRect/>
+          </a:stretch>
+        </p:blipFill>
+        <p:spPr bwMode="auto">
+          <a:xfrm>
+            <a:off x="952036" y="2513910"/>
+            <a:ext cx="214313" cy="214312"/>
+          </a:xfrm>
+          <a:prstGeom prst="rect">
+            <a:avLst/>
+          </a:prstGeom>
+          <a:noFill/>
+          <a:ln w="9525">
+            <a:noFill/>
+            <a:miter lim="800000"/>
+            <a:headEnd/>
+            <a:tailEnd/>
+          </a:ln>
+        </p:spPr>
+      </p:pic>
+      <p:pic>
+        <p:nvPicPr>
+          <p:cNvPr id="20" name="Picture 53">
+            <a:extLst>
+              <a:ext uri="{FF2B5EF4-FFF2-40B4-BE49-F238E27FC236}">
+                <a16:creationId xmlns:a16="http://schemas.microsoft.com/office/drawing/2014/main" id="{227959E3-5414-47F0-80A9-3501A1D3A6FA}"/>
+              </a:ext>
+            </a:extLst>
+          </p:cNvPr>
+          <p:cNvPicPr>
+            <a:picLocks noChangeAspect="1" noChangeArrowheads="1"/>
+          </p:cNvPicPr>
+          <p:nvPr/>
+        </p:nvPicPr>
+        <p:blipFill>
+          <a:blip r:embed="rId3" cstate="print"/>
+          <a:srcRect/>
+          <a:stretch>
+            <a:fillRect/>
+          </a:stretch>
+        </p:blipFill>
+        <p:spPr bwMode="auto">
+          <a:xfrm>
+            <a:off x="963068" y="3180328"/>
+            <a:ext cx="214313" cy="214312"/>
           </a:xfrm>
           <a:prstGeom prst="rect">
             <a:avLst/>
@@ -14079,14 +14441,14 @@
           <p:nvPr>
             <p:extLst>
               <p:ext uri="{D42A27DB-BD31-4B8C-83A1-F6EECF244321}">
-                <p14:modId xmlns:p14="http://schemas.microsoft.com/office/powerpoint/2010/main" val="1931607449"/>
+                <p14:modId xmlns:p14="http://schemas.microsoft.com/office/powerpoint/2010/main" val="1591769191"/>
               </p:ext>
             </p:extLst>
           </p:nvPr>
         </p:nvGraphicFramePr>
         <p:xfrm>
           <a:off x="851338" y="1366976"/>
-          <a:ext cx="9491887" cy="3551241"/>
+          <a:ext cx="9491887" cy="3494962"/>
         </p:xfrm>
         <a:graphic>
           <a:graphicData uri="http://schemas.openxmlformats.org/drawingml/2006/table">
@@ -14894,7 +15256,7 @@
                   </a:ext>
                 </a:extLst>
               </a:tr>
-              <a:tr h="347663">
+              <a:tr h="291384">
                 <a:tc>
                   <a:txBody>
                     <a:bodyPr/>
@@ -15705,17 +16067,26 @@
                         <a:buFontTx/>
                         <a:buNone/>
                         <a:tabLst/>
+                        <a:defRPr/>
                       </a:pPr>
-                      <a:endParaRPr kumimoji="0" lang="pt-BR" sz="1200" b="0" i="0" u="none" strike="noStrike" cap="none" normalizeH="0" baseline="0" dirty="0">
-                        <a:ln>
-                          <a:noFill/>
-                        </a:ln>
+                      <a:r>
+                        <a:rPr lang="pt-BR" sz="1200" kern="1200" dirty="0" smtClean="0">
+                          <a:solidFill>
+                            <a:schemeClr val="tx1"/>
+                          </a:solidFill>
+                          <a:latin typeface="Verdana" pitchFamily="34" charset="0"/>
+                          <a:ea typeface="Verdana" pitchFamily="34" charset="0"/>
+                          <a:cs typeface="Verdana" pitchFamily="34" charset="0"/>
+                        </a:rPr>
+                        <a:t>Utilização de PBI para visualização de insights</a:t>
+                      </a:r>
+                      <a:endParaRPr lang="pt-BR" sz="1200" kern="1200" dirty="0">
                         <a:solidFill>
-                          <a:srgbClr val="002D56"/>
+                          <a:schemeClr val="tx1"/>
                         </a:solidFill>
-                        <a:effectLst/>
-                        <a:latin typeface="Verdana" panose="020B0604030504040204" pitchFamily="34" charset="0"/>
-                        <a:ea typeface="Verdana" panose="020B0604030504040204" pitchFamily="34" charset="0"/>
+                        <a:latin typeface="Verdana" pitchFamily="34" charset="0"/>
+                        <a:ea typeface="Verdana" pitchFamily="34" charset="0"/>
+                        <a:cs typeface="Verdana" pitchFamily="34" charset="0"/>
                       </a:endParaRPr>
                     </a:p>
                   </a:txBody>
@@ -15952,6 +16323,20 @@
                         <a:buNone/>
                         <a:tabLst/>
                       </a:pPr>
+                      <a:r>
+                        <a:rPr kumimoji="0" lang="pt-BR" sz="1200" b="0" i="0" u="none" strike="noStrike" cap="none" normalizeH="0" baseline="0" dirty="0" smtClean="0">
+                          <a:ln>
+                            <a:noFill/>
+                          </a:ln>
+                          <a:solidFill>
+                            <a:srgbClr val="002D56"/>
+                          </a:solidFill>
+                          <a:effectLst/>
+                          <a:latin typeface="Verdana" panose="020B0604030504040204" pitchFamily="34" charset="0"/>
+                          <a:ea typeface="Verdana" panose="020B0604030504040204" pitchFamily="34" charset="0"/>
+                        </a:rPr>
+                        <a:t>TI</a:t>
+                      </a:r>
                       <a:endParaRPr kumimoji="0" lang="pt-BR" sz="1200" b="0" i="0" u="none" strike="noStrike" cap="none" normalizeH="0" baseline="0" dirty="0">
                         <a:ln>
                           <a:noFill/>
@@ -18701,11 +19086,11 @@
   <p:clrMapOvr>
     <a:masterClrMapping/>
   </p:clrMapOvr>
-  <mc:AlternateContent xmlns:mc="http://schemas.openxmlformats.org/markup-compatibility/2006">
-    <mc:Choice xmlns:p14="http://schemas.microsoft.com/office/powerpoint/2010/main" Requires="p14">
+  <mc:AlternateContent xmlns:mc="http://schemas.openxmlformats.org/markup-compatibility/2006" xmlns:p14="http://schemas.microsoft.com/office/powerpoint/2010/main">
+    <mc:Choice Requires="p14">
       <p:transition spd="slow" p14:dur="2000"/>
     </mc:Choice>
-    <mc:Fallback>
+    <mc:Fallback xmlns="">
       <p:transition spd="slow"/>
     </mc:Fallback>
   </mc:AlternateContent>
@@ -18761,7 +19146,7 @@
                 <a16:creationId xmlns:a16="http://schemas.microsoft.com/office/drawing/2014/main" id="{62A21665-C64F-4BDA-B2DE-442D70605718}"/>
               </a:ext>
               <a:ext uri="{C183D7F6-B498-43B3-948B-1728B52AA6E4}">
-                <adec:decorative xmlns="" xmlns:adec="http://schemas.microsoft.com/office/drawing/2017/decorative" val="1"/>
+                <adec:decorative xmlns:adec="http://schemas.microsoft.com/office/drawing/2017/decorative" xmlns="" val="1"/>
               </a:ext>
             </a:extLst>
           </p:cNvPr>
@@ -18926,41 +19311,6 @@
           </a:p>
         </p:txBody>
       </p:sp>
-      <p:pic>
-        <p:nvPicPr>
-          <p:cNvPr id="6" name="Imagem 5" descr="Esta imagem é um ícone que diz &quot;24Slides&quot;.">
-            <a:hlinkClick r:id="rId3"/>
-            <a:extLst>
-              <a:ext uri="{FF2B5EF4-FFF2-40B4-BE49-F238E27FC236}">
-                <a16:creationId xmlns:a16="http://schemas.microsoft.com/office/drawing/2014/main" id="{A86744F2-5246-4A0A-B119-35E7FB76A0D8}"/>
-              </a:ext>
-              <a:ext uri="{C183D7F6-B498-43B3-948B-1728B52AA6E4}">
-                <adec:decorative xmlns="" xmlns:adec="http://schemas.microsoft.com/office/drawing/2017/decorative" val="0"/>
-              </a:ext>
-            </a:extLst>
-          </p:cNvPr>
-          <p:cNvPicPr>
-            <a:picLocks noChangeAspect="1"/>
-          </p:cNvPicPr>
-          <p:nvPr/>
-        </p:nvPicPr>
-        <p:blipFill>
-          <a:blip r:embed="rId4"/>
-          <a:stretch>
-            <a:fillRect/>
-          </a:stretch>
-        </p:blipFill>
-        <p:spPr>
-          <a:xfrm>
-            <a:off x="5360332" y="5919419"/>
-            <a:ext cx="1471335" cy="420363"/>
-          </a:xfrm>
-          <a:prstGeom prst="rect">
-            <a:avLst/>
-          </a:prstGeom>
-          <a:effectLst/>
-        </p:spPr>
-      </p:pic>
     </p:spTree>
     <p:extLst>
       <p:ext uri="{BB962C8B-B14F-4D97-AF65-F5344CB8AC3E}">
@@ -19047,7 +19397,7 @@
                 <a16:creationId xmlns:a16="http://schemas.microsoft.com/office/drawing/2014/main" id="{D0986099-F5F2-4E8B-BE17-81194861A00C}"/>
               </a:ext>
               <a:ext uri="{C183D7F6-B498-43B3-948B-1728B52AA6E4}">
-                <adec:decorative xmlns="" xmlns:adec="http://schemas.microsoft.com/office/drawing/2017/decorative" val="1"/>
+                <adec:decorative xmlns:adec="http://schemas.microsoft.com/office/drawing/2017/decorative" xmlns="" val="1"/>
               </a:ext>
             </a:extLst>
           </p:cNvPr>
@@ -19187,7 +19537,7 @@
                 <a16:creationId xmlns:a16="http://schemas.microsoft.com/office/drawing/2014/main" id="{83E690F4-843A-47A5-8620-4FB01C0D8E68}"/>
               </a:ext>
               <a:ext uri="{C183D7F6-B498-43B3-948B-1728B52AA6E4}">
-                <adec:decorative xmlns="" xmlns:adec="http://schemas.microsoft.com/office/drawing/2017/decorative" val="1"/>
+                <adec:decorative xmlns:adec="http://schemas.microsoft.com/office/drawing/2017/decorative" xmlns="" val="1"/>
               </a:ext>
             </a:extLst>
           </p:cNvPr>
@@ -19831,7 +20181,7 @@
                 <a16:creationId xmlns:a16="http://schemas.microsoft.com/office/drawing/2014/main" id="{D0986099-F5F2-4E8B-BE17-81194861A00C}"/>
               </a:ext>
               <a:ext uri="{C183D7F6-B498-43B3-948B-1728B52AA6E4}">
-                <adec:decorative xmlns="" xmlns:adec="http://schemas.microsoft.com/office/drawing/2017/decorative" val="1"/>
+                <adec:decorative xmlns:adec="http://schemas.microsoft.com/office/drawing/2017/decorative" xmlns="" val="1"/>
               </a:ext>
             </a:extLst>
           </p:cNvPr>
@@ -19971,7 +20321,7 @@
                 <a16:creationId xmlns:a16="http://schemas.microsoft.com/office/drawing/2014/main" id="{83E690F4-843A-47A5-8620-4FB01C0D8E68}"/>
               </a:ext>
               <a:ext uri="{C183D7F6-B498-43B3-948B-1728B52AA6E4}">
-                <adec:decorative xmlns="" xmlns:adec="http://schemas.microsoft.com/office/drawing/2017/decorative" val="1"/>
+                <adec:decorative xmlns:adec="http://schemas.microsoft.com/office/drawing/2017/decorative" xmlns="" val="1"/>
               </a:ext>
             </a:extLst>
           </p:cNvPr>
@@ -20105,19 +20455,7 @@
                 </a:solidFill>
                 <a:cs typeface="Segoe UI" panose="020B0502040204020203" pitchFamily="34" charset="0"/>
               </a:rPr>
-              <a:t>Obter dados da mídias sociais em formato texto da</a:t>
-            </a:r>
-            <a:r>
-              <a:rPr lang="pt-BR" sz="2800" dirty="0" smtClean="0">
-                <a:solidFill>
-                  <a:schemeClr val="tx1">
-                    <a:lumMod val="75000"/>
-                    <a:lumOff val="25000"/>
-                  </a:schemeClr>
-                </a:solidFill>
-                <a:cs typeface="Segoe UI" panose="020B0502040204020203" pitchFamily="34" charset="0"/>
-              </a:rPr>
-              <a:t> API do  </a:t>
+              <a:t>Obter dados da mídias sociais em formato texto da API do  </a:t>
             </a:r>
             <a:r>
               <a:rPr lang="pt-BR" sz="2800" dirty="0" err="1" smtClean="0">
@@ -20277,15 +20615,6 @@
               </a:rPr>
               <a:t>Processamento e classificação texto: </a:t>
             </a:r>
-            <a:endParaRPr lang="pt-BR" sz="2800" b="1" u="sng" dirty="0" smtClean="0">
-              <a:solidFill>
-                <a:schemeClr val="tx1">
-                  <a:lumMod val="75000"/>
-                  <a:lumOff val="25000"/>
-                </a:schemeClr>
-              </a:solidFill>
-              <a:cs typeface="Segoe UI" panose="020B0502040204020203" pitchFamily="34" charset="0"/>
-            </a:endParaRPr>
           </a:p>
           <a:p>
             <a:pPr>
@@ -20527,15 +20856,6 @@
               </a:rPr>
               <a:t> para mineração e classificação do texto. </a:t>
             </a:r>
-            <a:endParaRPr lang="pt-BR" sz="2800" dirty="0" smtClean="0">
-              <a:solidFill>
-                <a:schemeClr val="tx1">
-                  <a:lumMod val="75000"/>
-                  <a:lumOff val="25000"/>
-                </a:schemeClr>
-              </a:solidFill>
-              <a:cs typeface="Segoe UI" panose="020B0502040204020203" pitchFamily="34" charset="0"/>
-            </a:endParaRPr>
           </a:p>
           <a:p>
             <a:pPr>
@@ -20625,7 +20945,7 @@
                 <a16:creationId xmlns:a16="http://schemas.microsoft.com/office/drawing/2014/main" id="{364CFD90-D0E1-4BC3-9D8B-7503E2632C39}"/>
               </a:ext>
               <a:ext uri="{C183D7F6-B498-43B3-948B-1728B52AA6E4}">
-                <adec:decorative xmlns="" xmlns:adec="http://schemas.microsoft.com/office/drawing/2017/decorative" val="1"/>
+                <adec:decorative xmlns:adec="http://schemas.microsoft.com/office/drawing/2017/decorative" xmlns="" val="1"/>
               </a:ext>
             </a:extLst>
           </p:cNvPr>
@@ -20721,7 +21041,7 @@
                 <a16:creationId xmlns:a16="http://schemas.microsoft.com/office/drawing/2014/main" id="{D0986099-F5F2-4E8B-BE17-81194861A00C}"/>
               </a:ext>
               <a:ext uri="{C183D7F6-B498-43B3-948B-1728B52AA6E4}">
-                <adec:decorative xmlns="" xmlns:adec="http://schemas.microsoft.com/office/drawing/2017/decorative" val="1"/>
+                <adec:decorative xmlns:adec="http://schemas.microsoft.com/office/drawing/2017/decorative" xmlns="" val="1"/>
               </a:ext>
             </a:extLst>
           </p:cNvPr>
@@ -20861,7 +21181,7 @@
                 <a16:creationId xmlns:a16="http://schemas.microsoft.com/office/drawing/2014/main" id="{83E690F4-843A-47A5-8620-4FB01C0D8E68}"/>
               </a:ext>
               <a:ext uri="{C183D7F6-B498-43B3-948B-1728B52AA6E4}">
-                <adec:decorative xmlns="" xmlns:adec="http://schemas.microsoft.com/office/drawing/2017/decorative" val="1"/>
+                <adec:decorative xmlns:adec="http://schemas.microsoft.com/office/drawing/2017/decorative" xmlns="" val="1"/>
               </a:ext>
             </a:extLst>
           </p:cNvPr>
@@ -20910,7 +21230,7 @@
                 <a16:creationId xmlns:a16="http://schemas.microsoft.com/office/drawing/2014/main" id="{E3ECCC05-FF78-40FA-84FF-172821D8B58A}"/>
               </a:ext>
               <a:ext uri="{C183D7F6-B498-43B3-948B-1728B52AA6E4}">
-                <adec:decorative xmlns="" xmlns:adec="http://schemas.microsoft.com/office/drawing/2017/decorative" val="1"/>
+                <adec:decorative xmlns:adec="http://schemas.microsoft.com/office/drawing/2017/decorative" xmlns="" val="1"/>
               </a:ext>
             </a:extLst>
           </p:cNvPr>
@@ -20973,7 +21293,7 @@
                 <a16:creationId xmlns:a16="http://schemas.microsoft.com/office/drawing/2014/main" id="{D6178536-4D8A-4FF2-BBDC-4B3E7E0FCF26}"/>
               </a:ext>
               <a:ext uri="{C183D7F6-B498-43B3-948B-1728B52AA6E4}">
-                <adec:decorative xmlns="" xmlns:adec="http://schemas.microsoft.com/office/drawing/2017/decorative" val="1"/>
+                <adec:decorative xmlns:adec="http://schemas.microsoft.com/office/drawing/2017/decorative" xmlns="" val="1"/>
               </a:ext>
             </a:extLst>
           </p:cNvPr>
@@ -21041,7 +21361,7 @@
                 <a16:creationId xmlns:a16="http://schemas.microsoft.com/office/drawing/2014/main" id="{416F1356-9015-4B5C-9C64-3C1D963E5F59}"/>
               </a:ext>
               <a:ext uri="{C183D7F6-B498-43B3-948B-1728B52AA6E4}">
-                <adec:decorative xmlns="" xmlns:adec="http://schemas.microsoft.com/office/drawing/2017/decorative" val="1"/>
+                <adec:decorative xmlns:adec="http://schemas.microsoft.com/office/drawing/2017/decorative" xmlns="" val="1"/>
               </a:ext>
             </a:extLst>
           </p:cNvPr>
@@ -21098,7 +21418,7 @@
                 <a16:creationId xmlns:a16="http://schemas.microsoft.com/office/drawing/2014/main" id="{EB7F2E37-0ACF-4E8A-9C1D-EC5B65BA2906}"/>
               </a:ext>
               <a:ext uri="{C183D7F6-B498-43B3-948B-1728B52AA6E4}">
-                <adec:decorative xmlns="" xmlns:adec="http://schemas.microsoft.com/office/drawing/2017/decorative" val="1"/>
+                <adec:decorative xmlns:adec="http://schemas.microsoft.com/office/drawing/2017/decorative" xmlns="" val="1"/>
               </a:ext>
             </a:extLst>
           </p:cNvPr>
@@ -21159,7 +21479,7 @@
                 <a16:creationId xmlns:a16="http://schemas.microsoft.com/office/drawing/2014/main" id="{88F812F5-70AF-4FBD-80D9-D59B3C456D5E}"/>
               </a:ext>
               <a:ext uri="{C183D7F6-B498-43B3-948B-1728B52AA6E4}">
-                <adec:decorative xmlns="" xmlns:adec="http://schemas.microsoft.com/office/drawing/2017/decorative" val="1"/>
+                <adec:decorative xmlns:adec="http://schemas.microsoft.com/office/drawing/2017/decorative" xmlns="" val="1"/>
               </a:ext>
             </a:extLst>
           </p:cNvPr>
@@ -21216,7 +21536,7 @@
                 <a16:creationId xmlns:a16="http://schemas.microsoft.com/office/drawing/2014/main" id="{952C5002-7E64-4069-ACA0-6876E54A9B46}"/>
               </a:ext>
               <a:ext uri="{C183D7F6-B498-43B3-948B-1728B52AA6E4}">
-                <adec:decorative xmlns="" xmlns:adec="http://schemas.microsoft.com/office/drawing/2017/decorative" val="1"/>
+                <adec:decorative xmlns:adec="http://schemas.microsoft.com/office/drawing/2017/decorative" xmlns="" val="1"/>
               </a:ext>
             </a:extLst>
           </p:cNvPr>
@@ -21277,7 +21597,7 @@
                 <a16:creationId xmlns:a16="http://schemas.microsoft.com/office/drawing/2014/main" id="{A49C5F3A-6F0D-4A0F-AE6E-92F342C22ACD}"/>
               </a:ext>
               <a:ext uri="{C183D7F6-B498-43B3-948B-1728B52AA6E4}">
-                <adec:decorative xmlns="" xmlns:adec="http://schemas.microsoft.com/office/drawing/2017/decorative" val="1"/>
+                <adec:decorative xmlns:adec="http://schemas.microsoft.com/office/drawing/2017/decorative" xmlns="" val="1"/>
               </a:ext>
             </a:extLst>
           </p:cNvPr>
@@ -21334,7 +21654,7 @@
                 <a16:creationId xmlns:a16="http://schemas.microsoft.com/office/drawing/2014/main" id="{94A75A79-A67A-4A23-8588-7FC5EB9A5183}"/>
               </a:ext>
               <a:ext uri="{C183D7F6-B498-43B3-948B-1728B52AA6E4}">
-                <adec:decorative xmlns="" xmlns:adec="http://schemas.microsoft.com/office/drawing/2017/decorative" val="1"/>
+                <adec:decorative xmlns:adec="http://schemas.microsoft.com/office/drawing/2017/decorative" xmlns="" val="1"/>
               </a:ext>
             </a:extLst>
           </p:cNvPr>
@@ -21395,7 +21715,7 @@
                 <a16:creationId xmlns:a16="http://schemas.microsoft.com/office/drawing/2014/main" id="{BBC62739-FA35-49F8-8929-743B31F55A69}"/>
               </a:ext>
               <a:ext uri="{C183D7F6-B498-43B3-948B-1728B52AA6E4}">
-                <adec:decorative xmlns="" xmlns:adec="http://schemas.microsoft.com/office/drawing/2017/decorative" val="1"/>
+                <adec:decorative xmlns:adec="http://schemas.microsoft.com/office/drawing/2017/decorative" xmlns="" val="1"/>
               </a:ext>
             </a:extLst>
           </p:cNvPr>
@@ -21452,7 +21772,7 @@
                 <a16:creationId xmlns:a16="http://schemas.microsoft.com/office/drawing/2014/main" id="{71BB375D-5EE6-4428-9817-2C7DB6B94332}"/>
               </a:ext>
               <a:ext uri="{C183D7F6-B498-43B3-948B-1728B52AA6E4}">
-                <adec:decorative xmlns="" xmlns:adec="http://schemas.microsoft.com/office/drawing/2017/decorative" val="1"/>
+                <adec:decorative xmlns:adec="http://schemas.microsoft.com/office/drawing/2017/decorative" xmlns="" val="1"/>
               </a:ext>
             </a:extLst>
           </p:cNvPr>
@@ -21517,7 +21837,7 @@
                 <a16:creationId xmlns:a16="http://schemas.microsoft.com/office/drawing/2014/main" id="{B3A511B7-C7F3-4107-9962-1E10D2E087DD}"/>
               </a:ext>
               <a:ext uri="{C183D7F6-B498-43B3-948B-1728B52AA6E4}">
-                <adec:decorative xmlns="" xmlns:adec="http://schemas.microsoft.com/office/drawing/2017/decorative" val="1"/>
+                <adec:decorative xmlns:adec="http://schemas.microsoft.com/office/drawing/2017/decorative" xmlns="" val="1"/>
               </a:ext>
             </a:extLst>
           </p:cNvPr>
@@ -21574,7 +21894,7 @@
                 <a16:creationId xmlns:a16="http://schemas.microsoft.com/office/drawing/2014/main" id="{D4D7D4B6-62C2-45AB-89A5-3A41DA021FD2}"/>
               </a:ext>
               <a:ext uri="{C183D7F6-B498-43B3-948B-1728B52AA6E4}">
-                <adec:decorative xmlns="" xmlns:adec="http://schemas.microsoft.com/office/drawing/2017/decorative" val="1"/>
+                <adec:decorative xmlns:adec="http://schemas.microsoft.com/office/drawing/2017/decorative" xmlns="" val="1"/>
               </a:ext>
             </a:extLst>
           </p:cNvPr>
@@ -21644,7 +21964,7 @@
                 <a16:creationId xmlns:a16="http://schemas.microsoft.com/office/drawing/2014/main" id="{83902602-D4BC-4D44-AC14-BB55A86C5D06}"/>
               </a:ext>
               <a:ext uri="{C183D7F6-B498-43B3-948B-1728B52AA6E4}">
-                <adec:decorative xmlns="" xmlns:adec="http://schemas.microsoft.com/office/drawing/2017/decorative" val="1"/>
+                <adec:decorative xmlns:adec="http://schemas.microsoft.com/office/drawing/2017/decorative" xmlns="" val="1"/>
               </a:ext>
             </a:extLst>
           </p:cNvPr>
@@ -29997,7 +30317,7 @@
                 <a16:creationId xmlns:a16="http://schemas.microsoft.com/office/drawing/2014/main" id="{D0986099-F5F2-4E8B-BE17-81194861A00C}"/>
               </a:ext>
               <a:ext uri="{C183D7F6-B498-43B3-948B-1728B52AA6E4}">
-                <adec:decorative xmlns="" xmlns:adec="http://schemas.microsoft.com/office/drawing/2017/decorative" val="1"/>
+                <adec:decorative xmlns:adec="http://schemas.microsoft.com/office/drawing/2017/decorative" xmlns="" val="1"/>
               </a:ext>
             </a:extLst>
           </p:cNvPr>
@@ -30126,7 +30446,7 @@
                 <a16:creationId xmlns:a16="http://schemas.microsoft.com/office/drawing/2014/main" id="{83E690F4-843A-47A5-8620-4FB01C0D8E68}"/>
               </a:ext>
               <a:ext uri="{C183D7F6-B498-43B3-948B-1728B52AA6E4}">
-                <adec:decorative xmlns="" xmlns:adec="http://schemas.microsoft.com/office/drawing/2017/decorative" val="1"/>
+                <adec:decorative xmlns:adec="http://schemas.microsoft.com/office/drawing/2017/decorative" xmlns="" val="1"/>
               </a:ext>
             </a:extLst>
           </p:cNvPr>
@@ -30175,7 +30495,7 @@
                 <a16:creationId xmlns:a16="http://schemas.microsoft.com/office/drawing/2014/main" id="{9F23A462-D581-4451-A275-D8FA412E142C}"/>
               </a:ext>
               <a:ext uri="{C183D7F6-B498-43B3-948B-1728B52AA6E4}">
-                <adec:decorative xmlns="" xmlns:adec="http://schemas.microsoft.com/office/drawing/2017/decorative" val="1"/>
+                <adec:decorative xmlns:adec="http://schemas.microsoft.com/office/drawing/2017/decorative" xmlns="" val="1"/>
               </a:ext>
             </a:extLst>
           </p:cNvPr>
@@ -30230,7 +30550,7 @@
                 <a16:creationId xmlns:a16="http://schemas.microsoft.com/office/drawing/2014/main" id="{3FAD125B-9A3B-49A4-B9EC-C8A6D3CF9CBF}"/>
               </a:ext>
               <a:ext uri="{C183D7F6-B498-43B3-948B-1728B52AA6E4}">
-                <adec:decorative xmlns="" xmlns:adec="http://schemas.microsoft.com/office/drawing/2017/decorative" val="1"/>
+                <adec:decorative xmlns:adec="http://schemas.microsoft.com/office/drawing/2017/decorative" xmlns="" val="1"/>
               </a:ext>
             </a:extLst>
           </p:cNvPr>
@@ -30285,7 +30605,7 @@
                 <a16:creationId xmlns:a16="http://schemas.microsoft.com/office/drawing/2014/main" id="{233E4AB5-6FC1-4454-9421-850EF5A4ADF3}"/>
               </a:ext>
               <a:ext uri="{C183D7F6-B498-43B3-948B-1728B52AA6E4}">
-                <adec:decorative xmlns="" xmlns:adec="http://schemas.microsoft.com/office/drawing/2017/decorative" val="1"/>
+                <adec:decorative xmlns:adec="http://schemas.microsoft.com/office/drawing/2017/decorative" xmlns="" val="1"/>
               </a:ext>
             </a:extLst>
           </p:cNvPr>
@@ -30342,7 +30662,7 @@
                 <a16:creationId xmlns:a16="http://schemas.microsoft.com/office/drawing/2014/main" id="{40123448-0B37-4226-B26C-A3081E6142FF}"/>
               </a:ext>
               <a:ext uri="{C183D7F6-B498-43B3-948B-1728B52AA6E4}">
-                <adec:decorative xmlns="" xmlns:adec="http://schemas.microsoft.com/office/drawing/2017/decorative" val="1"/>
+                <adec:decorative xmlns:adec="http://schemas.microsoft.com/office/drawing/2017/decorative" xmlns="" val="1"/>
               </a:ext>
             </a:extLst>
           </p:cNvPr>
@@ -30399,7 +30719,7 @@
                 <a16:creationId xmlns:a16="http://schemas.microsoft.com/office/drawing/2014/main" id="{355211EE-8286-42CD-A4AF-EDD1186B28A3}"/>
               </a:ext>
               <a:ext uri="{C183D7F6-B498-43B3-948B-1728B52AA6E4}">
-                <adec:decorative xmlns="" xmlns:adec="http://schemas.microsoft.com/office/drawing/2017/decorative" val="1"/>
+                <adec:decorative xmlns:adec="http://schemas.microsoft.com/office/drawing/2017/decorative" xmlns="" val="1"/>
               </a:ext>
             </a:extLst>
           </p:cNvPr>
@@ -30454,7 +30774,7 @@
                 <a16:creationId xmlns:a16="http://schemas.microsoft.com/office/drawing/2014/main" id="{D3287700-63E7-4098-B825-B123C11134C1}"/>
               </a:ext>
               <a:ext uri="{C183D7F6-B498-43B3-948B-1728B52AA6E4}">
-                <adec:decorative xmlns="" xmlns:adec="http://schemas.microsoft.com/office/drawing/2017/decorative" val="1"/>
+                <adec:decorative xmlns:adec="http://schemas.microsoft.com/office/drawing/2017/decorative" xmlns="" val="1"/>
               </a:ext>
             </a:extLst>
           </p:cNvPr>
@@ -30509,7 +30829,7 @@
                 <a16:creationId xmlns:a16="http://schemas.microsoft.com/office/drawing/2014/main" id="{69943F00-C6CB-4F10-A02B-801F37984D43}"/>
               </a:ext>
               <a:ext uri="{C183D7F6-B498-43B3-948B-1728B52AA6E4}">
-                <adec:decorative xmlns="" xmlns:adec="http://schemas.microsoft.com/office/drawing/2017/decorative" val="1"/>
+                <adec:decorative xmlns:adec="http://schemas.microsoft.com/office/drawing/2017/decorative" xmlns="" val="1"/>
               </a:ext>
             </a:extLst>
           </p:cNvPr>
@@ -30564,7 +30884,7 @@
                 <a16:creationId xmlns:a16="http://schemas.microsoft.com/office/drawing/2014/main" id="{78C71AAC-D0D2-4BBF-B302-54163A284EC6}"/>
               </a:ext>
               <a:ext uri="{C183D7F6-B498-43B3-948B-1728B52AA6E4}">
-                <adec:decorative xmlns="" xmlns:adec="http://schemas.microsoft.com/office/drawing/2017/decorative" val="1"/>
+                <adec:decorative xmlns:adec="http://schemas.microsoft.com/office/drawing/2017/decorative" xmlns="" val="1"/>
               </a:ext>
             </a:extLst>
           </p:cNvPr>
@@ -30613,7 +30933,7 @@
                 <a16:creationId xmlns:a16="http://schemas.microsoft.com/office/drawing/2014/main" id="{331AB5AC-284A-472B-B8E5-2F198F4E96D7}"/>
               </a:ext>
               <a:ext uri="{C183D7F6-B498-43B3-948B-1728B52AA6E4}">
-                <adec:decorative xmlns="" xmlns:adec="http://schemas.microsoft.com/office/drawing/2017/decorative" val="1"/>
+                <adec:decorative xmlns:adec="http://schemas.microsoft.com/office/drawing/2017/decorative" xmlns="" val="1"/>
               </a:ext>
             </a:extLst>
           </p:cNvPr>
@@ -30662,7 +30982,7 @@
                 <a16:creationId xmlns:a16="http://schemas.microsoft.com/office/drawing/2014/main" id="{91394D4E-BC7A-418D-B233-6C374456AEAE}"/>
               </a:ext>
               <a:ext uri="{C183D7F6-B498-43B3-948B-1728B52AA6E4}">
-                <adec:decorative xmlns="" xmlns:adec="http://schemas.microsoft.com/office/drawing/2017/decorative" val="1"/>
+                <adec:decorative xmlns:adec="http://schemas.microsoft.com/office/drawing/2017/decorative" xmlns="" val="1"/>
               </a:ext>
             </a:extLst>
           </p:cNvPr>
@@ -30711,7 +31031,7 @@
                 <a16:creationId xmlns:a16="http://schemas.microsoft.com/office/drawing/2014/main" id="{61AAA85B-D8C7-43BE-844A-625265015123}"/>
               </a:ext>
               <a:ext uri="{C183D7F6-B498-43B3-948B-1728B52AA6E4}">
-                <adec:decorative xmlns="" xmlns:adec="http://schemas.microsoft.com/office/drawing/2017/decorative" val="1"/>
+                <adec:decorative xmlns:adec="http://schemas.microsoft.com/office/drawing/2017/decorative" xmlns="" val="1"/>
               </a:ext>
             </a:extLst>
           </p:cNvPr>
@@ -30760,7 +31080,7 @@
                 <a16:creationId xmlns:a16="http://schemas.microsoft.com/office/drawing/2014/main" id="{4741AA56-D9ED-492E-8385-5CB8274B1286}"/>
               </a:ext>
               <a:ext uri="{C183D7F6-B498-43B3-948B-1728B52AA6E4}">
-                <adec:decorative xmlns="" xmlns:adec="http://schemas.microsoft.com/office/drawing/2017/decorative" val="1"/>
+                <adec:decorative xmlns:adec="http://schemas.microsoft.com/office/drawing/2017/decorative" xmlns="" val="1"/>
               </a:ext>
             </a:extLst>
           </p:cNvPr>
@@ -31262,7 +31582,7 @@
                 <a16:creationId xmlns:a16="http://schemas.microsoft.com/office/drawing/2014/main" id="{3FAD125B-9A3B-49A4-B9EC-C8A6D3CF9CBF}"/>
               </a:ext>
               <a:ext uri="{C183D7F6-B498-43B3-948B-1728B52AA6E4}">
-                <adec:decorative xmlns="" xmlns:adec="http://schemas.microsoft.com/office/drawing/2017/decorative" val="1"/>
+                <adec:decorative xmlns:adec="http://schemas.microsoft.com/office/drawing/2017/decorative" xmlns="" val="1"/>
               </a:ext>
             </a:extLst>
           </p:cNvPr>
@@ -31481,7 +31801,7 @@
                 <a16:creationId xmlns:a16="http://schemas.microsoft.com/office/drawing/2014/main" id="{D0986099-F5F2-4E8B-BE17-81194861A00C}"/>
               </a:ext>
               <a:ext uri="{C183D7F6-B498-43B3-948B-1728B52AA6E4}">
-                <adec:decorative xmlns="" xmlns:adec="http://schemas.microsoft.com/office/drawing/2017/decorative" val="1"/>
+                <adec:decorative xmlns:adec="http://schemas.microsoft.com/office/drawing/2017/decorative" xmlns="" val="1"/>
               </a:ext>
             </a:extLst>
           </p:cNvPr>
@@ -31610,7 +31930,7 @@
                 <a16:creationId xmlns:a16="http://schemas.microsoft.com/office/drawing/2014/main" id="{83E690F4-843A-47A5-8620-4FB01C0D8E68}"/>
               </a:ext>
               <a:ext uri="{C183D7F6-B498-43B3-948B-1728B52AA6E4}">
-                <adec:decorative xmlns="" xmlns:adec="http://schemas.microsoft.com/office/drawing/2017/decorative" val="1"/>
+                <adec:decorative xmlns:adec="http://schemas.microsoft.com/office/drawing/2017/decorative" xmlns="" val="1"/>
               </a:ext>
             </a:extLst>
           </p:cNvPr>
@@ -31774,7 +32094,7 @@
                   <a16:creationId xmlns:a16="http://schemas.microsoft.com/office/drawing/2014/main" id="{1D0C17FD-0081-40EF-A9FD-74C7001B881A}"/>
                 </a:ext>
                 <a:ext uri="{C183D7F6-B498-43B3-948B-1728B52AA6E4}">
-                  <adec:decorative xmlns="" xmlns:adec="http://schemas.microsoft.com/office/drawing/2017/decorative" val="1"/>
+                  <adec:decorative xmlns:adec="http://schemas.microsoft.com/office/drawing/2017/decorative" xmlns="" val="1"/>
                 </a:ext>
               </a:extLst>
             </p:cNvPr>
@@ -32005,7 +32325,7 @@
                   <a16:creationId xmlns:a16="http://schemas.microsoft.com/office/drawing/2014/main" id="{86A6D505-4CAD-4827-A8B4-1F7AC0D804FA}"/>
                 </a:ext>
                 <a:ext uri="{C183D7F6-B498-43B3-948B-1728B52AA6E4}">
-                  <adec:decorative xmlns="" xmlns:adec="http://schemas.microsoft.com/office/drawing/2017/decorative" val="1"/>
+                  <adec:decorative xmlns:adec="http://schemas.microsoft.com/office/drawing/2017/decorative" xmlns="" val="1"/>
                 </a:ext>
               </a:extLst>
             </p:cNvPr>
@@ -32228,7 +32548,7 @@
                   <a16:creationId xmlns:a16="http://schemas.microsoft.com/office/drawing/2014/main" id="{279F32E5-94F0-43DF-8EB6-84CFB7684F0C}"/>
                 </a:ext>
                 <a:ext uri="{C183D7F6-B498-43B3-948B-1728B52AA6E4}">
-                  <adec:decorative xmlns="" xmlns:adec="http://schemas.microsoft.com/office/drawing/2017/decorative" val="1"/>
+                  <adec:decorative xmlns:adec="http://schemas.microsoft.com/office/drawing/2017/decorative" xmlns="" val="1"/>
                 </a:ext>
               </a:extLst>
             </p:cNvPr>
@@ -32568,7 +32888,7 @@
                   <a16:creationId xmlns:a16="http://schemas.microsoft.com/office/drawing/2014/main" id="{FA215D57-115E-4EA6-82EB-CB2CD22D4237}"/>
                 </a:ext>
                 <a:ext uri="{C183D7F6-B498-43B3-948B-1728B52AA6E4}">
-                  <adec:decorative xmlns="" xmlns:adec="http://schemas.microsoft.com/office/drawing/2017/decorative" val="1"/>
+                  <adec:decorative xmlns:adec="http://schemas.microsoft.com/office/drawing/2017/decorative" xmlns="" val="1"/>
                 </a:ext>
               </a:extLst>
             </p:cNvPr>
@@ -32784,7 +33104,7 @@
                   <a16:creationId xmlns:a16="http://schemas.microsoft.com/office/drawing/2014/main" id="{F63E54AC-1CB7-43BF-B0A4-82DE6FEB1664}"/>
                 </a:ext>
                 <a:ext uri="{C183D7F6-B498-43B3-948B-1728B52AA6E4}">
-                  <adec:decorative xmlns="" xmlns:adec="http://schemas.microsoft.com/office/drawing/2017/decorative" val="1"/>
+                  <adec:decorative xmlns:adec="http://schemas.microsoft.com/office/drawing/2017/decorative" xmlns="" val="1"/>
                 </a:ext>
               </a:extLst>
             </p:cNvPr>
@@ -33138,7 +33458,7 @@
                   <a16:creationId xmlns:a16="http://schemas.microsoft.com/office/drawing/2014/main" id="{1D0C17FD-0081-40EF-A9FD-74C7001B881A}"/>
                 </a:ext>
                 <a:ext uri="{C183D7F6-B498-43B3-948B-1728B52AA6E4}">
-                  <adec:decorative xmlns="" xmlns:adec="http://schemas.microsoft.com/office/drawing/2017/decorative" val="1"/>
+                  <adec:decorative xmlns:adec="http://schemas.microsoft.com/office/drawing/2017/decorative" xmlns="" val="1"/>
                 </a:ext>
               </a:extLst>
             </p:cNvPr>
@@ -33361,7 +33681,7 @@
                   <a16:creationId xmlns:a16="http://schemas.microsoft.com/office/drawing/2014/main" id="{86A6D505-4CAD-4827-A8B4-1F7AC0D804FA}"/>
                 </a:ext>
                 <a:ext uri="{C183D7F6-B498-43B3-948B-1728B52AA6E4}">
-                  <adec:decorative xmlns="" xmlns:adec="http://schemas.microsoft.com/office/drawing/2017/decorative" val="1"/>
+                  <adec:decorative xmlns:adec="http://schemas.microsoft.com/office/drawing/2017/decorative" xmlns="" val="1"/>
                 </a:ext>
               </a:extLst>
             </p:cNvPr>
@@ -35994,7 +36314,7 @@
           <p:nvPr>
             <p:extLst>
               <p:ext uri="{D42A27DB-BD31-4B8C-83A1-F6EECF244321}">
-                <p14:modId xmlns:p14="http://schemas.microsoft.com/office/powerpoint/2010/main" val="2717131284"/>
+                <p14:modId xmlns:p14="http://schemas.microsoft.com/office/powerpoint/2010/main" val="3422301675"/>
               </p:ext>
             </p:extLst>
           </p:nvPr>
@@ -38191,7 +38511,7 @@
                           <a:effectLst/>
                           <a:latin typeface="FagoNoMed-Roman" pitchFamily="34" charset="0"/>
                         </a:rPr>
-                        <a:t>90</a:t>
+                        <a:t>100</a:t>
                       </a:r>
                       <a:r>
                         <a:rPr kumimoji="0" lang="pt-BR" sz="1600" b="0" i="0" u="none" strike="noStrike" cap="none" normalizeH="0" baseline="0" dirty="0" smtClean="0">
@@ -38290,7 +38610,7 @@
                         <a:tabLst/>
                       </a:pPr>
                       <a:r>
-                        <a:rPr kumimoji="0" lang="pt-BR" sz="1600" b="1" i="0" u="none" strike="noStrike" cap="none" normalizeH="0" baseline="0" dirty="0">
+                        <a:rPr kumimoji="0" lang="pt-BR" sz="1600" b="1" i="0" u="none" strike="noStrike" cap="none" normalizeH="0" baseline="0" dirty="0" smtClean="0">
                           <a:ln>
                             <a:noFill/>
                           </a:ln>
@@ -38300,8 +38620,18 @@
                           <a:effectLst/>
                           <a:latin typeface="FagoNoMed-Roman" pitchFamily="34" charset="0"/>
                         </a:rPr>
-                        <a:t>Em andamento</a:t>
+                        <a:t>Concluído</a:t>
                       </a:r>
+                      <a:endParaRPr kumimoji="0" lang="pt-BR" sz="1600" b="1" i="0" u="none" strike="noStrike" cap="none" normalizeH="0" baseline="0" dirty="0">
+                        <a:ln>
+                          <a:noFill/>
+                        </a:ln>
+                        <a:solidFill>
+                          <a:srgbClr val="00B050"/>
+                        </a:solidFill>
+                        <a:effectLst/>
+                        <a:latin typeface="FagoNoMed-Roman" pitchFamily="34" charset="0"/>
+                      </a:endParaRPr>
                     </a:p>
                   </a:txBody>
                   <a:tcPr marT="45706" marB="45706" anchor="ctr" horzOverflow="overflow">
@@ -38765,7 +39095,7 @@
                           <a:effectLst/>
                           <a:latin typeface="FagoNoMed-Roman" pitchFamily="34" charset="0"/>
                         </a:rPr>
-                        <a:t>90</a:t>
+                        <a:t>100</a:t>
                       </a:r>
                       <a:r>
                         <a:rPr kumimoji="0" lang="pt-BR" sz="1600" b="0" i="0" u="none" strike="noStrike" cap="none" normalizeH="0" baseline="0" dirty="0" smtClean="0">
@@ -38864,19 +39194,6 @@
                         <a:tabLst/>
                       </a:pPr>
                       <a:r>
-                        <a:rPr kumimoji="0" lang="pt-BR" sz="1600" b="1" i="0" u="none" strike="noStrike" cap="none" normalizeH="0" baseline="0" dirty="0">
-                          <a:ln>
-                            <a:noFill/>
-                          </a:ln>
-                          <a:solidFill>
-                            <a:srgbClr val="00B050"/>
-                          </a:solidFill>
-                          <a:effectLst/>
-                          <a:latin typeface="FagoNoMed-Roman" pitchFamily="34" charset="0"/>
-                        </a:rPr>
-                        <a:t>Em </a:t>
-                      </a:r>
-                      <a:r>
                         <a:rPr kumimoji="0" lang="pt-BR" sz="1600" b="1" i="0" u="none" strike="noStrike" cap="none" normalizeH="0" baseline="0" dirty="0" smtClean="0">
                           <a:ln>
                             <a:noFill/>
@@ -38887,7 +39204,7 @@
                           <a:effectLst/>
                           <a:latin typeface="FagoNoMed-Roman" pitchFamily="34" charset="0"/>
                         </a:rPr>
-                        <a:t>Homologação</a:t>
+                        <a:t>Concluído</a:t>
                       </a:r>
                       <a:endParaRPr kumimoji="0" lang="pt-BR" sz="1600" b="1" i="0" u="none" strike="noStrike" cap="none" normalizeH="0" baseline="0" dirty="0">
                         <a:ln>
@@ -39367,7 +39684,7 @@
                           <a:effectLst/>
                           <a:latin typeface="FagoNoMed-Roman" pitchFamily="34" charset="0"/>
                         </a:rPr>
-                        <a:t>70</a:t>
+                        <a:t>100</a:t>
                       </a:r>
                       <a:r>
                         <a:rPr kumimoji="0" lang="pt-BR" sz="1600" b="0" i="0" u="none" strike="noStrike" cap="none" normalizeH="0" baseline="0" dirty="0" smtClean="0">
@@ -39476,7 +39793,7 @@
                           <a:effectLst/>
                           <a:latin typeface="FagoNoMed-Roman" pitchFamily="34" charset="0"/>
                         </a:rPr>
-                        <a:t>Em Homologação</a:t>
+                        <a:t>Concluído</a:t>
                       </a:r>
                       <a:endParaRPr kumimoji="0" lang="pt-BR" sz="1600" b="1" i="0" u="none" strike="noStrike" cap="none" normalizeH="0" baseline="0" dirty="0">
                         <a:ln>
@@ -39541,6 +39858,554 @@
                 <a:extLst>
                   <a:ext uri="{0D108BD9-81ED-4DB2-BD59-A6C34878D82A}">
                     <a16:rowId xmlns:a16="http://schemas.microsoft.com/office/drawing/2014/main" val="440983822"/>
+                  </a:ext>
+                </a:extLst>
+              </a:tr>
+              <a:tr h="354681">
+                <a:tc>
+                  <a:txBody>
+                    <a:bodyPr/>
+                    <a:lstStyle/>
+                    <a:p>
+                      <a:pPr marL="0" marR="0" lvl="0" indent="0" algn="l" defTabSz="914400" rtl="0" eaLnBrk="1" fontAlgn="base" latinLnBrk="0" hangingPunct="1">
+                        <a:lnSpc>
+                          <a:spcPct val="100000"/>
+                        </a:lnSpc>
+                        <a:spcBef>
+                          <a:spcPct val="20000"/>
+                        </a:spcBef>
+                        <a:spcAft>
+                          <a:spcPct val="0"/>
+                        </a:spcAft>
+                        <a:buClr>
+                          <a:srgbClr val="F26631"/>
+                        </a:buClr>
+                        <a:buSzTx/>
+                        <a:buFontTx/>
+                        <a:buNone/>
+                        <a:tabLst/>
+                        <a:defRPr/>
+                      </a:pPr>
+                      <a:r>
+                        <a:rPr kumimoji="0" lang="pt-BR" sz="1600" b="0" i="0" u="none" strike="noStrike" cap="none" normalizeH="0" baseline="0" dirty="0" smtClean="0">
+                          <a:ln>
+                            <a:noFill/>
+                          </a:ln>
+                          <a:solidFill>
+                            <a:schemeClr val="tx1"/>
+                          </a:solidFill>
+                          <a:effectLst/>
+                          <a:latin typeface="FagoNoMed-Roman" pitchFamily="34" charset="0"/>
+                        </a:rPr>
+                        <a:t>Relatório NPS</a:t>
+                      </a:r>
+                    </a:p>
+                  </a:txBody>
+                  <a:tcPr marT="45706" marB="45706" anchor="ctr" horzOverflow="overflow">
+                    <a:lnL w="28575" cap="flat" cmpd="sng" algn="ctr">
+                      <a:solidFill>
+                        <a:schemeClr val="tx1"/>
+                      </a:solidFill>
+                      <a:prstDash val="solid"/>
+                      <a:round/>
+                      <a:headEnd type="none" w="med" len="med"/>
+                      <a:tailEnd type="none" w="med" len="med"/>
+                    </a:lnL>
+                    <a:lnR w="12700" cap="flat" cmpd="sng" algn="ctr">
+                      <a:solidFill>
+                        <a:schemeClr val="tx1"/>
+                      </a:solidFill>
+                      <a:prstDash val="solid"/>
+                      <a:round/>
+                      <a:headEnd type="none" w="med" len="med"/>
+                      <a:tailEnd type="none" w="med" len="med"/>
+                    </a:lnR>
+                    <a:lnT w="12700" cap="flat" cmpd="sng" algn="ctr">
+                      <a:solidFill>
+                        <a:schemeClr val="tx1"/>
+                      </a:solidFill>
+                      <a:prstDash val="solid"/>
+                      <a:round/>
+                      <a:headEnd type="none" w="med" len="med"/>
+                      <a:tailEnd type="none" w="med" len="med"/>
+                    </a:lnT>
+                    <a:lnB w="12700" cap="flat" cmpd="sng" algn="ctr">
+                      <a:solidFill>
+                        <a:schemeClr val="tx1"/>
+                      </a:solidFill>
+                      <a:prstDash val="solid"/>
+                      <a:round/>
+                      <a:headEnd type="none" w="med" len="med"/>
+                      <a:tailEnd type="none" w="med" len="med"/>
+                    </a:lnB>
+                    <a:lnTlToBr>
+                      <a:noFill/>
+                    </a:lnTlToBr>
+                    <a:lnBlToTr>
+                      <a:noFill/>
+                    </a:lnBlToTr>
+                    <a:solidFill>
+                      <a:schemeClr val="bg1"/>
+                    </a:solidFill>
+                  </a:tcPr>
+                </a:tc>
+                <a:tc>
+                  <a:txBody>
+                    <a:bodyPr/>
+                    <a:lstStyle/>
+                    <a:p>
+                      <a:pPr marL="0" marR="0" lvl="0" indent="0" algn="ctr" defTabSz="914400" rtl="0" eaLnBrk="1" fontAlgn="base" latinLnBrk="0" hangingPunct="1">
+                        <a:lnSpc>
+                          <a:spcPct val="100000"/>
+                        </a:lnSpc>
+                        <a:spcBef>
+                          <a:spcPct val="20000"/>
+                        </a:spcBef>
+                        <a:spcAft>
+                          <a:spcPct val="0"/>
+                        </a:spcAft>
+                        <a:buClr>
+                          <a:srgbClr val="F26631"/>
+                        </a:buClr>
+                        <a:buSzTx/>
+                        <a:buFontTx/>
+                        <a:buNone/>
+                        <a:tabLst/>
+                      </a:pPr>
+                      <a:endParaRPr kumimoji="0" lang="pt-BR" sz="1600" b="0" i="0" u="none" strike="noStrike" cap="none" normalizeH="0" baseline="0" dirty="0">
+                        <a:ln>
+                          <a:noFill/>
+                        </a:ln>
+                        <a:solidFill>
+                          <a:schemeClr val="tx1"/>
+                        </a:solidFill>
+                        <a:effectLst/>
+                        <a:latin typeface="FagoNoMed-Roman" pitchFamily="34" charset="0"/>
+                      </a:endParaRPr>
+                    </a:p>
+                  </a:txBody>
+                  <a:tcPr marT="45706" marB="45706" anchor="ctr" horzOverflow="overflow">
+                    <a:lnL w="12700" cap="flat" cmpd="sng" algn="ctr">
+                      <a:solidFill>
+                        <a:schemeClr val="tx1"/>
+                      </a:solidFill>
+                      <a:prstDash val="solid"/>
+                      <a:round/>
+                      <a:headEnd type="none" w="med" len="med"/>
+                      <a:tailEnd type="none" w="med" len="med"/>
+                    </a:lnL>
+                    <a:lnR w="12700" cap="flat" cmpd="sng" algn="ctr">
+                      <a:solidFill>
+                        <a:schemeClr val="tx1"/>
+                      </a:solidFill>
+                      <a:prstDash val="solid"/>
+                      <a:round/>
+                      <a:headEnd type="none" w="med" len="med"/>
+                      <a:tailEnd type="none" w="med" len="med"/>
+                    </a:lnR>
+                    <a:lnT w="12700" cap="flat" cmpd="sng" algn="ctr">
+                      <a:solidFill>
+                        <a:schemeClr val="tx1"/>
+                      </a:solidFill>
+                      <a:prstDash val="solid"/>
+                      <a:round/>
+                      <a:headEnd type="none" w="med" len="med"/>
+                      <a:tailEnd type="none" w="med" len="med"/>
+                    </a:lnT>
+                    <a:lnB w="12700" cap="flat" cmpd="sng" algn="ctr">
+                      <a:solidFill>
+                        <a:schemeClr val="tx1"/>
+                      </a:solidFill>
+                      <a:prstDash val="solid"/>
+                      <a:round/>
+                      <a:headEnd type="none" w="med" len="med"/>
+                      <a:tailEnd type="none" w="med" len="med"/>
+                    </a:lnB>
+                    <a:lnTlToBr>
+                      <a:noFill/>
+                    </a:lnTlToBr>
+                    <a:lnBlToTr>
+                      <a:noFill/>
+                    </a:lnBlToTr>
+                    <a:solidFill>
+                      <a:schemeClr val="bg1"/>
+                    </a:solidFill>
+                  </a:tcPr>
+                </a:tc>
+                <a:tc>
+                  <a:txBody>
+                    <a:bodyPr/>
+                    <a:lstStyle/>
+                    <a:p>
+                      <a:pPr marL="0" marR="0" lvl="0" indent="0" algn="ctr" defTabSz="914400" rtl="0" eaLnBrk="1" fontAlgn="base" latinLnBrk="0" hangingPunct="1">
+                        <a:lnSpc>
+                          <a:spcPct val="100000"/>
+                        </a:lnSpc>
+                        <a:spcBef>
+                          <a:spcPct val="20000"/>
+                        </a:spcBef>
+                        <a:spcAft>
+                          <a:spcPct val="0"/>
+                        </a:spcAft>
+                        <a:buClr>
+                          <a:srgbClr val="F26631"/>
+                        </a:buClr>
+                        <a:buSzTx/>
+                        <a:buFontTx/>
+                        <a:buNone/>
+                        <a:tabLst/>
+                        <a:defRPr/>
+                      </a:pPr>
+                      <a:r>
+                        <a:rPr kumimoji="0" lang="pt-BR" sz="1600" b="0" i="0" u="none" strike="noStrike" cap="none" normalizeH="0" baseline="0" dirty="0" smtClean="0">
+                          <a:ln>
+                            <a:noFill/>
+                          </a:ln>
+                          <a:solidFill>
+                            <a:schemeClr val="tx1"/>
+                          </a:solidFill>
+                          <a:effectLst/>
+                          <a:latin typeface="FagoNoMed-Roman" pitchFamily="34" charset="0"/>
+                        </a:rPr>
+                        <a:t>Execução</a:t>
+                      </a:r>
+                      <a:endParaRPr kumimoji="0" lang="pt-BR" sz="1600" b="0" i="0" u="none" strike="noStrike" kern="1200" cap="none" spc="0" normalizeH="0" baseline="0" noProof="0" dirty="0" smtClean="0">
+                        <a:ln>
+                          <a:noFill/>
+                        </a:ln>
+                        <a:solidFill>
+                          <a:prstClr val="black"/>
+                        </a:solidFill>
+                        <a:effectLst/>
+                        <a:uLnTx/>
+                        <a:uFillTx/>
+                        <a:latin typeface="FagoNoMed-Roman" pitchFamily="34" charset="0"/>
+                        <a:ea typeface="+mn-ea"/>
+                        <a:cs typeface="+mn-cs"/>
+                      </a:endParaRPr>
+                    </a:p>
+                  </a:txBody>
+                  <a:tcPr marT="45706" marB="45706" anchor="ctr" horzOverflow="overflow">
+                    <a:lnL w="12700" cap="flat" cmpd="sng" algn="ctr">
+                      <a:solidFill>
+                        <a:schemeClr val="tx1"/>
+                      </a:solidFill>
+                      <a:prstDash val="solid"/>
+                      <a:round/>
+                      <a:headEnd type="none" w="med" len="med"/>
+                      <a:tailEnd type="none" w="med" len="med"/>
+                    </a:lnL>
+                    <a:lnR w="12700" cap="flat" cmpd="sng" algn="ctr">
+                      <a:solidFill>
+                        <a:schemeClr val="tx1"/>
+                      </a:solidFill>
+                      <a:prstDash val="solid"/>
+                      <a:round/>
+                      <a:headEnd type="none" w="med" len="med"/>
+                      <a:tailEnd type="none" w="med" len="med"/>
+                    </a:lnR>
+                    <a:lnT w="12700" cap="flat" cmpd="sng" algn="ctr">
+                      <a:solidFill>
+                        <a:schemeClr val="tx1"/>
+                      </a:solidFill>
+                      <a:prstDash val="solid"/>
+                      <a:round/>
+                      <a:headEnd type="none" w="med" len="med"/>
+                      <a:tailEnd type="none" w="med" len="med"/>
+                    </a:lnT>
+                    <a:lnB w="12700" cap="flat" cmpd="sng" algn="ctr">
+                      <a:solidFill>
+                        <a:schemeClr val="tx1"/>
+                      </a:solidFill>
+                      <a:prstDash val="solid"/>
+                      <a:round/>
+                      <a:headEnd type="none" w="med" len="med"/>
+                      <a:tailEnd type="none" w="med" len="med"/>
+                    </a:lnB>
+                    <a:lnTlToBr>
+                      <a:noFill/>
+                    </a:lnTlToBr>
+                    <a:lnBlToTr>
+                      <a:noFill/>
+                    </a:lnBlToTr>
+                    <a:solidFill>
+                      <a:schemeClr val="bg1"/>
+                    </a:solidFill>
+                  </a:tcPr>
+                </a:tc>
+                <a:tc>
+                  <a:txBody>
+                    <a:bodyPr/>
+                    <a:lstStyle/>
+                    <a:p>
+                      <a:pPr marL="0" marR="0" lvl="0" indent="0" algn="ctr" defTabSz="914400" rtl="0" eaLnBrk="1" fontAlgn="base" latinLnBrk="0" hangingPunct="1">
+                        <a:lnSpc>
+                          <a:spcPct val="100000"/>
+                        </a:lnSpc>
+                        <a:spcBef>
+                          <a:spcPct val="20000"/>
+                        </a:spcBef>
+                        <a:spcAft>
+                          <a:spcPct val="0"/>
+                        </a:spcAft>
+                        <a:buClr>
+                          <a:srgbClr val="F26631"/>
+                        </a:buClr>
+                        <a:buSzTx/>
+                        <a:buFontTx/>
+                        <a:buNone/>
+                        <a:tabLst/>
+                      </a:pPr>
+                      <a:r>
+                        <a:rPr kumimoji="0" lang="pt-BR" sz="1600" b="0" i="0" u="none" strike="noStrike" cap="none" normalizeH="0" baseline="0" dirty="0" smtClean="0">
+                          <a:ln>
+                            <a:noFill/>
+                          </a:ln>
+                          <a:solidFill>
+                            <a:schemeClr val="tx1"/>
+                          </a:solidFill>
+                          <a:effectLst/>
+                          <a:latin typeface="FagoNoMed-Roman" pitchFamily="34" charset="0"/>
+                        </a:rPr>
+                        <a:t>07/08/2021</a:t>
+                      </a:r>
+                      <a:endParaRPr kumimoji="0" lang="pt-BR" sz="1600" b="0" i="0" u="none" strike="noStrike" cap="none" normalizeH="0" baseline="0" dirty="0">
+                        <a:ln>
+                          <a:noFill/>
+                        </a:ln>
+                        <a:solidFill>
+                          <a:schemeClr val="tx1"/>
+                        </a:solidFill>
+                        <a:effectLst/>
+                        <a:latin typeface="FagoNoMed-Roman" pitchFamily="34" charset="0"/>
+                      </a:endParaRPr>
+                    </a:p>
+                  </a:txBody>
+                  <a:tcPr marT="45706" marB="45706" anchor="ctr" horzOverflow="overflow">
+                    <a:lnL w="12700" cap="flat" cmpd="sng" algn="ctr">
+                      <a:solidFill>
+                        <a:schemeClr val="tx1"/>
+                      </a:solidFill>
+                      <a:prstDash val="solid"/>
+                      <a:round/>
+                      <a:headEnd type="none" w="med" len="med"/>
+                      <a:tailEnd type="none" w="med" len="med"/>
+                    </a:lnL>
+                    <a:lnR w="12700" cap="flat" cmpd="sng" algn="ctr">
+                      <a:solidFill>
+                        <a:schemeClr val="tx1"/>
+                      </a:solidFill>
+                      <a:prstDash val="solid"/>
+                      <a:round/>
+                      <a:headEnd type="none" w="med" len="med"/>
+                      <a:tailEnd type="none" w="med" len="med"/>
+                    </a:lnR>
+                    <a:lnT w="12700" cap="flat" cmpd="sng" algn="ctr">
+                      <a:solidFill>
+                        <a:schemeClr val="tx1"/>
+                      </a:solidFill>
+                      <a:prstDash val="solid"/>
+                      <a:round/>
+                      <a:headEnd type="none" w="med" len="med"/>
+                      <a:tailEnd type="none" w="med" len="med"/>
+                    </a:lnT>
+                    <a:lnB w="12700" cap="flat" cmpd="sng" algn="ctr">
+                      <a:solidFill>
+                        <a:schemeClr val="tx1"/>
+                      </a:solidFill>
+                      <a:prstDash val="solid"/>
+                      <a:round/>
+                      <a:headEnd type="none" w="med" len="med"/>
+                      <a:tailEnd type="none" w="med" len="med"/>
+                    </a:lnB>
+                    <a:lnTlToBr>
+                      <a:noFill/>
+                    </a:lnTlToBr>
+                    <a:lnBlToTr>
+                      <a:noFill/>
+                    </a:lnBlToTr>
+                    <a:solidFill>
+                      <a:schemeClr val="bg1"/>
+                    </a:solidFill>
+                  </a:tcPr>
+                </a:tc>
+                <a:tc>
+                  <a:txBody>
+                    <a:bodyPr/>
+                    <a:lstStyle/>
+                    <a:p>
+                      <a:pPr marL="0" marR="0" lvl="0" indent="0" algn="ctr" defTabSz="914400" rtl="0" eaLnBrk="1" fontAlgn="base" latinLnBrk="0" hangingPunct="1">
+                        <a:lnSpc>
+                          <a:spcPct val="100000"/>
+                        </a:lnSpc>
+                        <a:spcBef>
+                          <a:spcPct val="20000"/>
+                        </a:spcBef>
+                        <a:spcAft>
+                          <a:spcPct val="0"/>
+                        </a:spcAft>
+                        <a:buClr>
+                          <a:srgbClr val="F26631"/>
+                        </a:buClr>
+                        <a:buSzTx/>
+                        <a:buFontTx/>
+                        <a:buNone/>
+                        <a:tabLst/>
+                        <a:defRPr/>
+                      </a:pPr>
+                      <a:r>
+                        <a:rPr kumimoji="0" lang="pt-BR" sz="1600" b="0" i="0" u="none" strike="noStrike" cap="none" normalizeH="0" baseline="0" dirty="0" smtClean="0">
+                          <a:ln>
+                            <a:noFill/>
+                          </a:ln>
+                          <a:solidFill>
+                            <a:schemeClr val="tx1"/>
+                          </a:solidFill>
+                          <a:effectLst/>
+                          <a:latin typeface="FagoNoMed-Roman" pitchFamily="34" charset="0"/>
+                        </a:rPr>
+                        <a:t>85%</a:t>
+                      </a:r>
+                    </a:p>
+                  </a:txBody>
+                  <a:tcPr marT="45706" marB="45706" anchor="ctr" horzOverflow="overflow">
+                    <a:lnL w="12700" cap="flat" cmpd="sng" algn="ctr">
+                      <a:solidFill>
+                        <a:schemeClr val="tx1"/>
+                      </a:solidFill>
+                      <a:prstDash val="solid"/>
+                      <a:round/>
+                      <a:headEnd type="none" w="med" len="med"/>
+                      <a:tailEnd type="none" w="med" len="med"/>
+                    </a:lnL>
+                    <a:lnR w="12700" cap="flat" cmpd="sng" algn="ctr">
+                      <a:solidFill>
+                        <a:schemeClr val="tx1"/>
+                      </a:solidFill>
+                      <a:prstDash val="solid"/>
+                      <a:round/>
+                      <a:headEnd type="none" w="med" len="med"/>
+                      <a:tailEnd type="none" w="med" len="med"/>
+                    </a:lnR>
+                    <a:lnT w="12700" cap="flat" cmpd="sng" algn="ctr">
+                      <a:solidFill>
+                        <a:schemeClr val="tx1"/>
+                      </a:solidFill>
+                      <a:prstDash val="solid"/>
+                      <a:round/>
+                      <a:headEnd type="none" w="med" len="med"/>
+                      <a:tailEnd type="none" w="med" len="med"/>
+                    </a:lnT>
+                    <a:lnB w="12700" cap="flat" cmpd="sng" algn="ctr">
+                      <a:solidFill>
+                        <a:schemeClr val="tx1"/>
+                      </a:solidFill>
+                      <a:prstDash val="solid"/>
+                      <a:round/>
+                      <a:headEnd type="none" w="med" len="med"/>
+                      <a:tailEnd type="none" w="med" len="med"/>
+                    </a:lnB>
+                    <a:lnTlToBr>
+                      <a:noFill/>
+                    </a:lnTlToBr>
+                    <a:lnBlToTr>
+                      <a:noFill/>
+                    </a:lnBlToTr>
+                    <a:solidFill>
+                      <a:schemeClr val="bg1"/>
+                    </a:solidFill>
+                  </a:tcPr>
+                </a:tc>
+                <a:tc>
+                  <a:txBody>
+                    <a:bodyPr/>
+                    <a:lstStyle/>
+                    <a:p>
+                      <a:pPr marL="0" marR="0" lvl="0" indent="0" algn="ctr" defTabSz="914400" rtl="0" eaLnBrk="1" fontAlgn="base" latinLnBrk="0" hangingPunct="1">
+                        <a:lnSpc>
+                          <a:spcPct val="100000"/>
+                        </a:lnSpc>
+                        <a:spcBef>
+                          <a:spcPct val="20000"/>
+                        </a:spcBef>
+                        <a:spcAft>
+                          <a:spcPct val="0"/>
+                        </a:spcAft>
+                        <a:buClr>
+                          <a:srgbClr val="F26631"/>
+                        </a:buClr>
+                        <a:buSzTx/>
+                        <a:buFontTx/>
+                        <a:buNone/>
+                        <a:tabLst/>
+                        <a:defRPr/>
+                      </a:pPr>
+                      <a:r>
+                        <a:rPr kumimoji="0" lang="pt-BR" sz="1600" b="1" i="0" u="none" strike="noStrike" cap="none" normalizeH="0" baseline="0" dirty="0" smtClean="0">
+                          <a:ln>
+                            <a:noFill/>
+                          </a:ln>
+                          <a:solidFill>
+                            <a:srgbClr val="00B050"/>
+                          </a:solidFill>
+                          <a:effectLst/>
+                          <a:latin typeface="FagoNoMed-Roman" pitchFamily="34" charset="0"/>
+                        </a:rPr>
+                        <a:t>Em andamento</a:t>
+                      </a:r>
+                    </a:p>
+                  </a:txBody>
+                  <a:tcPr marT="45706" marB="45706" anchor="ctr" horzOverflow="overflow">
+                    <a:lnL w="12700" cap="flat" cmpd="sng" algn="ctr">
+                      <a:solidFill>
+                        <a:schemeClr val="tx1"/>
+                      </a:solidFill>
+                      <a:prstDash val="solid"/>
+                      <a:round/>
+                      <a:headEnd type="none" w="med" len="med"/>
+                      <a:tailEnd type="none" w="med" len="med"/>
+                    </a:lnL>
+                    <a:lnR w="28575" cap="flat" cmpd="sng" algn="ctr">
+                      <a:solidFill>
+                        <a:schemeClr val="tx1"/>
+                      </a:solidFill>
+                      <a:prstDash val="solid"/>
+                      <a:round/>
+                      <a:headEnd type="none" w="med" len="med"/>
+                      <a:tailEnd type="none" w="med" len="med"/>
+                    </a:lnR>
+                    <a:lnT w="12700" cap="flat" cmpd="sng" algn="ctr">
+                      <a:solidFill>
+                        <a:schemeClr val="tx1"/>
+                      </a:solidFill>
+                      <a:prstDash val="solid"/>
+                      <a:round/>
+                      <a:headEnd type="none" w="med" len="med"/>
+                      <a:tailEnd type="none" w="med" len="med"/>
+                    </a:lnT>
+                    <a:lnB w="12700" cap="flat" cmpd="sng" algn="ctr">
+                      <a:solidFill>
+                        <a:schemeClr val="tx1"/>
+                      </a:solidFill>
+                      <a:prstDash val="solid"/>
+                      <a:round/>
+                      <a:headEnd type="none" w="med" len="med"/>
+                      <a:tailEnd type="none" w="med" len="med"/>
+                    </a:lnB>
+                    <a:lnTlToBr>
+                      <a:noFill/>
+                    </a:lnTlToBr>
+                    <a:lnBlToTr>
+                      <a:noFill/>
+                    </a:lnBlToTr>
+                    <a:solidFill>
+                      <a:schemeClr val="bg1"/>
+                    </a:solidFill>
+                  </a:tcPr>
+                </a:tc>
+                <a:extLst>
+                  <a:ext uri="{0D108BD9-81ED-4DB2-BD59-A6C34878D82A}">
+                    <a16:rowId xmlns:a16="http://schemas.microsoft.com/office/drawing/2014/main" val="2596733404"/>
                   </a:ext>
                 </a:extLst>
               </a:tr>
@@ -39749,21 +40614,17 @@
                         <a:defRPr/>
                       </a:pPr>
                       <a:r>
-                        <a:rPr kumimoji="0" lang="pt-BR" sz="1600" b="0" i="0" u="none" strike="noStrike" kern="1200" cap="none" spc="0" normalizeH="0" baseline="0" noProof="0" dirty="0" err="1" smtClean="0">
+                        <a:rPr kumimoji="0" lang="pt-BR" sz="1600" b="0" i="0" u="none" strike="noStrike" cap="none" normalizeH="0" baseline="0" dirty="0" smtClean="0">
                           <a:ln>
                             <a:noFill/>
                           </a:ln>
                           <a:solidFill>
-                            <a:prstClr val="black"/>
+                            <a:schemeClr val="tx1"/>
                           </a:solidFill>
                           <a:effectLst/>
-                          <a:uLnTx/>
-                          <a:uFillTx/>
                           <a:latin typeface="FagoNoMed-Roman" pitchFamily="34" charset="0"/>
-                          <a:ea typeface="+mn-ea"/>
-                          <a:cs typeface="+mn-cs"/>
                         </a:rPr>
-                        <a:t>Backlog</a:t>
+                        <a:t>Execução</a:t>
                       </a:r>
                       <a:endParaRPr kumimoji="0" lang="pt-BR" sz="1600" b="0" i="0" u="none" strike="noStrike" kern="1200" cap="none" spc="0" normalizeH="0" baseline="0" noProof="0" dirty="0">
                         <a:ln>
@@ -39959,621 +40820,7 @@
                           <a:effectLst/>
                           <a:latin typeface="FagoNoMed-Roman" pitchFamily="34" charset="0"/>
                         </a:rPr>
-                        <a:t>0</a:t>
-                      </a:r>
-                      <a:r>
-                        <a:rPr kumimoji="0" lang="pt-BR" sz="1600" b="0" i="0" u="none" strike="noStrike" cap="none" normalizeH="0" baseline="0" dirty="0" smtClean="0">
-                          <a:ln>
-                            <a:noFill/>
-                          </a:ln>
-                          <a:solidFill>
-                            <a:schemeClr val="tx1"/>
-                          </a:solidFill>
-                          <a:effectLst/>
-                          <a:latin typeface="FagoNoMed-Roman" pitchFamily="34" charset="0"/>
-                        </a:rPr>
-                        <a:t>%</a:t>
-                      </a:r>
-                      <a:endParaRPr kumimoji="0" lang="pt-BR" sz="1600" b="0" i="0" u="none" strike="noStrike" cap="none" normalizeH="0" baseline="0" dirty="0">
-                        <a:ln>
-                          <a:noFill/>
-                        </a:ln>
-                        <a:solidFill>
-                          <a:schemeClr val="tx1"/>
-                        </a:solidFill>
-                        <a:effectLst/>
-                        <a:latin typeface="FagoNoMed-Roman" pitchFamily="34" charset="0"/>
-                      </a:endParaRPr>
-                    </a:p>
-                  </a:txBody>
-                  <a:tcPr marT="45706" marB="45706" anchor="ctr" horzOverflow="overflow">
-                    <a:lnL w="12700" cap="flat" cmpd="sng" algn="ctr">
-                      <a:solidFill>
-                        <a:schemeClr val="tx1"/>
-                      </a:solidFill>
-                      <a:prstDash val="solid"/>
-                      <a:round/>
-                      <a:headEnd type="none" w="med" len="med"/>
-                      <a:tailEnd type="none" w="med" len="med"/>
-                    </a:lnL>
-                    <a:lnR w="12700" cap="flat" cmpd="sng" algn="ctr">
-                      <a:solidFill>
-                        <a:schemeClr val="tx1"/>
-                      </a:solidFill>
-                      <a:prstDash val="solid"/>
-                      <a:round/>
-                      <a:headEnd type="none" w="med" len="med"/>
-                      <a:tailEnd type="none" w="med" len="med"/>
-                    </a:lnR>
-                    <a:lnT w="12700" cap="flat" cmpd="sng" algn="ctr">
-                      <a:solidFill>
-                        <a:schemeClr val="tx1"/>
-                      </a:solidFill>
-                      <a:prstDash val="solid"/>
-                      <a:round/>
-                      <a:headEnd type="none" w="med" len="med"/>
-                      <a:tailEnd type="none" w="med" len="med"/>
-                    </a:lnT>
-                    <a:lnB w="12700" cap="flat" cmpd="sng" algn="ctr">
-                      <a:solidFill>
-                        <a:schemeClr val="tx1"/>
-                      </a:solidFill>
-                      <a:prstDash val="solid"/>
-                      <a:round/>
-                      <a:headEnd type="none" w="med" len="med"/>
-                      <a:tailEnd type="none" w="med" len="med"/>
-                    </a:lnB>
-                    <a:lnTlToBr>
-                      <a:noFill/>
-                    </a:lnTlToBr>
-                    <a:lnBlToTr>
-                      <a:noFill/>
-                    </a:lnBlToTr>
-                    <a:solidFill>
-                      <a:schemeClr val="bg1"/>
-                    </a:solidFill>
-                  </a:tcPr>
-                </a:tc>
-                <a:tc>
-                  <a:txBody>
-                    <a:bodyPr/>
-                    <a:lstStyle/>
-                    <a:p>
-                      <a:pPr marL="0" marR="0" lvl="0" indent="0" algn="ctr" defTabSz="914400" rtl="0" eaLnBrk="1" fontAlgn="base" latinLnBrk="0" hangingPunct="1">
-                        <a:lnSpc>
-                          <a:spcPct val="100000"/>
-                        </a:lnSpc>
-                        <a:spcBef>
-                          <a:spcPct val="20000"/>
-                        </a:spcBef>
-                        <a:spcAft>
-                          <a:spcPct val="0"/>
-                        </a:spcAft>
-                        <a:buClr>
-                          <a:srgbClr val="F26631"/>
-                        </a:buClr>
-                        <a:buSzTx/>
-                        <a:buFontTx/>
-                        <a:buNone/>
-                        <a:tabLst/>
-                      </a:pPr>
-                      <a:r>
-                        <a:rPr kumimoji="0" lang="pt-BR" sz="1600" b="1" i="0" u="none" strike="noStrike" cap="none" normalizeH="0" baseline="0" dirty="0" smtClean="0">
-                          <a:ln>
-                            <a:noFill/>
-                          </a:ln>
-                          <a:solidFill>
-                            <a:srgbClr val="00B050"/>
-                          </a:solidFill>
-                          <a:effectLst/>
-                          <a:latin typeface="FagoNoMed-Roman" pitchFamily="34" charset="0"/>
-                        </a:rPr>
-                        <a:t>Não iniciado</a:t>
-                      </a:r>
-                      <a:endParaRPr kumimoji="0" lang="pt-BR" sz="1600" b="1" i="0" u="none" strike="noStrike" cap="none" normalizeH="0" baseline="0" dirty="0">
-                        <a:ln>
-                          <a:noFill/>
-                        </a:ln>
-                        <a:solidFill>
-                          <a:srgbClr val="00B050"/>
-                        </a:solidFill>
-                        <a:effectLst/>
-                        <a:latin typeface="FagoNoMed-Roman" pitchFamily="34" charset="0"/>
-                      </a:endParaRPr>
-                    </a:p>
-                  </a:txBody>
-                  <a:tcPr marT="45706" marB="45706" anchor="ctr" horzOverflow="overflow">
-                    <a:lnL w="12700" cap="flat" cmpd="sng" algn="ctr">
-                      <a:solidFill>
-                        <a:schemeClr val="tx1"/>
-                      </a:solidFill>
-                      <a:prstDash val="solid"/>
-                      <a:round/>
-                      <a:headEnd type="none" w="med" len="med"/>
-                      <a:tailEnd type="none" w="med" len="med"/>
-                    </a:lnL>
-                    <a:lnR w="28575" cap="flat" cmpd="sng" algn="ctr">
-                      <a:solidFill>
-                        <a:schemeClr val="tx1"/>
-                      </a:solidFill>
-                      <a:prstDash val="solid"/>
-                      <a:round/>
-                      <a:headEnd type="none" w="med" len="med"/>
-                      <a:tailEnd type="none" w="med" len="med"/>
-                    </a:lnR>
-                    <a:lnT w="12700" cap="flat" cmpd="sng" algn="ctr">
-                      <a:solidFill>
-                        <a:schemeClr val="tx1"/>
-                      </a:solidFill>
-                      <a:prstDash val="solid"/>
-                      <a:round/>
-                      <a:headEnd type="none" w="med" len="med"/>
-                      <a:tailEnd type="none" w="med" len="med"/>
-                    </a:lnT>
-                    <a:lnB w="12700" cap="flat" cmpd="sng" algn="ctr">
-                      <a:solidFill>
-                        <a:schemeClr val="tx1"/>
-                      </a:solidFill>
-                      <a:prstDash val="solid"/>
-                      <a:round/>
-                      <a:headEnd type="none" w="med" len="med"/>
-                      <a:tailEnd type="none" w="med" len="med"/>
-                    </a:lnB>
-                    <a:lnTlToBr>
-                      <a:noFill/>
-                    </a:lnTlToBr>
-                    <a:lnBlToTr>
-                      <a:noFill/>
-                    </a:lnBlToTr>
-                    <a:solidFill>
-                      <a:schemeClr val="bg1"/>
-                    </a:solidFill>
-                  </a:tcPr>
-                </a:tc>
-                <a:extLst>
-                  <a:ext uri="{0D108BD9-81ED-4DB2-BD59-A6C34878D82A}">
-                    <a16:rowId xmlns:a16="http://schemas.microsoft.com/office/drawing/2014/main" val="3579000295"/>
-                  </a:ext>
-                </a:extLst>
-              </a:tr>
-              <a:tr h="354681">
-                <a:tc>
-                  <a:txBody>
-                    <a:bodyPr/>
-                    <a:lstStyle/>
-                    <a:p>
-                      <a:pPr marL="0" marR="0" lvl="0" indent="0" algn="l" defTabSz="914400" rtl="0" eaLnBrk="1" fontAlgn="base" latinLnBrk="0" hangingPunct="1">
-                        <a:lnSpc>
-                          <a:spcPct val="100000"/>
-                        </a:lnSpc>
-                        <a:spcBef>
-                          <a:spcPct val="20000"/>
-                        </a:spcBef>
-                        <a:spcAft>
-                          <a:spcPct val="0"/>
-                        </a:spcAft>
-                        <a:buClr>
-                          <a:srgbClr val="F26631"/>
-                        </a:buClr>
-                        <a:buSzTx/>
-                        <a:buFontTx/>
-                        <a:buNone/>
-                        <a:tabLst/>
-                      </a:pPr>
-                      <a:r>
-                        <a:rPr kumimoji="0" lang="pt-BR" sz="1600" b="0" i="0" u="none" strike="noStrike" cap="none" normalizeH="0" baseline="0" dirty="0" smtClean="0">
-                          <a:ln>
-                            <a:noFill/>
-                          </a:ln>
-                          <a:solidFill>
-                            <a:schemeClr val="tx1"/>
-                          </a:solidFill>
-                          <a:effectLst/>
-                          <a:latin typeface="FagoNoMed-Roman" pitchFamily="34" charset="0"/>
-                        </a:rPr>
-                        <a:t>Relatório NPS</a:t>
-                      </a:r>
-                      <a:endParaRPr kumimoji="0" lang="pt-BR" sz="1600" b="0" i="0" u="none" strike="noStrike" cap="none" normalizeH="0" baseline="0" dirty="0">
-                        <a:ln>
-                          <a:noFill/>
-                        </a:ln>
-                        <a:solidFill>
-                          <a:schemeClr val="tx1"/>
-                        </a:solidFill>
-                        <a:effectLst/>
-                        <a:latin typeface="FagoNoMed-Roman" pitchFamily="34" charset="0"/>
-                      </a:endParaRPr>
-                    </a:p>
-                  </a:txBody>
-                  <a:tcPr marT="45706" marB="45706" anchor="ctr" horzOverflow="overflow">
-                    <a:lnL w="28575" cap="flat" cmpd="sng" algn="ctr">
-                      <a:solidFill>
-                        <a:schemeClr val="tx1"/>
-                      </a:solidFill>
-                      <a:prstDash val="solid"/>
-                      <a:round/>
-                      <a:headEnd type="none" w="med" len="med"/>
-                      <a:tailEnd type="none" w="med" len="med"/>
-                    </a:lnL>
-                    <a:lnR w="12700" cap="flat" cmpd="sng" algn="ctr">
-                      <a:solidFill>
-                        <a:schemeClr val="tx1"/>
-                      </a:solidFill>
-                      <a:prstDash val="solid"/>
-                      <a:round/>
-                      <a:headEnd type="none" w="med" len="med"/>
-                      <a:tailEnd type="none" w="med" len="med"/>
-                    </a:lnR>
-                    <a:lnT w="12700" cap="flat" cmpd="sng" algn="ctr">
-                      <a:solidFill>
-                        <a:schemeClr val="tx1"/>
-                      </a:solidFill>
-                      <a:prstDash val="solid"/>
-                      <a:round/>
-                      <a:headEnd type="none" w="med" len="med"/>
-                      <a:tailEnd type="none" w="med" len="med"/>
-                    </a:lnT>
-                    <a:lnB w="12700" cap="flat" cmpd="sng" algn="ctr">
-                      <a:solidFill>
-                        <a:schemeClr val="tx1"/>
-                      </a:solidFill>
-                      <a:prstDash val="solid"/>
-                      <a:round/>
-                      <a:headEnd type="none" w="med" len="med"/>
-                      <a:tailEnd type="none" w="med" len="med"/>
-                    </a:lnB>
-                    <a:lnTlToBr>
-                      <a:noFill/>
-                    </a:lnTlToBr>
-                    <a:lnBlToTr>
-                      <a:noFill/>
-                    </a:lnBlToTr>
-                    <a:solidFill>
-                      <a:schemeClr val="bg1"/>
-                    </a:solidFill>
-                  </a:tcPr>
-                </a:tc>
-                <a:tc>
-                  <a:txBody>
-                    <a:bodyPr/>
-                    <a:lstStyle/>
-                    <a:p>
-                      <a:pPr marL="0" marR="0" lvl="0" indent="0" algn="ctr" defTabSz="914400" rtl="0" eaLnBrk="1" fontAlgn="base" latinLnBrk="0" hangingPunct="1">
-                        <a:lnSpc>
-                          <a:spcPct val="100000"/>
-                        </a:lnSpc>
-                        <a:spcBef>
-                          <a:spcPct val="20000"/>
-                        </a:spcBef>
-                        <a:spcAft>
-                          <a:spcPct val="0"/>
-                        </a:spcAft>
-                        <a:buClr>
-                          <a:srgbClr val="F26631"/>
-                        </a:buClr>
-                        <a:buSzTx/>
-                        <a:buFontTx/>
-                        <a:buNone/>
-                        <a:tabLst/>
-                      </a:pPr>
-                      <a:endParaRPr kumimoji="0" lang="pt-BR" sz="1600" b="0" i="0" u="none" strike="noStrike" cap="none" normalizeH="0" baseline="0" dirty="0">
-                        <a:ln>
-                          <a:noFill/>
-                        </a:ln>
-                        <a:solidFill>
-                          <a:schemeClr val="tx1"/>
-                        </a:solidFill>
-                        <a:effectLst/>
-                        <a:latin typeface="FagoNoMed-Roman" pitchFamily="34" charset="0"/>
-                      </a:endParaRPr>
-                    </a:p>
-                  </a:txBody>
-                  <a:tcPr marT="45706" marB="45706" anchor="ctr" horzOverflow="overflow">
-                    <a:lnL w="12700" cap="flat" cmpd="sng" algn="ctr">
-                      <a:solidFill>
-                        <a:schemeClr val="tx1"/>
-                      </a:solidFill>
-                      <a:prstDash val="solid"/>
-                      <a:round/>
-                      <a:headEnd type="none" w="med" len="med"/>
-                      <a:tailEnd type="none" w="med" len="med"/>
-                    </a:lnL>
-                    <a:lnR w="12700" cap="flat" cmpd="sng" algn="ctr">
-                      <a:solidFill>
-                        <a:schemeClr val="tx1"/>
-                      </a:solidFill>
-                      <a:prstDash val="solid"/>
-                      <a:round/>
-                      <a:headEnd type="none" w="med" len="med"/>
-                      <a:tailEnd type="none" w="med" len="med"/>
-                    </a:lnR>
-                    <a:lnT w="12700" cap="flat" cmpd="sng" algn="ctr">
-                      <a:solidFill>
-                        <a:schemeClr val="tx1"/>
-                      </a:solidFill>
-                      <a:prstDash val="solid"/>
-                      <a:round/>
-                      <a:headEnd type="none" w="med" len="med"/>
-                      <a:tailEnd type="none" w="med" len="med"/>
-                    </a:lnT>
-                    <a:lnB w="12700" cap="flat" cmpd="sng" algn="ctr">
-                      <a:solidFill>
-                        <a:schemeClr val="tx1"/>
-                      </a:solidFill>
-                      <a:prstDash val="solid"/>
-                      <a:round/>
-                      <a:headEnd type="none" w="med" len="med"/>
-                      <a:tailEnd type="none" w="med" len="med"/>
-                    </a:lnB>
-                    <a:lnTlToBr>
-                      <a:noFill/>
-                    </a:lnTlToBr>
-                    <a:lnBlToTr>
-                      <a:noFill/>
-                    </a:lnBlToTr>
-                    <a:solidFill>
-                      <a:schemeClr val="bg1"/>
-                    </a:solidFill>
-                  </a:tcPr>
-                </a:tc>
-                <a:tc>
-                  <a:txBody>
-                    <a:bodyPr/>
-                    <a:lstStyle/>
-                    <a:p>
-                      <a:pPr marL="0" marR="0" lvl="0" indent="0" algn="ctr" defTabSz="914400" rtl="0" eaLnBrk="1" fontAlgn="base" latinLnBrk="0" hangingPunct="1">
-                        <a:lnSpc>
-                          <a:spcPct val="100000"/>
-                        </a:lnSpc>
-                        <a:spcBef>
-                          <a:spcPct val="20000"/>
-                        </a:spcBef>
-                        <a:spcAft>
-                          <a:spcPct val="0"/>
-                        </a:spcAft>
-                        <a:buClr>
-                          <a:srgbClr val="F26631"/>
-                        </a:buClr>
-                        <a:buSzTx/>
-                        <a:buFontTx/>
-                        <a:buNone/>
-                        <a:tabLst/>
-                        <a:defRPr/>
-                      </a:pPr>
-                      <a:r>
-                        <a:rPr kumimoji="0" lang="pt-BR" sz="1600" b="0" i="0" u="none" strike="noStrike" kern="1200" cap="none" spc="0" normalizeH="0" baseline="0" noProof="0" dirty="0" err="1" smtClean="0">
-                          <a:ln>
-                            <a:noFill/>
-                          </a:ln>
-                          <a:solidFill>
-                            <a:prstClr val="black"/>
-                          </a:solidFill>
-                          <a:effectLst/>
-                          <a:uLnTx/>
-                          <a:uFillTx/>
-                          <a:latin typeface="FagoNoMed-Roman" pitchFamily="34" charset="0"/>
-                          <a:ea typeface="+mn-ea"/>
-                          <a:cs typeface="+mn-cs"/>
-                        </a:rPr>
-                        <a:t>Backlog</a:t>
-                      </a:r>
-                      <a:endParaRPr kumimoji="0" lang="pt-BR" sz="1600" b="0" i="0" u="none" strike="noStrike" kern="1200" cap="none" spc="0" normalizeH="0" baseline="0" noProof="0" dirty="0">
-                        <a:ln>
-                          <a:noFill/>
-                        </a:ln>
-                        <a:solidFill>
-                          <a:prstClr val="black"/>
-                        </a:solidFill>
-                        <a:effectLst/>
-                        <a:uLnTx/>
-                        <a:uFillTx/>
-                        <a:latin typeface="FagoNoMed-Roman" pitchFamily="34" charset="0"/>
-                        <a:ea typeface="+mn-ea"/>
-                        <a:cs typeface="+mn-cs"/>
-                      </a:endParaRPr>
-                    </a:p>
-                  </a:txBody>
-                  <a:tcPr marT="45706" marB="45706" anchor="ctr" horzOverflow="overflow">
-                    <a:lnL w="12700" cap="flat" cmpd="sng" algn="ctr">
-                      <a:solidFill>
-                        <a:schemeClr val="tx1"/>
-                      </a:solidFill>
-                      <a:prstDash val="solid"/>
-                      <a:round/>
-                      <a:headEnd type="none" w="med" len="med"/>
-                      <a:tailEnd type="none" w="med" len="med"/>
-                    </a:lnL>
-                    <a:lnR w="12700" cap="flat" cmpd="sng" algn="ctr">
-                      <a:solidFill>
-                        <a:schemeClr val="tx1"/>
-                      </a:solidFill>
-                      <a:prstDash val="solid"/>
-                      <a:round/>
-                      <a:headEnd type="none" w="med" len="med"/>
-                      <a:tailEnd type="none" w="med" len="med"/>
-                    </a:lnR>
-                    <a:lnT w="12700" cap="flat" cmpd="sng" algn="ctr">
-                      <a:solidFill>
-                        <a:schemeClr val="tx1"/>
-                      </a:solidFill>
-                      <a:prstDash val="solid"/>
-                      <a:round/>
-                      <a:headEnd type="none" w="med" len="med"/>
-                      <a:tailEnd type="none" w="med" len="med"/>
-                    </a:lnT>
-                    <a:lnB w="12700" cap="flat" cmpd="sng" algn="ctr">
-                      <a:solidFill>
-                        <a:schemeClr val="tx1"/>
-                      </a:solidFill>
-                      <a:prstDash val="solid"/>
-                      <a:round/>
-                      <a:headEnd type="none" w="med" len="med"/>
-                      <a:tailEnd type="none" w="med" len="med"/>
-                    </a:lnB>
-                    <a:lnTlToBr>
-                      <a:noFill/>
-                    </a:lnTlToBr>
-                    <a:lnBlToTr>
-                      <a:noFill/>
-                    </a:lnBlToTr>
-                    <a:solidFill>
-                      <a:schemeClr val="bg1"/>
-                    </a:solidFill>
-                  </a:tcPr>
-                </a:tc>
-                <a:tc>
-                  <a:txBody>
-                    <a:bodyPr/>
-                    <a:lstStyle/>
-                    <a:p>
-                      <a:pPr marL="0" marR="0" lvl="0" indent="0" algn="ctr" defTabSz="914400" rtl="0" eaLnBrk="1" fontAlgn="base" latinLnBrk="0" hangingPunct="1">
-                        <a:lnSpc>
-                          <a:spcPct val="100000"/>
-                        </a:lnSpc>
-                        <a:spcBef>
-                          <a:spcPct val="20000"/>
-                        </a:spcBef>
-                        <a:spcAft>
-                          <a:spcPct val="0"/>
-                        </a:spcAft>
-                        <a:buClr>
-                          <a:srgbClr val="F26631"/>
-                        </a:buClr>
-                        <a:buSzTx/>
-                        <a:buFontTx/>
-                        <a:buNone/>
-                        <a:tabLst/>
-                        <a:defRPr/>
-                      </a:pPr>
-                      <a:r>
-                        <a:rPr kumimoji="0" lang="pt-BR" sz="1600" b="0" i="0" u="none" strike="noStrike" kern="1200" cap="none" spc="0" normalizeH="0" baseline="0" noProof="0" smtClean="0">
-                          <a:ln>
-                            <a:noFill/>
-                          </a:ln>
-                          <a:solidFill>
-                            <a:prstClr val="black"/>
-                          </a:solidFill>
-                          <a:effectLst/>
-                          <a:uLnTx/>
-                          <a:uFillTx/>
-                          <a:latin typeface="FagoNoMed-Roman" pitchFamily="34" charset="0"/>
-                          <a:ea typeface="+mn-ea"/>
-                          <a:cs typeface="+mn-cs"/>
-                        </a:rPr>
-                        <a:t>07/08/2021</a:t>
-                      </a:r>
-                      <a:endParaRPr kumimoji="0" lang="pt-BR" sz="1600" b="0" i="0" u="none" strike="noStrike" kern="1200" cap="none" spc="0" normalizeH="0" baseline="0" noProof="0" dirty="0">
-                        <a:ln>
-                          <a:noFill/>
-                        </a:ln>
-                        <a:solidFill>
-                          <a:prstClr val="black"/>
-                        </a:solidFill>
-                        <a:effectLst/>
-                        <a:uLnTx/>
-                        <a:uFillTx/>
-                        <a:latin typeface="FagoNoMed-Roman" pitchFamily="34" charset="0"/>
-                        <a:ea typeface="+mn-ea"/>
-                        <a:cs typeface="+mn-cs"/>
-                      </a:endParaRPr>
-                    </a:p>
-                  </a:txBody>
-                  <a:tcPr marT="45706" marB="45706" anchor="ctr" horzOverflow="overflow">
-                    <a:lnL w="12700" cap="flat" cmpd="sng" algn="ctr">
-                      <a:solidFill>
-                        <a:schemeClr val="tx1"/>
-                      </a:solidFill>
-                      <a:prstDash val="solid"/>
-                      <a:round/>
-                      <a:headEnd type="none" w="med" len="med"/>
-                      <a:tailEnd type="none" w="med" len="med"/>
-                    </a:lnL>
-                    <a:lnR w="12700" cap="flat" cmpd="sng" algn="ctr">
-                      <a:solidFill>
-                        <a:schemeClr val="tx1"/>
-                      </a:solidFill>
-                      <a:prstDash val="solid"/>
-                      <a:round/>
-                      <a:headEnd type="none" w="med" len="med"/>
-                      <a:tailEnd type="none" w="med" len="med"/>
-                    </a:lnR>
-                    <a:lnT w="12700" cap="flat" cmpd="sng" algn="ctr">
-                      <a:solidFill>
-                        <a:schemeClr val="tx1"/>
-                      </a:solidFill>
-                      <a:prstDash val="solid"/>
-                      <a:round/>
-                      <a:headEnd type="none" w="med" len="med"/>
-                      <a:tailEnd type="none" w="med" len="med"/>
-                    </a:lnT>
-                    <a:lnB w="12700" cap="flat" cmpd="sng" algn="ctr">
-                      <a:solidFill>
-                        <a:schemeClr val="tx1"/>
-                      </a:solidFill>
-                      <a:prstDash val="solid"/>
-                      <a:round/>
-                      <a:headEnd type="none" w="med" len="med"/>
-                      <a:tailEnd type="none" w="med" len="med"/>
-                    </a:lnB>
-                    <a:lnTlToBr>
-                      <a:noFill/>
-                    </a:lnTlToBr>
-                    <a:lnBlToTr>
-                      <a:noFill/>
-                    </a:lnBlToTr>
-                    <a:solidFill>
-                      <a:schemeClr val="bg1"/>
-                    </a:solidFill>
-                  </a:tcPr>
-                </a:tc>
-                <a:tc>
-                  <a:txBody>
-                    <a:bodyPr/>
-                    <a:lstStyle/>
-                    <a:p>
-                      <a:pPr marL="0" marR="0" lvl="0" indent="0" algn="ctr" defTabSz="914400" rtl="0" eaLnBrk="1" fontAlgn="base" latinLnBrk="0" hangingPunct="1">
-                        <a:lnSpc>
-                          <a:spcPct val="100000"/>
-                        </a:lnSpc>
-                        <a:spcBef>
-                          <a:spcPct val="20000"/>
-                        </a:spcBef>
-                        <a:spcAft>
-                          <a:spcPct val="0"/>
-                        </a:spcAft>
-                        <a:buClr>
-                          <a:srgbClr val="F26631"/>
-                        </a:buClr>
-                        <a:buSzTx/>
-                        <a:buFontTx/>
-                        <a:buNone/>
-                        <a:tabLst/>
-                      </a:pPr>
-                      <a:r>
-                        <a:rPr kumimoji="0" lang="pt-BR" sz="1600" b="0" i="0" u="none" strike="noStrike" cap="none" normalizeH="0" baseline="0" dirty="0" smtClean="0">
-                          <a:ln>
-                            <a:noFill/>
-                          </a:ln>
-                          <a:solidFill>
-                            <a:schemeClr val="tx1"/>
-                          </a:solidFill>
-                          <a:effectLst/>
-                          <a:latin typeface="FagoNoMed-Roman" pitchFamily="34" charset="0"/>
-                        </a:rPr>
-                        <a:t>20</a:t>
-                      </a:r>
-                      <a:r>
-                        <a:rPr kumimoji="0" lang="pt-BR" sz="1600" b="0" i="0" u="none" strike="noStrike" cap="none" normalizeH="0" baseline="0" dirty="0" smtClean="0">
-                          <a:ln>
-                            <a:noFill/>
-                          </a:ln>
-                          <a:solidFill>
-                            <a:schemeClr val="tx1"/>
-                          </a:solidFill>
-                          <a:effectLst/>
-                          <a:latin typeface="FagoNoMed-Roman" pitchFamily="34" charset="0"/>
-                        </a:rPr>
-                        <a:t>%</a:t>
+                        <a:t>5%</a:t>
                       </a:r>
                       <a:endParaRPr kumimoji="0" lang="pt-BR" sz="1600" b="0" i="0" u="none" strike="noStrike" cap="none" normalizeH="0" baseline="0" dirty="0">
                         <a:ln>
@@ -40733,7 +40980,7 @@
                 </a:tc>
                 <a:extLst>
                   <a:ext uri="{0D108BD9-81ED-4DB2-BD59-A6C34878D82A}">
-                    <a16:rowId xmlns:a16="http://schemas.microsoft.com/office/drawing/2014/main" val="1958647"/>
+                    <a16:rowId xmlns:a16="http://schemas.microsoft.com/office/drawing/2014/main" val="3579000295"/>
                   </a:ext>
                 </a:extLst>
               </a:tr>
@@ -41153,20 +41400,7 @@
                           <a:effectLst/>
                           <a:latin typeface="FagoNoMed-Roman" pitchFamily="34" charset="0"/>
                         </a:rPr>
-                        <a:t>0</a:t>
-                      </a:r>
-                      <a:r>
-                        <a:rPr kumimoji="0" lang="pt-BR" sz="1600" b="0" i="0" u="none" strike="noStrike" cap="none" normalizeH="0" baseline="0" dirty="0" smtClean="0">
-                          <a:ln>
-                            <a:noFill/>
-                          </a:ln>
-                          <a:solidFill>
-                            <a:schemeClr val="tx1"/>
-                          </a:solidFill>
-                          <a:effectLst/>
-                          <a:latin typeface="FagoNoMed-Roman" pitchFamily="34" charset="0"/>
-                        </a:rPr>
-                        <a:t>%</a:t>
+                        <a:t>0%</a:t>
                       </a:r>
                       <a:endParaRPr kumimoji="0" lang="pt-BR" sz="1600" b="0" i="0" u="none" strike="noStrike" cap="none" normalizeH="0" baseline="0" dirty="0">
                         <a:ln>
@@ -41253,7 +41487,7 @@
                         <a:defRPr/>
                       </a:pPr>
                       <a:r>
-                        <a:rPr kumimoji="0" lang="pt-BR" sz="1600" b="1" i="0" u="none" strike="noStrike" kern="1200" cap="none" spc="0" normalizeH="0" baseline="0" noProof="0" smtClean="0">
+                        <a:rPr kumimoji="0" lang="pt-BR" sz="1600" b="1" i="0" u="none" strike="noStrike" kern="1200" cap="none" spc="0" normalizeH="0" baseline="0" noProof="0" dirty="0" smtClean="0">
                           <a:ln>
                             <a:noFill/>
                           </a:ln>
@@ -41544,7 +41778,7 @@
                         <a:defRPr/>
                       </a:pPr>
                       <a:r>
-                        <a:rPr kumimoji="0" lang="pt-BR" sz="1600" b="0" i="0" u="none" strike="noStrike" cap="none" normalizeH="0" baseline="0" dirty="0" err="1" smtClean="0">
+                        <a:rPr kumimoji="0" lang="pt-BR" sz="1600" b="0" i="0" u="none" strike="noStrike" cap="none" normalizeH="0" baseline="0" dirty="0" smtClean="0">
                           <a:ln>
                             <a:noFill/>
                           </a:ln>
@@ -41554,7 +41788,7 @@
                           <a:effectLst/>
                           <a:latin typeface="FagoNoMed-Roman" pitchFamily="34" charset="0"/>
                         </a:rPr>
-                        <a:t>Backlog</a:t>
+                        <a:t>Execução</a:t>
                       </a:r>
                       <a:endParaRPr kumimoji="0" lang="pt-BR" sz="1600" b="0" i="0" u="none" strike="noStrike" cap="none" normalizeH="0" baseline="0" dirty="0">
                         <a:ln>
@@ -41755,20 +41989,7 @@
                           <a:effectLst/>
                           <a:latin typeface="FagoNoMed-Roman" pitchFamily="34" charset="0"/>
                         </a:rPr>
-                        <a:t>0</a:t>
-                      </a:r>
-                      <a:r>
-                        <a:rPr kumimoji="0" lang="pt-BR" sz="1600" b="0" i="0" u="none" strike="noStrike" cap="none" normalizeH="0" baseline="0" dirty="0" smtClean="0">
-                          <a:ln>
-                            <a:noFill/>
-                          </a:ln>
-                          <a:solidFill>
-                            <a:schemeClr val="tx1"/>
-                          </a:solidFill>
-                          <a:effectLst/>
-                          <a:latin typeface="FagoNoMed-Roman" pitchFamily="34" charset="0"/>
-                        </a:rPr>
-                        <a:t>%</a:t>
+                        <a:t>30%</a:t>
                       </a:r>
                       <a:endParaRPr kumimoji="0" lang="pt-BR" sz="1600" b="0" i="0" u="none" strike="noStrike" cap="none" normalizeH="0" baseline="0" dirty="0">
                         <a:ln>
@@ -41852,10 +42073,9 @@
                         <a:buFontTx/>
                         <a:buNone/>
                         <a:tabLst/>
-                        <a:defRPr/>
                       </a:pPr>
                       <a:r>
-                        <a:rPr kumimoji="0" lang="pt-BR" sz="1600" b="1" i="0" u="none" strike="noStrike" kern="1200" cap="none" spc="0" normalizeH="0" baseline="0" noProof="0" dirty="0" smtClean="0">
+                        <a:rPr kumimoji="0" lang="pt-BR" sz="1600" b="1" i="0" u="none" strike="noStrike" cap="none" normalizeH="0" baseline="0" dirty="0" smtClean="0">
                           <a:ln>
                             <a:noFill/>
                           </a:ln>
@@ -41863,15 +42083,11 @@
                             <a:srgbClr val="00B050"/>
                           </a:solidFill>
                           <a:effectLst/>
-                          <a:uLnTx/>
-                          <a:uFillTx/>
                           <a:latin typeface="FagoNoMed-Roman" pitchFamily="34" charset="0"/>
-                          <a:ea typeface="+mn-ea"/>
-                          <a:cs typeface="+mn-cs"/>
                         </a:rPr>
-                        <a:t>Não iniciado</a:t>
+                        <a:t>Em andamento</a:t>
                       </a:r>
-                      <a:endParaRPr kumimoji="0" lang="pt-BR" sz="1600" b="1" i="0" u="none" strike="noStrike" kern="1200" cap="none" spc="0" normalizeH="0" baseline="0" noProof="0" dirty="0">
+                      <a:endParaRPr kumimoji="0" lang="pt-BR" sz="1600" b="1" i="0" u="none" strike="noStrike" cap="none" normalizeH="0" baseline="0" dirty="0">
                         <a:ln>
                           <a:noFill/>
                         </a:ln>
@@ -41879,11 +42095,7 @@
                           <a:srgbClr val="00B050"/>
                         </a:solidFill>
                         <a:effectLst/>
-                        <a:uLnTx/>
-                        <a:uFillTx/>
                         <a:latin typeface="FagoNoMed-Roman" pitchFamily="34" charset="0"/>
-                        <a:ea typeface="+mn-ea"/>
-                        <a:cs typeface="+mn-cs"/>
                       </a:endParaRPr>
                     </a:p>
                   </a:txBody>
@@ -42907,577 +43119,6 @@
               <a:extLst>
                 <a:ext uri="{FF2B5EF4-FFF2-40B4-BE49-F238E27FC236}">
                   <a16:creationId xmlns:a16="http://schemas.microsoft.com/office/drawing/2014/main" id="{E633D07E-6D3A-47A1-B732-A716E6D35F3A}"/>
-                </a:ext>
-              </a:extLst>
-            </p:cNvPr>
-            <p:cNvSpPr>
-              <a:spLocks noChangeArrowheads="1"/>
-            </p:cNvSpPr>
-            <p:nvPr/>
-          </p:nvSpPr>
-          <p:spPr bwMode="auto">
-            <a:xfrm>
-              <a:off x="3107" y="3475"/>
-              <a:ext cx="91" cy="91"/>
-            </a:xfrm>
-            <a:prstGeom prst="ellipse">
-              <a:avLst/>
-            </a:prstGeom>
-            <a:noFill/>
-            <a:ln w="9525">
-              <a:solidFill>
-                <a:schemeClr val="tx1"/>
-              </a:solidFill>
-              <a:round/>
-              <a:headEnd/>
-              <a:tailEnd/>
-            </a:ln>
-            <a:extLst>
-              <a:ext uri="{909E8E84-426E-40DD-AFC4-6F175D3DCCD1}">
-                <a14:hiddenFill xmlns:a14="http://schemas.microsoft.com/office/drawing/2010/main">
-                  <a:solidFill>
-                    <a:srgbClr val="FFFFFF"/>
-                  </a:solidFill>
-                </a14:hiddenFill>
-              </a:ext>
-            </a:extLst>
-          </p:spPr>
-          <p:txBody>
-            <a:bodyPr wrap="none" anchor="ctr"/>
-            <a:lstStyle>
-              <a:lvl1pPr eaLnBrk="0" hangingPunct="0">
-                <a:defRPr>
-                  <a:solidFill>
-                    <a:schemeClr val="tx1"/>
-                  </a:solidFill>
-                  <a:latin typeface="Arial" pitchFamily="34" charset="0"/>
-                  <a:cs typeface="Arial" pitchFamily="34" charset="0"/>
-                </a:defRPr>
-              </a:lvl1pPr>
-              <a:lvl2pPr marL="742950" indent="-285750" eaLnBrk="0" hangingPunct="0">
-                <a:defRPr>
-                  <a:solidFill>
-                    <a:schemeClr val="tx1"/>
-                  </a:solidFill>
-                  <a:latin typeface="Arial" pitchFamily="34" charset="0"/>
-                  <a:cs typeface="Arial" pitchFamily="34" charset="0"/>
-                </a:defRPr>
-              </a:lvl2pPr>
-              <a:lvl3pPr marL="1143000" indent="-228600" eaLnBrk="0" hangingPunct="0">
-                <a:defRPr>
-                  <a:solidFill>
-                    <a:schemeClr val="tx1"/>
-                  </a:solidFill>
-                  <a:latin typeface="Arial" pitchFamily="34" charset="0"/>
-                  <a:cs typeface="Arial" pitchFamily="34" charset="0"/>
-                </a:defRPr>
-              </a:lvl3pPr>
-              <a:lvl4pPr marL="1600200" indent="-228600" eaLnBrk="0" hangingPunct="0">
-                <a:defRPr>
-                  <a:solidFill>
-                    <a:schemeClr val="tx1"/>
-                  </a:solidFill>
-                  <a:latin typeface="Arial" pitchFamily="34" charset="0"/>
-                  <a:cs typeface="Arial" pitchFamily="34" charset="0"/>
-                </a:defRPr>
-              </a:lvl4pPr>
-              <a:lvl5pPr marL="2057400" indent="-228600" eaLnBrk="0" hangingPunct="0">
-                <a:defRPr>
-                  <a:solidFill>
-                    <a:schemeClr val="tx1"/>
-                  </a:solidFill>
-                  <a:latin typeface="Arial" pitchFamily="34" charset="0"/>
-                  <a:cs typeface="Arial" pitchFamily="34" charset="0"/>
-                </a:defRPr>
-              </a:lvl5pPr>
-              <a:lvl6pPr marL="2514600" indent="-228600" eaLnBrk="0" fontAlgn="base" hangingPunct="0">
-                <a:spcBef>
-                  <a:spcPct val="0"/>
-                </a:spcBef>
-                <a:spcAft>
-                  <a:spcPct val="0"/>
-                </a:spcAft>
-                <a:defRPr>
-                  <a:solidFill>
-                    <a:schemeClr val="tx1"/>
-                  </a:solidFill>
-                  <a:latin typeface="Arial" pitchFamily="34" charset="0"/>
-                  <a:cs typeface="Arial" pitchFamily="34" charset="0"/>
-                </a:defRPr>
-              </a:lvl6pPr>
-              <a:lvl7pPr marL="2971800" indent="-228600" eaLnBrk="0" fontAlgn="base" hangingPunct="0">
-                <a:spcBef>
-                  <a:spcPct val="0"/>
-                </a:spcBef>
-                <a:spcAft>
-                  <a:spcPct val="0"/>
-                </a:spcAft>
-                <a:defRPr>
-                  <a:solidFill>
-                    <a:schemeClr val="tx1"/>
-                  </a:solidFill>
-                  <a:latin typeface="Arial" pitchFamily="34" charset="0"/>
-                  <a:cs typeface="Arial" pitchFamily="34" charset="0"/>
-                </a:defRPr>
-              </a:lvl7pPr>
-              <a:lvl8pPr marL="3429000" indent="-228600" eaLnBrk="0" fontAlgn="base" hangingPunct="0">
-                <a:spcBef>
-                  <a:spcPct val="0"/>
-                </a:spcBef>
-                <a:spcAft>
-                  <a:spcPct val="0"/>
-                </a:spcAft>
-                <a:defRPr>
-                  <a:solidFill>
-                    <a:schemeClr val="tx1"/>
-                  </a:solidFill>
-                  <a:latin typeface="Arial" pitchFamily="34" charset="0"/>
-                  <a:cs typeface="Arial" pitchFamily="34" charset="0"/>
-                </a:defRPr>
-              </a:lvl8pPr>
-              <a:lvl9pPr marL="3886200" indent="-228600" eaLnBrk="0" fontAlgn="base" hangingPunct="0">
-                <a:spcBef>
-                  <a:spcPct val="0"/>
-                </a:spcBef>
-                <a:spcAft>
-                  <a:spcPct val="0"/>
-                </a:spcAft>
-                <a:defRPr>
-                  <a:solidFill>
-                    <a:schemeClr val="tx1"/>
-                  </a:solidFill>
-                  <a:latin typeface="Arial" pitchFamily="34" charset="0"/>
-                  <a:cs typeface="Arial" pitchFamily="34" charset="0"/>
-                </a:defRPr>
-              </a:lvl9pPr>
-            </a:lstStyle>
-            <a:p>
-              <a:pPr marL="0" marR="0" lvl="0" indent="0" algn="l" defTabSz="914400" rtl="0" eaLnBrk="1" fontAlgn="auto" latinLnBrk="0" hangingPunct="1">
-                <a:lnSpc>
-                  <a:spcPct val="100000"/>
-                </a:lnSpc>
-                <a:spcBef>
-                  <a:spcPts val="0"/>
-                </a:spcBef>
-                <a:spcAft>
-                  <a:spcPts val="0"/>
-                </a:spcAft>
-                <a:buClrTx/>
-                <a:buSzTx/>
-                <a:buFontTx/>
-                <a:buNone/>
-                <a:tabLst/>
-                <a:defRPr/>
-              </a:pPr>
-              <a:endParaRPr kumimoji="0" lang="pt-BR" altLang="pt-BR" sz="800" b="0" i="0" u="none" strike="noStrike" kern="1200" cap="none" spc="0" normalizeH="0" baseline="0" noProof="0">
-                <a:ln>
-                  <a:noFill/>
-                </a:ln>
-                <a:solidFill>
-                  <a:prstClr val="black"/>
-                </a:solidFill>
-                <a:effectLst/>
-                <a:uLnTx/>
-                <a:uFillTx/>
-                <a:latin typeface="Arial" pitchFamily="34" charset="0"/>
-                <a:ea typeface="+mn-ea"/>
-                <a:cs typeface="Arial" pitchFamily="34" charset="0"/>
-              </a:endParaRPr>
-            </a:p>
-          </p:txBody>
-        </p:sp>
-      </p:grpSp>
-      <p:grpSp>
-        <p:nvGrpSpPr>
-          <p:cNvPr id="115" name="Group 71">
-            <a:extLst>
-              <a:ext uri="{FF2B5EF4-FFF2-40B4-BE49-F238E27FC236}">
-                <a16:creationId xmlns:a16="http://schemas.microsoft.com/office/drawing/2014/main" id="{9A6C50BF-698D-42C4-BE20-FAAC4BCE232B}"/>
-              </a:ext>
-            </a:extLst>
-          </p:cNvPr>
-          <p:cNvGrpSpPr>
-            <a:grpSpLocks/>
-          </p:cNvGrpSpPr>
-          <p:nvPr/>
-        </p:nvGrpSpPr>
-        <p:grpSpPr bwMode="auto">
-          <a:xfrm>
-            <a:off x="3932476" y="4024646"/>
-            <a:ext cx="504000" cy="180000"/>
-            <a:chOff x="2925" y="3475"/>
-            <a:chExt cx="273" cy="91"/>
-          </a:xfrm>
-        </p:grpSpPr>
-        <p:sp>
-          <p:nvSpPr>
-            <p:cNvPr id="116" name="Oval 72">
-              <a:extLst>
-                <a:ext uri="{FF2B5EF4-FFF2-40B4-BE49-F238E27FC236}">
-                  <a16:creationId xmlns:a16="http://schemas.microsoft.com/office/drawing/2014/main" id="{7B1D76C3-14D1-4931-AD02-8187590B304F}"/>
-                </a:ext>
-              </a:extLst>
-            </p:cNvPr>
-            <p:cNvSpPr>
-              <a:spLocks noChangeArrowheads="1"/>
-            </p:cNvSpPr>
-            <p:nvPr/>
-          </p:nvSpPr>
-          <p:spPr bwMode="auto">
-            <a:xfrm>
-              <a:off x="2925" y="3475"/>
-              <a:ext cx="91" cy="91"/>
-            </a:xfrm>
-            <a:prstGeom prst="ellipse">
-              <a:avLst/>
-            </a:prstGeom>
-            <a:solidFill>
-              <a:srgbClr val="008000"/>
-            </a:solidFill>
-            <a:ln w="9525">
-              <a:solidFill>
-                <a:schemeClr val="tx1"/>
-              </a:solidFill>
-              <a:round/>
-              <a:headEnd/>
-              <a:tailEnd/>
-            </a:ln>
-          </p:spPr>
-          <p:txBody>
-            <a:bodyPr wrap="none" anchor="ctr"/>
-            <a:lstStyle>
-              <a:lvl1pPr eaLnBrk="0" hangingPunct="0">
-                <a:defRPr>
-                  <a:solidFill>
-                    <a:schemeClr val="tx1"/>
-                  </a:solidFill>
-                  <a:latin typeface="Arial" pitchFamily="34" charset="0"/>
-                  <a:cs typeface="Arial" pitchFamily="34" charset="0"/>
-                </a:defRPr>
-              </a:lvl1pPr>
-              <a:lvl2pPr marL="742950" indent="-285750" eaLnBrk="0" hangingPunct="0">
-                <a:defRPr>
-                  <a:solidFill>
-                    <a:schemeClr val="tx1"/>
-                  </a:solidFill>
-                  <a:latin typeface="Arial" pitchFamily="34" charset="0"/>
-                  <a:cs typeface="Arial" pitchFamily="34" charset="0"/>
-                </a:defRPr>
-              </a:lvl2pPr>
-              <a:lvl3pPr marL="1143000" indent="-228600" eaLnBrk="0" hangingPunct="0">
-                <a:defRPr>
-                  <a:solidFill>
-                    <a:schemeClr val="tx1"/>
-                  </a:solidFill>
-                  <a:latin typeface="Arial" pitchFamily="34" charset="0"/>
-                  <a:cs typeface="Arial" pitchFamily="34" charset="0"/>
-                </a:defRPr>
-              </a:lvl3pPr>
-              <a:lvl4pPr marL="1600200" indent="-228600" eaLnBrk="0" hangingPunct="0">
-                <a:defRPr>
-                  <a:solidFill>
-                    <a:schemeClr val="tx1"/>
-                  </a:solidFill>
-                  <a:latin typeface="Arial" pitchFamily="34" charset="0"/>
-                  <a:cs typeface="Arial" pitchFamily="34" charset="0"/>
-                </a:defRPr>
-              </a:lvl4pPr>
-              <a:lvl5pPr marL="2057400" indent="-228600" eaLnBrk="0" hangingPunct="0">
-                <a:defRPr>
-                  <a:solidFill>
-                    <a:schemeClr val="tx1"/>
-                  </a:solidFill>
-                  <a:latin typeface="Arial" pitchFamily="34" charset="0"/>
-                  <a:cs typeface="Arial" pitchFamily="34" charset="0"/>
-                </a:defRPr>
-              </a:lvl5pPr>
-              <a:lvl6pPr marL="2514600" indent="-228600" eaLnBrk="0" fontAlgn="base" hangingPunct="0">
-                <a:spcBef>
-                  <a:spcPct val="0"/>
-                </a:spcBef>
-                <a:spcAft>
-                  <a:spcPct val="0"/>
-                </a:spcAft>
-                <a:defRPr>
-                  <a:solidFill>
-                    <a:schemeClr val="tx1"/>
-                  </a:solidFill>
-                  <a:latin typeface="Arial" pitchFamily="34" charset="0"/>
-                  <a:cs typeface="Arial" pitchFamily="34" charset="0"/>
-                </a:defRPr>
-              </a:lvl6pPr>
-              <a:lvl7pPr marL="2971800" indent="-228600" eaLnBrk="0" fontAlgn="base" hangingPunct="0">
-                <a:spcBef>
-                  <a:spcPct val="0"/>
-                </a:spcBef>
-                <a:spcAft>
-                  <a:spcPct val="0"/>
-                </a:spcAft>
-                <a:defRPr>
-                  <a:solidFill>
-                    <a:schemeClr val="tx1"/>
-                  </a:solidFill>
-                  <a:latin typeface="Arial" pitchFamily="34" charset="0"/>
-                  <a:cs typeface="Arial" pitchFamily="34" charset="0"/>
-                </a:defRPr>
-              </a:lvl7pPr>
-              <a:lvl8pPr marL="3429000" indent="-228600" eaLnBrk="0" fontAlgn="base" hangingPunct="0">
-                <a:spcBef>
-                  <a:spcPct val="0"/>
-                </a:spcBef>
-                <a:spcAft>
-                  <a:spcPct val="0"/>
-                </a:spcAft>
-                <a:defRPr>
-                  <a:solidFill>
-                    <a:schemeClr val="tx1"/>
-                  </a:solidFill>
-                  <a:latin typeface="Arial" pitchFamily="34" charset="0"/>
-                  <a:cs typeface="Arial" pitchFamily="34" charset="0"/>
-                </a:defRPr>
-              </a:lvl8pPr>
-              <a:lvl9pPr marL="3886200" indent="-228600" eaLnBrk="0" fontAlgn="base" hangingPunct="0">
-                <a:spcBef>
-                  <a:spcPct val="0"/>
-                </a:spcBef>
-                <a:spcAft>
-                  <a:spcPct val="0"/>
-                </a:spcAft>
-                <a:defRPr>
-                  <a:solidFill>
-                    <a:schemeClr val="tx1"/>
-                  </a:solidFill>
-                  <a:latin typeface="Arial" pitchFamily="34" charset="0"/>
-                  <a:cs typeface="Arial" pitchFamily="34" charset="0"/>
-                </a:defRPr>
-              </a:lvl9pPr>
-            </a:lstStyle>
-            <a:p>
-              <a:pPr marL="0" marR="0" lvl="0" indent="0" algn="l" defTabSz="914400" rtl="0" eaLnBrk="1" fontAlgn="auto" latinLnBrk="0" hangingPunct="1">
-                <a:lnSpc>
-                  <a:spcPct val="100000"/>
-                </a:lnSpc>
-                <a:spcBef>
-                  <a:spcPts val="0"/>
-                </a:spcBef>
-                <a:spcAft>
-                  <a:spcPts val="0"/>
-                </a:spcAft>
-                <a:buClrTx/>
-                <a:buSzTx/>
-                <a:buFontTx/>
-                <a:buNone/>
-                <a:tabLst/>
-                <a:defRPr/>
-              </a:pPr>
-              <a:endParaRPr kumimoji="0" lang="pt-BR" altLang="pt-BR" sz="800" b="0" i="0" u="none" strike="noStrike" kern="1200" cap="none" spc="0" normalizeH="0" baseline="0" noProof="0">
-                <a:ln>
-                  <a:noFill/>
-                </a:ln>
-                <a:solidFill>
-                  <a:prstClr val="black"/>
-                </a:solidFill>
-                <a:effectLst/>
-                <a:uLnTx/>
-                <a:uFillTx/>
-                <a:latin typeface="Arial" pitchFamily="34" charset="0"/>
-                <a:ea typeface="+mn-ea"/>
-                <a:cs typeface="Arial" pitchFamily="34" charset="0"/>
-              </a:endParaRPr>
-            </a:p>
-          </p:txBody>
-        </p:sp>
-        <p:sp>
-          <p:nvSpPr>
-            <p:cNvPr id="117" name="Oval 73">
-              <a:extLst>
-                <a:ext uri="{FF2B5EF4-FFF2-40B4-BE49-F238E27FC236}">
-                  <a16:creationId xmlns:a16="http://schemas.microsoft.com/office/drawing/2014/main" id="{62503FB8-4E38-4BA2-9CEF-3E5CF2C8DCF5}"/>
-                </a:ext>
-              </a:extLst>
-            </p:cNvPr>
-            <p:cNvSpPr>
-              <a:spLocks noChangeArrowheads="1"/>
-            </p:cNvSpPr>
-            <p:nvPr/>
-          </p:nvSpPr>
-          <p:spPr bwMode="auto">
-            <a:xfrm>
-              <a:off x="3016" y="3475"/>
-              <a:ext cx="91" cy="91"/>
-            </a:xfrm>
-            <a:prstGeom prst="ellipse">
-              <a:avLst/>
-            </a:prstGeom>
-            <a:noFill/>
-            <a:ln w="9525">
-              <a:solidFill>
-                <a:schemeClr val="tx1"/>
-              </a:solidFill>
-              <a:round/>
-              <a:headEnd/>
-              <a:tailEnd/>
-            </a:ln>
-            <a:extLst>
-              <a:ext uri="{909E8E84-426E-40DD-AFC4-6F175D3DCCD1}">
-                <a14:hiddenFill xmlns:a14="http://schemas.microsoft.com/office/drawing/2010/main">
-                  <a:solidFill>
-                    <a:srgbClr val="FFFFFF"/>
-                  </a:solidFill>
-                </a14:hiddenFill>
-              </a:ext>
-            </a:extLst>
-          </p:spPr>
-          <p:txBody>
-            <a:bodyPr wrap="none" anchor="ctr"/>
-            <a:lstStyle>
-              <a:lvl1pPr eaLnBrk="0" hangingPunct="0">
-                <a:defRPr>
-                  <a:solidFill>
-                    <a:schemeClr val="tx1"/>
-                  </a:solidFill>
-                  <a:latin typeface="Arial" pitchFamily="34" charset="0"/>
-                  <a:cs typeface="Arial" pitchFamily="34" charset="0"/>
-                </a:defRPr>
-              </a:lvl1pPr>
-              <a:lvl2pPr marL="742950" indent="-285750" eaLnBrk="0" hangingPunct="0">
-                <a:defRPr>
-                  <a:solidFill>
-                    <a:schemeClr val="tx1"/>
-                  </a:solidFill>
-                  <a:latin typeface="Arial" pitchFamily="34" charset="0"/>
-                  <a:cs typeface="Arial" pitchFamily="34" charset="0"/>
-                </a:defRPr>
-              </a:lvl2pPr>
-              <a:lvl3pPr marL="1143000" indent="-228600" eaLnBrk="0" hangingPunct="0">
-                <a:defRPr>
-                  <a:solidFill>
-                    <a:schemeClr val="tx1"/>
-                  </a:solidFill>
-                  <a:latin typeface="Arial" pitchFamily="34" charset="0"/>
-                  <a:cs typeface="Arial" pitchFamily="34" charset="0"/>
-                </a:defRPr>
-              </a:lvl3pPr>
-              <a:lvl4pPr marL="1600200" indent="-228600" eaLnBrk="0" hangingPunct="0">
-                <a:defRPr>
-                  <a:solidFill>
-                    <a:schemeClr val="tx1"/>
-                  </a:solidFill>
-                  <a:latin typeface="Arial" pitchFamily="34" charset="0"/>
-                  <a:cs typeface="Arial" pitchFamily="34" charset="0"/>
-                </a:defRPr>
-              </a:lvl4pPr>
-              <a:lvl5pPr marL="2057400" indent="-228600" eaLnBrk="0" hangingPunct="0">
-                <a:defRPr>
-                  <a:solidFill>
-                    <a:schemeClr val="tx1"/>
-                  </a:solidFill>
-                  <a:latin typeface="Arial" pitchFamily="34" charset="0"/>
-                  <a:cs typeface="Arial" pitchFamily="34" charset="0"/>
-                </a:defRPr>
-              </a:lvl5pPr>
-              <a:lvl6pPr marL="2514600" indent="-228600" eaLnBrk="0" fontAlgn="base" hangingPunct="0">
-                <a:spcBef>
-                  <a:spcPct val="0"/>
-                </a:spcBef>
-                <a:spcAft>
-                  <a:spcPct val="0"/>
-                </a:spcAft>
-                <a:defRPr>
-                  <a:solidFill>
-                    <a:schemeClr val="tx1"/>
-                  </a:solidFill>
-                  <a:latin typeface="Arial" pitchFamily="34" charset="0"/>
-                  <a:cs typeface="Arial" pitchFamily="34" charset="0"/>
-                </a:defRPr>
-              </a:lvl6pPr>
-              <a:lvl7pPr marL="2971800" indent="-228600" eaLnBrk="0" fontAlgn="base" hangingPunct="0">
-                <a:spcBef>
-                  <a:spcPct val="0"/>
-                </a:spcBef>
-                <a:spcAft>
-                  <a:spcPct val="0"/>
-                </a:spcAft>
-                <a:defRPr>
-                  <a:solidFill>
-                    <a:schemeClr val="tx1"/>
-                  </a:solidFill>
-                  <a:latin typeface="Arial" pitchFamily="34" charset="0"/>
-                  <a:cs typeface="Arial" pitchFamily="34" charset="0"/>
-                </a:defRPr>
-              </a:lvl7pPr>
-              <a:lvl8pPr marL="3429000" indent="-228600" eaLnBrk="0" fontAlgn="base" hangingPunct="0">
-                <a:spcBef>
-                  <a:spcPct val="0"/>
-                </a:spcBef>
-                <a:spcAft>
-                  <a:spcPct val="0"/>
-                </a:spcAft>
-                <a:defRPr>
-                  <a:solidFill>
-                    <a:schemeClr val="tx1"/>
-                  </a:solidFill>
-                  <a:latin typeface="Arial" pitchFamily="34" charset="0"/>
-                  <a:cs typeface="Arial" pitchFamily="34" charset="0"/>
-                </a:defRPr>
-              </a:lvl8pPr>
-              <a:lvl9pPr marL="3886200" indent="-228600" eaLnBrk="0" fontAlgn="base" hangingPunct="0">
-                <a:spcBef>
-                  <a:spcPct val="0"/>
-                </a:spcBef>
-                <a:spcAft>
-                  <a:spcPct val="0"/>
-                </a:spcAft>
-                <a:defRPr>
-                  <a:solidFill>
-                    <a:schemeClr val="tx1"/>
-                  </a:solidFill>
-                  <a:latin typeface="Arial" pitchFamily="34" charset="0"/>
-                  <a:cs typeface="Arial" pitchFamily="34" charset="0"/>
-                </a:defRPr>
-              </a:lvl9pPr>
-            </a:lstStyle>
-            <a:p>
-              <a:pPr marL="0" marR="0" lvl="0" indent="0" algn="l" defTabSz="914400" rtl="0" eaLnBrk="1" fontAlgn="auto" latinLnBrk="0" hangingPunct="1">
-                <a:lnSpc>
-                  <a:spcPct val="100000"/>
-                </a:lnSpc>
-                <a:spcBef>
-                  <a:spcPts val="0"/>
-                </a:spcBef>
-                <a:spcAft>
-                  <a:spcPts val="0"/>
-                </a:spcAft>
-                <a:buClrTx/>
-                <a:buSzTx/>
-                <a:buFontTx/>
-                <a:buNone/>
-                <a:tabLst/>
-                <a:defRPr/>
-              </a:pPr>
-              <a:endParaRPr kumimoji="0" lang="pt-BR" altLang="pt-BR" sz="800" b="0" i="0" u="none" strike="noStrike" kern="1200" cap="none" spc="0" normalizeH="0" baseline="0" noProof="0">
-                <a:ln>
-                  <a:noFill/>
-                </a:ln>
-                <a:solidFill>
-                  <a:prstClr val="black"/>
-                </a:solidFill>
-                <a:effectLst/>
-                <a:uLnTx/>
-                <a:uFillTx/>
-                <a:latin typeface="Arial" pitchFamily="34" charset="0"/>
-                <a:ea typeface="+mn-ea"/>
-                <a:cs typeface="Arial" pitchFamily="34" charset="0"/>
-              </a:endParaRPr>
-            </a:p>
-          </p:txBody>
-        </p:sp>
-        <p:sp>
-          <p:nvSpPr>
-            <p:cNvPr id="118" name="Oval 74">
-              <a:extLst>
-                <a:ext uri="{FF2B5EF4-FFF2-40B4-BE49-F238E27FC236}">
-                  <a16:creationId xmlns:a16="http://schemas.microsoft.com/office/drawing/2014/main" id="{A155B11C-7BB2-4A43-B98F-F47EE48847A0}"/>
                 </a:ext>
               </a:extLst>
             </p:cNvPr>
@@ -44802,577 +44443,6 @@
       </p:grpSp>
       <p:grpSp>
         <p:nvGrpSpPr>
-          <p:cNvPr id="138" name="Group 71">
-            <a:extLst>
-              <a:ext uri="{FF2B5EF4-FFF2-40B4-BE49-F238E27FC236}">
-                <a16:creationId xmlns:a16="http://schemas.microsoft.com/office/drawing/2014/main" id="{9A6C50BF-698D-42C4-BE20-FAAC4BCE232B}"/>
-              </a:ext>
-            </a:extLst>
-          </p:cNvPr>
-          <p:cNvGrpSpPr>
-            <a:grpSpLocks/>
-          </p:cNvGrpSpPr>
-          <p:nvPr/>
-        </p:nvGrpSpPr>
-        <p:grpSpPr bwMode="auto">
-          <a:xfrm>
-            <a:off x="3924002" y="4393239"/>
-            <a:ext cx="504000" cy="180000"/>
-            <a:chOff x="2925" y="3475"/>
-            <a:chExt cx="273" cy="91"/>
-          </a:xfrm>
-        </p:grpSpPr>
-        <p:sp>
-          <p:nvSpPr>
-            <p:cNvPr id="139" name="Oval 72">
-              <a:extLst>
-                <a:ext uri="{FF2B5EF4-FFF2-40B4-BE49-F238E27FC236}">
-                  <a16:creationId xmlns:a16="http://schemas.microsoft.com/office/drawing/2014/main" id="{7B1D76C3-14D1-4931-AD02-8187590B304F}"/>
-                </a:ext>
-              </a:extLst>
-            </p:cNvPr>
-            <p:cNvSpPr>
-              <a:spLocks noChangeArrowheads="1"/>
-            </p:cNvSpPr>
-            <p:nvPr/>
-          </p:nvSpPr>
-          <p:spPr bwMode="auto">
-            <a:xfrm>
-              <a:off x="2925" y="3475"/>
-              <a:ext cx="91" cy="91"/>
-            </a:xfrm>
-            <a:prstGeom prst="ellipse">
-              <a:avLst/>
-            </a:prstGeom>
-            <a:solidFill>
-              <a:srgbClr val="008000"/>
-            </a:solidFill>
-            <a:ln w="9525">
-              <a:solidFill>
-                <a:schemeClr val="tx1"/>
-              </a:solidFill>
-              <a:round/>
-              <a:headEnd/>
-              <a:tailEnd/>
-            </a:ln>
-          </p:spPr>
-          <p:txBody>
-            <a:bodyPr wrap="none" anchor="ctr"/>
-            <a:lstStyle>
-              <a:lvl1pPr eaLnBrk="0" hangingPunct="0">
-                <a:defRPr>
-                  <a:solidFill>
-                    <a:schemeClr val="tx1"/>
-                  </a:solidFill>
-                  <a:latin typeface="Arial" pitchFamily="34" charset="0"/>
-                  <a:cs typeface="Arial" pitchFamily="34" charset="0"/>
-                </a:defRPr>
-              </a:lvl1pPr>
-              <a:lvl2pPr marL="742950" indent="-285750" eaLnBrk="0" hangingPunct="0">
-                <a:defRPr>
-                  <a:solidFill>
-                    <a:schemeClr val="tx1"/>
-                  </a:solidFill>
-                  <a:latin typeface="Arial" pitchFamily="34" charset="0"/>
-                  <a:cs typeface="Arial" pitchFamily="34" charset="0"/>
-                </a:defRPr>
-              </a:lvl2pPr>
-              <a:lvl3pPr marL="1143000" indent="-228600" eaLnBrk="0" hangingPunct="0">
-                <a:defRPr>
-                  <a:solidFill>
-                    <a:schemeClr val="tx1"/>
-                  </a:solidFill>
-                  <a:latin typeface="Arial" pitchFamily="34" charset="0"/>
-                  <a:cs typeface="Arial" pitchFamily="34" charset="0"/>
-                </a:defRPr>
-              </a:lvl3pPr>
-              <a:lvl4pPr marL="1600200" indent="-228600" eaLnBrk="0" hangingPunct="0">
-                <a:defRPr>
-                  <a:solidFill>
-                    <a:schemeClr val="tx1"/>
-                  </a:solidFill>
-                  <a:latin typeface="Arial" pitchFamily="34" charset="0"/>
-                  <a:cs typeface="Arial" pitchFamily="34" charset="0"/>
-                </a:defRPr>
-              </a:lvl4pPr>
-              <a:lvl5pPr marL="2057400" indent="-228600" eaLnBrk="0" hangingPunct="0">
-                <a:defRPr>
-                  <a:solidFill>
-                    <a:schemeClr val="tx1"/>
-                  </a:solidFill>
-                  <a:latin typeface="Arial" pitchFamily="34" charset="0"/>
-                  <a:cs typeface="Arial" pitchFamily="34" charset="0"/>
-                </a:defRPr>
-              </a:lvl5pPr>
-              <a:lvl6pPr marL="2514600" indent="-228600" eaLnBrk="0" fontAlgn="base" hangingPunct="0">
-                <a:spcBef>
-                  <a:spcPct val="0"/>
-                </a:spcBef>
-                <a:spcAft>
-                  <a:spcPct val="0"/>
-                </a:spcAft>
-                <a:defRPr>
-                  <a:solidFill>
-                    <a:schemeClr val="tx1"/>
-                  </a:solidFill>
-                  <a:latin typeface="Arial" pitchFamily="34" charset="0"/>
-                  <a:cs typeface="Arial" pitchFamily="34" charset="0"/>
-                </a:defRPr>
-              </a:lvl6pPr>
-              <a:lvl7pPr marL="2971800" indent="-228600" eaLnBrk="0" fontAlgn="base" hangingPunct="0">
-                <a:spcBef>
-                  <a:spcPct val="0"/>
-                </a:spcBef>
-                <a:spcAft>
-                  <a:spcPct val="0"/>
-                </a:spcAft>
-                <a:defRPr>
-                  <a:solidFill>
-                    <a:schemeClr val="tx1"/>
-                  </a:solidFill>
-                  <a:latin typeface="Arial" pitchFamily="34" charset="0"/>
-                  <a:cs typeface="Arial" pitchFamily="34" charset="0"/>
-                </a:defRPr>
-              </a:lvl7pPr>
-              <a:lvl8pPr marL="3429000" indent="-228600" eaLnBrk="0" fontAlgn="base" hangingPunct="0">
-                <a:spcBef>
-                  <a:spcPct val="0"/>
-                </a:spcBef>
-                <a:spcAft>
-                  <a:spcPct val="0"/>
-                </a:spcAft>
-                <a:defRPr>
-                  <a:solidFill>
-                    <a:schemeClr val="tx1"/>
-                  </a:solidFill>
-                  <a:latin typeface="Arial" pitchFamily="34" charset="0"/>
-                  <a:cs typeface="Arial" pitchFamily="34" charset="0"/>
-                </a:defRPr>
-              </a:lvl8pPr>
-              <a:lvl9pPr marL="3886200" indent="-228600" eaLnBrk="0" fontAlgn="base" hangingPunct="0">
-                <a:spcBef>
-                  <a:spcPct val="0"/>
-                </a:spcBef>
-                <a:spcAft>
-                  <a:spcPct val="0"/>
-                </a:spcAft>
-                <a:defRPr>
-                  <a:solidFill>
-                    <a:schemeClr val="tx1"/>
-                  </a:solidFill>
-                  <a:latin typeface="Arial" pitchFamily="34" charset="0"/>
-                  <a:cs typeface="Arial" pitchFamily="34" charset="0"/>
-                </a:defRPr>
-              </a:lvl9pPr>
-            </a:lstStyle>
-            <a:p>
-              <a:pPr marL="0" marR="0" lvl="0" indent="0" algn="l" defTabSz="914400" rtl="0" eaLnBrk="1" fontAlgn="auto" latinLnBrk="0" hangingPunct="1">
-                <a:lnSpc>
-                  <a:spcPct val="100000"/>
-                </a:lnSpc>
-                <a:spcBef>
-                  <a:spcPts val="0"/>
-                </a:spcBef>
-                <a:spcAft>
-                  <a:spcPts val="0"/>
-                </a:spcAft>
-                <a:buClrTx/>
-                <a:buSzTx/>
-                <a:buFontTx/>
-                <a:buNone/>
-                <a:tabLst/>
-                <a:defRPr/>
-              </a:pPr>
-              <a:endParaRPr kumimoji="0" lang="pt-BR" altLang="pt-BR" sz="800" b="0" i="0" u="none" strike="noStrike" kern="1200" cap="none" spc="0" normalizeH="0" baseline="0" noProof="0">
-                <a:ln>
-                  <a:noFill/>
-                </a:ln>
-                <a:solidFill>
-                  <a:prstClr val="black"/>
-                </a:solidFill>
-                <a:effectLst/>
-                <a:uLnTx/>
-                <a:uFillTx/>
-                <a:latin typeface="Arial" pitchFamily="34" charset="0"/>
-                <a:ea typeface="+mn-ea"/>
-                <a:cs typeface="Arial" pitchFamily="34" charset="0"/>
-              </a:endParaRPr>
-            </a:p>
-          </p:txBody>
-        </p:sp>
-        <p:sp>
-          <p:nvSpPr>
-            <p:cNvPr id="140" name="Oval 73">
-              <a:extLst>
-                <a:ext uri="{FF2B5EF4-FFF2-40B4-BE49-F238E27FC236}">
-                  <a16:creationId xmlns:a16="http://schemas.microsoft.com/office/drawing/2014/main" id="{62503FB8-4E38-4BA2-9CEF-3E5CF2C8DCF5}"/>
-                </a:ext>
-              </a:extLst>
-            </p:cNvPr>
-            <p:cNvSpPr>
-              <a:spLocks noChangeArrowheads="1"/>
-            </p:cNvSpPr>
-            <p:nvPr/>
-          </p:nvSpPr>
-          <p:spPr bwMode="auto">
-            <a:xfrm>
-              <a:off x="3016" y="3475"/>
-              <a:ext cx="91" cy="91"/>
-            </a:xfrm>
-            <a:prstGeom prst="ellipse">
-              <a:avLst/>
-            </a:prstGeom>
-            <a:noFill/>
-            <a:ln w="9525">
-              <a:solidFill>
-                <a:schemeClr val="tx1"/>
-              </a:solidFill>
-              <a:round/>
-              <a:headEnd/>
-              <a:tailEnd/>
-            </a:ln>
-            <a:extLst>
-              <a:ext uri="{909E8E84-426E-40DD-AFC4-6F175D3DCCD1}">
-                <a14:hiddenFill xmlns:a14="http://schemas.microsoft.com/office/drawing/2010/main">
-                  <a:solidFill>
-                    <a:srgbClr val="FFFFFF"/>
-                  </a:solidFill>
-                </a14:hiddenFill>
-              </a:ext>
-            </a:extLst>
-          </p:spPr>
-          <p:txBody>
-            <a:bodyPr wrap="none" anchor="ctr"/>
-            <a:lstStyle>
-              <a:lvl1pPr eaLnBrk="0" hangingPunct="0">
-                <a:defRPr>
-                  <a:solidFill>
-                    <a:schemeClr val="tx1"/>
-                  </a:solidFill>
-                  <a:latin typeface="Arial" pitchFamily="34" charset="0"/>
-                  <a:cs typeface="Arial" pitchFamily="34" charset="0"/>
-                </a:defRPr>
-              </a:lvl1pPr>
-              <a:lvl2pPr marL="742950" indent="-285750" eaLnBrk="0" hangingPunct="0">
-                <a:defRPr>
-                  <a:solidFill>
-                    <a:schemeClr val="tx1"/>
-                  </a:solidFill>
-                  <a:latin typeface="Arial" pitchFamily="34" charset="0"/>
-                  <a:cs typeface="Arial" pitchFamily="34" charset="0"/>
-                </a:defRPr>
-              </a:lvl2pPr>
-              <a:lvl3pPr marL="1143000" indent="-228600" eaLnBrk="0" hangingPunct="0">
-                <a:defRPr>
-                  <a:solidFill>
-                    <a:schemeClr val="tx1"/>
-                  </a:solidFill>
-                  <a:latin typeface="Arial" pitchFamily="34" charset="0"/>
-                  <a:cs typeface="Arial" pitchFamily="34" charset="0"/>
-                </a:defRPr>
-              </a:lvl3pPr>
-              <a:lvl4pPr marL="1600200" indent="-228600" eaLnBrk="0" hangingPunct="0">
-                <a:defRPr>
-                  <a:solidFill>
-                    <a:schemeClr val="tx1"/>
-                  </a:solidFill>
-                  <a:latin typeface="Arial" pitchFamily="34" charset="0"/>
-                  <a:cs typeface="Arial" pitchFamily="34" charset="0"/>
-                </a:defRPr>
-              </a:lvl4pPr>
-              <a:lvl5pPr marL="2057400" indent="-228600" eaLnBrk="0" hangingPunct="0">
-                <a:defRPr>
-                  <a:solidFill>
-                    <a:schemeClr val="tx1"/>
-                  </a:solidFill>
-                  <a:latin typeface="Arial" pitchFamily="34" charset="0"/>
-                  <a:cs typeface="Arial" pitchFamily="34" charset="0"/>
-                </a:defRPr>
-              </a:lvl5pPr>
-              <a:lvl6pPr marL="2514600" indent="-228600" eaLnBrk="0" fontAlgn="base" hangingPunct="0">
-                <a:spcBef>
-                  <a:spcPct val="0"/>
-                </a:spcBef>
-                <a:spcAft>
-                  <a:spcPct val="0"/>
-                </a:spcAft>
-                <a:defRPr>
-                  <a:solidFill>
-                    <a:schemeClr val="tx1"/>
-                  </a:solidFill>
-                  <a:latin typeface="Arial" pitchFamily="34" charset="0"/>
-                  <a:cs typeface="Arial" pitchFamily="34" charset="0"/>
-                </a:defRPr>
-              </a:lvl6pPr>
-              <a:lvl7pPr marL="2971800" indent="-228600" eaLnBrk="0" fontAlgn="base" hangingPunct="0">
-                <a:spcBef>
-                  <a:spcPct val="0"/>
-                </a:spcBef>
-                <a:spcAft>
-                  <a:spcPct val="0"/>
-                </a:spcAft>
-                <a:defRPr>
-                  <a:solidFill>
-                    <a:schemeClr val="tx1"/>
-                  </a:solidFill>
-                  <a:latin typeface="Arial" pitchFamily="34" charset="0"/>
-                  <a:cs typeface="Arial" pitchFamily="34" charset="0"/>
-                </a:defRPr>
-              </a:lvl7pPr>
-              <a:lvl8pPr marL="3429000" indent="-228600" eaLnBrk="0" fontAlgn="base" hangingPunct="0">
-                <a:spcBef>
-                  <a:spcPct val="0"/>
-                </a:spcBef>
-                <a:spcAft>
-                  <a:spcPct val="0"/>
-                </a:spcAft>
-                <a:defRPr>
-                  <a:solidFill>
-                    <a:schemeClr val="tx1"/>
-                  </a:solidFill>
-                  <a:latin typeface="Arial" pitchFamily="34" charset="0"/>
-                  <a:cs typeface="Arial" pitchFamily="34" charset="0"/>
-                </a:defRPr>
-              </a:lvl8pPr>
-              <a:lvl9pPr marL="3886200" indent="-228600" eaLnBrk="0" fontAlgn="base" hangingPunct="0">
-                <a:spcBef>
-                  <a:spcPct val="0"/>
-                </a:spcBef>
-                <a:spcAft>
-                  <a:spcPct val="0"/>
-                </a:spcAft>
-                <a:defRPr>
-                  <a:solidFill>
-                    <a:schemeClr val="tx1"/>
-                  </a:solidFill>
-                  <a:latin typeface="Arial" pitchFamily="34" charset="0"/>
-                  <a:cs typeface="Arial" pitchFamily="34" charset="0"/>
-                </a:defRPr>
-              </a:lvl9pPr>
-            </a:lstStyle>
-            <a:p>
-              <a:pPr marL="0" marR="0" lvl="0" indent="0" algn="l" defTabSz="914400" rtl="0" eaLnBrk="1" fontAlgn="auto" latinLnBrk="0" hangingPunct="1">
-                <a:lnSpc>
-                  <a:spcPct val="100000"/>
-                </a:lnSpc>
-                <a:spcBef>
-                  <a:spcPts val="0"/>
-                </a:spcBef>
-                <a:spcAft>
-                  <a:spcPts val="0"/>
-                </a:spcAft>
-                <a:buClrTx/>
-                <a:buSzTx/>
-                <a:buFontTx/>
-                <a:buNone/>
-                <a:tabLst/>
-                <a:defRPr/>
-              </a:pPr>
-              <a:endParaRPr kumimoji="0" lang="pt-BR" altLang="pt-BR" sz="800" b="0" i="0" u="none" strike="noStrike" kern="1200" cap="none" spc="0" normalizeH="0" baseline="0" noProof="0">
-                <a:ln>
-                  <a:noFill/>
-                </a:ln>
-                <a:solidFill>
-                  <a:prstClr val="black"/>
-                </a:solidFill>
-                <a:effectLst/>
-                <a:uLnTx/>
-                <a:uFillTx/>
-                <a:latin typeface="Arial" pitchFamily="34" charset="0"/>
-                <a:ea typeface="+mn-ea"/>
-                <a:cs typeface="Arial" pitchFamily="34" charset="0"/>
-              </a:endParaRPr>
-            </a:p>
-          </p:txBody>
-        </p:sp>
-        <p:sp>
-          <p:nvSpPr>
-            <p:cNvPr id="141" name="Oval 74">
-              <a:extLst>
-                <a:ext uri="{FF2B5EF4-FFF2-40B4-BE49-F238E27FC236}">
-                  <a16:creationId xmlns:a16="http://schemas.microsoft.com/office/drawing/2014/main" id="{A155B11C-7BB2-4A43-B98F-F47EE48847A0}"/>
-                </a:ext>
-              </a:extLst>
-            </p:cNvPr>
-            <p:cNvSpPr>
-              <a:spLocks noChangeArrowheads="1"/>
-            </p:cNvSpPr>
-            <p:nvPr/>
-          </p:nvSpPr>
-          <p:spPr bwMode="auto">
-            <a:xfrm>
-              <a:off x="3107" y="3475"/>
-              <a:ext cx="91" cy="91"/>
-            </a:xfrm>
-            <a:prstGeom prst="ellipse">
-              <a:avLst/>
-            </a:prstGeom>
-            <a:noFill/>
-            <a:ln w="9525">
-              <a:solidFill>
-                <a:schemeClr val="tx1"/>
-              </a:solidFill>
-              <a:round/>
-              <a:headEnd/>
-              <a:tailEnd/>
-            </a:ln>
-            <a:extLst>
-              <a:ext uri="{909E8E84-426E-40DD-AFC4-6F175D3DCCD1}">
-                <a14:hiddenFill xmlns:a14="http://schemas.microsoft.com/office/drawing/2010/main">
-                  <a:solidFill>
-                    <a:srgbClr val="FFFFFF"/>
-                  </a:solidFill>
-                </a14:hiddenFill>
-              </a:ext>
-            </a:extLst>
-          </p:spPr>
-          <p:txBody>
-            <a:bodyPr wrap="none" anchor="ctr"/>
-            <a:lstStyle>
-              <a:lvl1pPr eaLnBrk="0" hangingPunct="0">
-                <a:defRPr>
-                  <a:solidFill>
-                    <a:schemeClr val="tx1"/>
-                  </a:solidFill>
-                  <a:latin typeface="Arial" pitchFamily="34" charset="0"/>
-                  <a:cs typeface="Arial" pitchFamily="34" charset="0"/>
-                </a:defRPr>
-              </a:lvl1pPr>
-              <a:lvl2pPr marL="742950" indent="-285750" eaLnBrk="0" hangingPunct="0">
-                <a:defRPr>
-                  <a:solidFill>
-                    <a:schemeClr val="tx1"/>
-                  </a:solidFill>
-                  <a:latin typeface="Arial" pitchFamily="34" charset="0"/>
-                  <a:cs typeface="Arial" pitchFamily="34" charset="0"/>
-                </a:defRPr>
-              </a:lvl2pPr>
-              <a:lvl3pPr marL="1143000" indent="-228600" eaLnBrk="0" hangingPunct="0">
-                <a:defRPr>
-                  <a:solidFill>
-                    <a:schemeClr val="tx1"/>
-                  </a:solidFill>
-                  <a:latin typeface="Arial" pitchFamily="34" charset="0"/>
-                  <a:cs typeface="Arial" pitchFamily="34" charset="0"/>
-                </a:defRPr>
-              </a:lvl3pPr>
-              <a:lvl4pPr marL="1600200" indent="-228600" eaLnBrk="0" hangingPunct="0">
-                <a:defRPr>
-                  <a:solidFill>
-                    <a:schemeClr val="tx1"/>
-                  </a:solidFill>
-                  <a:latin typeface="Arial" pitchFamily="34" charset="0"/>
-                  <a:cs typeface="Arial" pitchFamily="34" charset="0"/>
-                </a:defRPr>
-              </a:lvl4pPr>
-              <a:lvl5pPr marL="2057400" indent="-228600" eaLnBrk="0" hangingPunct="0">
-                <a:defRPr>
-                  <a:solidFill>
-                    <a:schemeClr val="tx1"/>
-                  </a:solidFill>
-                  <a:latin typeface="Arial" pitchFamily="34" charset="0"/>
-                  <a:cs typeface="Arial" pitchFamily="34" charset="0"/>
-                </a:defRPr>
-              </a:lvl5pPr>
-              <a:lvl6pPr marL="2514600" indent="-228600" eaLnBrk="0" fontAlgn="base" hangingPunct="0">
-                <a:spcBef>
-                  <a:spcPct val="0"/>
-                </a:spcBef>
-                <a:spcAft>
-                  <a:spcPct val="0"/>
-                </a:spcAft>
-                <a:defRPr>
-                  <a:solidFill>
-                    <a:schemeClr val="tx1"/>
-                  </a:solidFill>
-                  <a:latin typeface="Arial" pitchFamily="34" charset="0"/>
-                  <a:cs typeface="Arial" pitchFamily="34" charset="0"/>
-                </a:defRPr>
-              </a:lvl6pPr>
-              <a:lvl7pPr marL="2971800" indent="-228600" eaLnBrk="0" fontAlgn="base" hangingPunct="0">
-                <a:spcBef>
-                  <a:spcPct val="0"/>
-                </a:spcBef>
-                <a:spcAft>
-                  <a:spcPct val="0"/>
-                </a:spcAft>
-                <a:defRPr>
-                  <a:solidFill>
-                    <a:schemeClr val="tx1"/>
-                  </a:solidFill>
-                  <a:latin typeface="Arial" pitchFamily="34" charset="0"/>
-                  <a:cs typeface="Arial" pitchFamily="34" charset="0"/>
-                </a:defRPr>
-              </a:lvl7pPr>
-              <a:lvl8pPr marL="3429000" indent="-228600" eaLnBrk="0" fontAlgn="base" hangingPunct="0">
-                <a:spcBef>
-                  <a:spcPct val="0"/>
-                </a:spcBef>
-                <a:spcAft>
-                  <a:spcPct val="0"/>
-                </a:spcAft>
-                <a:defRPr>
-                  <a:solidFill>
-                    <a:schemeClr val="tx1"/>
-                  </a:solidFill>
-                  <a:latin typeface="Arial" pitchFamily="34" charset="0"/>
-                  <a:cs typeface="Arial" pitchFamily="34" charset="0"/>
-                </a:defRPr>
-              </a:lvl8pPr>
-              <a:lvl9pPr marL="3886200" indent="-228600" eaLnBrk="0" fontAlgn="base" hangingPunct="0">
-                <a:spcBef>
-                  <a:spcPct val="0"/>
-                </a:spcBef>
-                <a:spcAft>
-                  <a:spcPct val="0"/>
-                </a:spcAft>
-                <a:defRPr>
-                  <a:solidFill>
-                    <a:schemeClr val="tx1"/>
-                  </a:solidFill>
-                  <a:latin typeface="Arial" pitchFamily="34" charset="0"/>
-                  <a:cs typeface="Arial" pitchFamily="34" charset="0"/>
-                </a:defRPr>
-              </a:lvl9pPr>
-            </a:lstStyle>
-            <a:p>
-              <a:pPr marL="0" marR="0" lvl="0" indent="0" algn="l" defTabSz="914400" rtl="0" eaLnBrk="1" fontAlgn="auto" latinLnBrk="0" hangingPunct="1">
-                <a:lnSpc>
-                  <a:spcPct val="100000"/>
-                </a:lnSpc>
-                <a:spcBef>
-                  <a:spcPts val="0"/>
-                </a:spcBef>
-                <a:spcAft>
-                  <a:spcPts val="0"/>
-                </a:spcAft>
-                <a:buClrTx/>
-                <a:buSzTx/>
-                <a:buFontTx/>
-                <a:buNone/>
-                <a:tabLst/>
-                <a:defRPr/>
-              </a:pPr>
-              <a:endParaRPr kumimoji="0" lang="pt-BR" altLang="pt-BR" sz="800" b="0" i="0" u="none" strike="noStrike" kern="1200" cap="none" spc="0" normalizeH="0" baseline="0" noProof="0">
-                <a:ln>
-                  <a:noFill/>
-                </a:ln>
-                <a:solidFill>
-                  <a:prstClr val="black"/>
-                </a:solidFill>
-                <a:effectLst/>
-                <a:uLnTx/>
-                <a:uFillTx/>
-                <a:latin typeface="Arial" pitchFamily="34" charset="0"/>
-                <a:ea typeface="+mn-ea"/>
-                <a:cs typeface="Arial" pitchFamily="34" charset="0"/>
-              </a:endParaRPr>
-            </a:p>
-          </p:txBody>
-        </p:sp>
-      </p:grpSp>
-      <p:grpSp>
-        <p:nvGrpSpPr>
           <p:cNvPr id="142" name="Group 71">
             <a:extLst>
               <a:ext uri="{FF2B5EF4-FFF2-40B4-BE49-F238E27FC236}">
@@ -45942,577 +45012,6 @@
           </p:txBody>
         </p:sp>
       </p:grpSp>
-      <p:grpSp>
-        <p:nvGrpSpPr>
-          <p:cNvPr id="146" name="Group 71">
-            <a:extLst>
-              <a:ext uri="{FF2B5EF4-FFF2-40B4-BE49-F238E27FC236}">
-                <a16:creationId xmlns:a16="http://schemas.microsoft.com/office/drawing/2014/main" id="{9A6C50BF-698D-42C4-BE20-FAAC4BCE232B}"/>
-              </a:ext>
-            </a:extLst>
-          </p:cNvPr>
-          <p:cNvGrpSpPr>
-            <a:grpSpLocks/>
-          </p:cNvGrpSpPr>
-          <p:nvPr/>
-        </p:nvGrpSpPr>
-        <p:grpSpPr bwMode="auto">
-          <a:xfrm>
-            <a:off x="3924002" y="5076550"/>
-            <a:ext cx="504000" cy="180000"/>
-            <a:chOff x="2925" y="3475"/>
-            <a:chExt cx="273" cy="91"/>
-          </a:xfrm>
-        </p:grpSpPr>
-        <p:sp>
-          <p:nvSpPr>
-            <p:cNvPr id="147" name="Oval 72">
-              <a:extLst>
-                <a:ext uri="{FF2B5EF4-FFF2-40B4-BE49-F238E27FC236}">
-                  <a16:creationId xmlns:a16="http://schemas.microsoft.com/office/drawing/2014/main" id="{7B1D76C3-14D1-4931-AD02-8187590B304F}"/>
-                </a:ext>
-              </a:extLst>
-            </p:cNvPr>
-            <p:cNvSpPr>
-              <a:spLocks noChangeArrowheads="1"/>
-            </p:cNvSpPr>
-            <p:nvPr/>
-          </p:nvSpPr>
-          <p:spPr bwMode="auto">
-            <a:xfrm>
-              <a:off x="2925" y="3475"/>
-              <a:ext cx="91" cy="91"/>
-            </a:xfrm>
-            <a:prstGeom prst="ellipse">
-              <a:avLst/>
-            </a:prstGeom>
-            <a:solidFill>
-              <a:srgbClr val="008000"/>
-            </a:solidFill>
-            <a:ln w="9525">
-              <a:solidFill>
-                <a:schemeClr val="tx1"/>
-              </a:solidFill>
-              <a:round/>
-              <a:headEnd/>
-              <a:tailEnd/>
-            </a:ln>
-          </p:spPr>
-          <p:txBody>
-            <a:bodyPr wrap="none" anchor="ctr"/>
-            <a:lstStyle>
-              <a:lvl1pPr eaLnBrk="0" hangingPunct="0">
-                <a:defRPr>
-                  <a:solidFill>
-                    <a:schemeClr val="tx1"/>
-                  </a:solidFill>
-                  <a:latin typeface="Arial" pitchFamily="34" charset="0"/>
-                  <a:cs typeface="Arial" pitchFamily="34" charset="0"/>
-                </a:defRPr>
-              </a:lvl1pPr>
-              <a:lvl2pPr marL="742950" indent="-285750" eaLnBrk="0" hangingPunct="0">
-                <a:defRPr>
-                  <a:solidFill>
-                    <a:schemeClr val="tx1"/>
-                  </a:solidFill>
-                  <a:latin typeface="Arial" pitchFamily="34" charset="0"/>
-                  <a:cs typeface="Arial" pitchFamily="34" charset="0"/>
-                </a:defRPr>
-              </a:lvl2pPr>
-              <a:lvl3pPr marL="1143000" indent="-228600" eaLnBrk="0" hangingPunct="0">
-                <a:defRPr>
-                  <a:solidFill>
-                    <a:schemeClr val="tx1"/>
-                  </a:solidFill>
-                  <a:latin typeface="Arial" pitchFamily="34" charset="0"/>
-                  <a:cs typeface="Arial" pitchFamily="34" charset="0"/>
-                </a:defRPr>
-              </a:lvl3pPr>
-              <a:lvl4pPr marL="1600200" indent="-228600" eaLnBrk="0" hangingPunct="0">
-                <a:defRPr>
-                  <a:solidFill>
-                    <a:schemeClr val="tx1"/>
-                  </a:solidFill>
-                  <a:latin typeface="Arial" pitchFamily="34" charset="0"/>
-                  <a:cs typeface="Arial" pitchFamily="34" charset="0"/>
-                </a:defRPr>
-              </a:lvl4pPr>
-              <a:lvl5pPr marL="2057400" indent="-228600" eaLnBrk="0" hangingPunct="0">
-                <a:defRPr>
-                  <a:solidFill>
-                    <a:schemeClr val="tx1"/>
-                  </a:solidFill>
-                  <a:latin typeface="Arial" pitchFamily="34" charset="0"/>
-                  <a:cs typeface="Arial" pitchFamily="34" charset="0"/>
-                </a:defRPr>
-              </a:lvl5pPr>
-              <a:lvl6pPr marL="2514600" indent="-228600" eaLnBrk="0" fontAlgn="base" hangingPunct="0">
-                <a:spcBef>
-                  <a:spcPct val="0"/>
-                </a:spcBef>
-                <a:spcAft>
-                  <a:spcPct val="0"/>
-                </a:spcAft>
-                <a:defRPr>
-                  <a:solidFill>
-                    <a:schemeClr val="tx1"/>
-                  </a:solidFill>
-                  <a:latin typeface="Arial" pitchFamily="34" charset="0"/>
-                  <a:cs typeface="Arial" pitchFamily="34" charset="0"/>
-                </a:defRPr>
-              </a:lvl6pPr>
-              <a:lvl7pPr marL="2971800" indent="-228600" eaLnBrk="0" fontAlgn="base" hangingPunct="0">
-                <a:spcBef>
-                  <a:spcPct val="0"/>
-                </a:spcBef>
-                <a:spcAft>
-                  <a:spcPct val="0"/>
-                </a:spcAft>
-                <a:defRPr>
-                  <a:solidFill>
-                    <a:schemeClr val="tx1"/>
-                  </a:solidFill>
-                  <a:latin typeface="Arial" pitchFamily="34" charset="0"/>
-                  <a:cs typeface="Arial" pitchFamily="34" charset="0"/>
-                </a:defRPr>
-              </a:lvl7pPr>
-              <a:lvl8pPr marL="3429000" indent="-228600" eaLnBrk="0" fontAlgn="base" hangingPunct="0">
-                <a:spcBef>
-                  <a:spcPct val="0"/>
-                </a:spcBef>
-                <a:spcAft>
-                  <a:spcPct val="0"/>
-                </a:spcAft>
-                <a:defRPr>
-                  <a:solidFill>
-                    <a:schemeClr val="tx1"/>
-                  </a:solidFill>
-                  <a:latin typeface="Arial" pitchFamily="34" charset="0"/>
-                  <a:cs typeface="Arial" pitchFamily="34" charset="0"/>
-                </a:defRPr>
-              </a:lvl8pPr>
-              <a:lvl9pPr marL="3886200" indent="-228600" eaLnBrk="0" fontAlgn="base" hangingPunct="0">
-                <a:spcBef>
-                  <a:spcPct val="0"/>
-                </a:spcBef>
-                <a:spcAft>
-                  <a:spcPct val="0"/>
-                </a:spcAft>
-                <a:defRPr>
-                  <a:solidFill>
-                    <a:schemeClr val="tx1"/>
-                  </a:solidFill>
-                  <a:latin typeface="Arial" pitchFamily="34" charset="0"/>
-                  <a:cs typeface="Arial" pitchFamily="34" charset="0"/>
-                </a:defRPr>
-              </a:lvl9pPr>
-            </a:lstStyle>
-            <a:p>
-              <a:pPr marL="0" marR="0" lvl="0" indent="0" algn="l" defTabSz="914400" rtl="0" eaLnBrk="1" fontAlgn="auto" latinLnBrk="0" hangingPunct="1">
-                <a:lnSpc>
-                  <a:spcPct val="100000"/>
-                </a:lnSpc>
-                <a:spcBef>
-                  <a:spcPts val="0"/>
-                </a:spcBef>
-                <a:spcAft>
-                  <a:spcPts val="0"/>
-                </a:spcAft>
-                <a:buClrTx/>
-                <a:buSzTx/>
-                <a:buFontTx/>
-                <a:buNone/>
-                <a:tabLst/>
-                <a:defRPr/>
-              </a:pPr>
-              <a:endParaRPr kumimoji="0" lang="pt-BR" altLang="pt-BR" sz="800" b="0" i="0" u="none" strike="noStrike" kern="1200" cap="none" spc="0" normalizeH="0" baseline="0" noProof="0">
-                <a:ln>
-                  <a:noFill/>
-                </a:ln>
-                <a:solidFill>
-                  <a:prstClr val="black"/>
-                </a:solidFill>
-                <a:effectLst/>
-                <a:uLnTx/>
-                <a:uFillTx/>
-                <a:latin typeface="Arial" pitchFamily="34" charset="0"/>
-                <a:ea typeface="+mn-ea"/>
-                <a:cs typeface="Arial" pitchFamily="34" charset="0"/>
-              </a:endParaRPr>
-            </a:p>
-          </p:txBody>
-        </p:sp>
-        <p:sp>
-          <p:nvSpPr>
-            <p:cNvPr id="148" name="Oval 73">
-              <a:extLst>
-                <a:ext uri="{FF2B5EF4-FFF2-40B4-BE49-F238E27FC236}">
-                  <a16:creationId xmlns:a16="http://schemas.microsoft.com/office/drawing/2014/main" id="{62503FB8-4E38-4BA2-9CEF-3E5CF2C8DCF5}"/>
-                </a:ext>
-              </a:extLst>
-            </p:cNvPr>
-            <p:cNvSpPr>
-              <a:spLocks noChangeArrowheads="1"/>
-            </p:cNvSpPr>
-            <p:nvPr/>
-          </p:nvSpPr>
-          <p:spPr bwMode="auto">
-            <a:xfrm>
-              <a:off x="3016" y="3475"/>
-              <a:ext cx="91" cy="91"/>
-            </a:xfrm>
-            <a:prstGeom prst="ellipse">
-              <a:avLst/>
-            </a:prstGeom>
-            <a:noFill/>
-            <a:ln w="9525">
-              <a:solidFill>
-                <a:schemeClr val="tx1"/>
-              </a:solidFill>
-              <a:round/>
-              <a:headEnd/>
-              <a:tailEnd/>
-            </a:ln>
-            <a:extLst>
-              <a:ext uri="{909E8E84-426E-40DD-AFC4-6F175D3DCCD1}">
-                <a14:hiddenFill xmlns:a14="http://schemas.microsoft.com/office/drawing/2010/main">
-                  <a:solidFill>
-                    <a:srgbClr val="FFFFFF"/>
-                  </a:solidFill>
-                </a14:hiddenFill>
-              </a:ext>
-            </a:extLst>
-          </p:spPr>
-          <p:txBody>
-            <a:bodyPr wrap="none" anchor="ctr"/>
-            <a:lstStyle>
-              <a:lvl1pPr eaLnBrk="0" hangingPunct="0">
-                <a:defRPr>
-                  <a:solidFill>
-                    <a:schemeClr val="tx1"/>
-                  </a:solidFill>
-                  <a:latin typeface="Arial" pitchFamily="34" charset="0"/>
-                  <a:cs typeface="Arial" pitchFamily="34" charset="0"/>
-                </a:defRPr>
-              </a:lvl1pPr>
-              <a:lvl2pPr marL="742950" indent="-285750" eaLnBrk="0" hangingPunct="0">
-                <a:defRPr>
-                  <a:solidFill>
-                    <a:schemeClr val="tx1"/>
-                  </a:solidFill>
-                  <a:latin typeface="Arial" pitchFamily="34" charset="0"/>
-                  <a:cs typeface="Arial" pitchFamily="34" charset="0"/>
-                </a:defRPr>
-              </a:lvl2pPr>
-              <a:lvl3pPr marL="1143000" indent="-228600" eaLnBrk="0" hangingPunct="0">
-                <a:defRPr>
-                  <a:solidFill>
-                    <a:schemeClr val="tx1"/>
-                  </a:solidFill>
-                  <a:latin typeface="Arial" pitchFamily="34" charset="0"/>
-                  <a:cs typeface="Arial" pitchFamily="34" charset="0"/>
-                </a:defRPr>
-              </a:lvl3pPr>
-              <a:lvl4pPr marL="1600200" indent="-228600" eaLnBrk="0" hangingPunct="0">
-                <a:defRPr>
-                  <a:solidFill>
-                    <a:schemeClr val="tx1"/>
-                  </a:solidFill>
-                  <a:latin typeface="Arial" pitchFamily="34" charset="0"/>
-                  <a:cs typeface="Arial" pitchFamily="34" charset="0"/>
-                </a:defRPr>
-              </a:lvl4pPr>
-              <a:lvl5pPr marL="2057400" indent="-228600" eaLnBrk="0" hangingPunct="0">
-                <a:defRPr>
-                  <a:solidFill>
-                    <a:schemeClr val="tx1"/>
-                  </a:solidFill>
-                  <a:latin typeface="Arial" pitchFamily="34" charset="0"/>
-                  <a:cs typeface="Arial" pitchFamily="34" charset="0"/>
-                </a:defRPr>
-              </a:lvl5pPr>
-              <a:lvl6pPr marL="2514600" indent="-228600" eaLnBrk="0" fontAlgn="base" hangingPunct="0">
-                <a:spcBef>
-                  <a:spcPct val="0"/>
-                </a:spcBef>
-                <a:spcAft>
-                  <a:spcPct val="0"/>
-                </a:spcAft>
-                <a:defRPr>
-                  <a:solidFill>
-                    <a:schemeClr val="tx1"/>
-                  </a:solidFill>
-                  <a:latin typeface="Arial" pitchFamily="34" charset="0"/>
-                  <a:cs typeface="Arial" pitchFamily="34" charset="0"/>
-                </a:defRPr>
-              </a:lvl6pPr>
-              <a:lvl7pPr marL="2971800" indent="-228600" eaLnBrk="0" fontAlgn="base" hangingPunct="0">
-                <a:spcBef>
-                  <a:spcPct val="0"/>
-                </a:spcBef>
-                <a:spcAft>
-                  <a:spcPct val="0"/>
-                </a:spcAft>
-                <a:defRPr>
-                  <a:solidFill>
-                    <a:schemeClr val="tx1"/>
-                  </a:solidFill>
-                  <a:latin typeface="Arial" pitchFamily="34" charset="0"/>
-                  <a:cs typeface="Arial" pitchFamily="34" charset="0"/>
-                </a:defRPr>
-              </a:lvl7pPr>
-              <a:lvl8pPr marL="3429000" indent="-228600" eaLnBrk="0" fontAlgn="base" hangingPunct="0">
-                <a:spcBef>
-                  <a:spcPct val="0"/>
-                </a:spcBef>
-                <a:spcAft>
-                  <a:spcPct val="0"/>
-                </a:spcAft>
-                <a:defRPr>
-                  <a:solidFill>
-                    <a:schemeClr val="tx1"/>
-                  </a:solidFill>
-                  <a:latin typeface="Arial" pitchFamily="34" charset="0"/>
-                  <a:cs typeface="Arial" pitchFamily="34" charset="0"/>
-                </a:defRPr>
-              </a:lvl8pPr>
-              <a:lvl9pPr marL="3886200" indent="-228600" eaLnBrk="0" fontAlgn="base" hangingPunct="0">
-                <a:spcBef>
-                  <a:spcPct val="0"/>
-                </a:spcBef>
-                <a:spcAft>
-                  <a:spcPct val="0"/>
-                </a:spcAft>
-                <a:defRPr>
-                  <a:solidFill>
-                    <a:schemeClr val="tx1"/>
-                  </a:solidFill>
-                  <a:latin typeface="Arial" pitchFamily="34" charset="0"/>
-                  <a:cs typeface="Arial" pitchFamily="34" charset="0"/>
-                </a:defRPr>
-              </a:lvl9pPr>
-            </a:lstStyle>
-            <a:p>
-              <a:pPr marL="0" marR="0" lvl="0" indent="0" algn="l" defTabSz="914400" rtl="0" eaLnBrk="1" fontAlgn="auto" latinLnBrk="0" hangingPunct="1">
-                <a:lnSpc>
-                  <a:spcPct val="100000"/>
-                </a:lnSpc>
-                <a:spcBef>
-                  <a:spcPts val="0"/>
-                </a:spcBef>
-                <a:spcAft>
-                  <a:spcPts val="0"/>
-                </a:spcAft>
-                <a:buClrTx/>
-                <a:buSzTx/>
-                <a:buFontTx/>
-                <a:buNone/>
-                <a:tabLst/>
-                <a:defRPr/>
-              </a:pPr>
-              <a:endParaRPr kumimoji="0" lang="pt-BR" altLang="pt-BR" sz="800" b="0" i="0" u="none" strike="noStrike" kern="1200" cap="none" spc="0" normalizeH="0" baseline="0" noProof="0">
-                <a:ln>
-                  <a:noFill/>
-                </a:ln>
-                <a:solidFill>
-                  <a:prstClr val="black"/>
-                </a:solidFill>
-                <a:effectLst/>
-                <a:uLnTx/>
-                <a:uFillTx/>
-                <a:latin typeface="Arial" pitchFamily="34" charset="0"/>
-                <a:ea typeface="+mn-ea"/>
-                <a:cs typeface="Arial" pitchFamily="34" charset="0"/>
-              </a:endParaRPr>
-            </a:p>
-          </p:txBody>
-        </p:sp>
-        <p:sp>
-          <p:nvSpPr>
-            <p:cNvPr id="149" name="Oval 74">
-              <a:extLst>
-                <a:ext uri="{FF2B5EF4-FFF2-40B4-BE49-F238E27FC236}">
-                  <a16:creationId xmlns:a16="http://schemas.microsoft.com/office/drawing/2014/main" id="{A155B11C-7BB2-4A43-B98F-F47EE48847A0}"/>
-                </a:ext>
-              </a:extLst>
-            </p:cNvPr>
-            <p:cNvSpPr>
-              <a:spLocks noChangeArrowheads="1"/>
-            </p:cNvSpPr>
-            <p:nvPr/>
-          </p:nvSpPr>
-          <p:spPr bwMode="auto">
-            <a:xfrm>
-              <a:off x="3107" y="3475"/>
-              <a:ext cx="91" cy="91"/>
-            </a:xfrm>
-            <a:prstGeom prst="ellipse">
-              <a:avLst/>
-            </a:prstGeom>
-            <a:noFill/>
-            <a:ln w="9525">
-              <a:solidFill>
-                <a:schemeClr val="tx1"/>
-              </a:solidFill>
-              <a:round/>
-              <a:headEnd/>
-              <a:tailEnd/>
-            </a:ln>
-            <a:extLst>
-              <a:ext uri="{909E8E84-426E-40DD-AFC4-6F175D3DCCD1}">
-                <a14:hiddenFill xmlns:a14="http://schemas.microsoft.com/office/drawing/2010/main">
-                  <a:solidFill>
-                    <a:srgbClr val="FFFFFF"/>
-                  </a:solidFill>
-                </a14:hiddenFill>
-              </a:ext>
-            </a:extLst>
-          </p:spPr>
-          <p:txBody>
-            <a:bodyPr wrap="none" anchor="ctr"/>
-            <a:lstStyle>
-              <a:lvl1pPr eaLnBrk="0" hangingPunct="0">
-                <a:defRPr>
-                  <a:solidFill>
-                    <a:schemeClr val="tx1"/>
-                  </a:solidFill>
-                  <a:latin typeface="Arial" pitchFamily="34" charset="0"/>
-                  <a:cs typeface="Arial" pitchFamily="34" charset="0"/>
-                </a:defRPr>
-              </a:lvl1pPr>
-              <a:lvl2pPr marL="742950" indent="-285750" eaLnBrk="0" hangingPunct="0">
-                <a:defRPr>
-                  <a:solidFill>
-                    <a:schemeClr val="tx1"/>
-                  </a:solidFill>
-                  <a:latin typeface="Arial" pitchFamily="34" charset="0"/>
-                  <a:cs typeface="Arial" pitchFamily="34" charset="0"/>
-                </a:defRPr>
-              </a:lvl2pPr>
-              <a:lvl3pPr marL="1143000" indent="-228600" eaLnBrk="0" hangingPunct="0">
-                <a:defRPr>
-                  <a:solidFill>
-                    <a:schemeClr val="tx1"/>
-                  </a:solidFill>
-                  <a:latin typeface="Arial" pitchFamily="34" charset="0"/>
-                  <a:cs typeface="Arial" pitchFamily="34" charset="0"/>
-                </a:defRPr>
-              </a:lvl3pPr>
-              <a:lvl4pPr marL="1600200" indent="-228600" eaLnBrk="0" hangingPunct="0">
-                <a:defRPr>
-                  <a:solidFill>
-                    <a:schemeClr val="tx1"/>
-                  </a:solidFill>
-                  <a:latin typeface="Arial" pitchFamily="34" charset="0"/>
-                  <a:cs typeface="Arial" pitchFamily="34" charset="0"/>
-                </a:defRPr>
-              </a:lvl4pPr>
-              <a:lvl5pPr marL="2057400" indent="-228600" eaLnBrk="0" hangingPunct="0">
-                <a:defRPr>
-                  <a:solidFill>
-                    <a:schemeClr val="tx1"/>
-                  </a:solidFill>
-                  <a:latin typeface="Arial" pitchFamily="34" charset="0"/>
-                  <a:cs typeface="Arial" pitchFamily="34" charset="0"/>
-                </a:defRPr>
-              </a:lvl5pPr>
-              <a:lvl6pPr marL="2514600" indent="-228600" eaLnBrk="0" fontAlgn="base" hangingPunct="0">
-                <a:spcBef>
-                  <a:spcPct val="0"/>
-                </a:spcBef>
-                <a:spcAft>
-                  <a:spcPct val="0"/>
-                </a:spcAft>
-                <a:defRPr>
-                  <a:solidFill>
-                    <a:schemeClr val="tx1"/>
-                  </a:solidFill>
-                  <a:latin typeface="Arial" pitchFamily="34" charset="0"/>
-                  <a:cs typeface="Arial" pitchFamily="34" charset="0"/>
-                </a:defRPr>
-              </a:lvl6pPr>
-              <a:lvl7pPr marL="2971800" indent="-228600" eaLnBrk="0" fontAlgn="base" hangingPunct="0">
-                <a:spcBef>
-                  <a:spcPct val="0"/>
-                </a:spcBef>
-                <a:spcAft>
-                  <a:spcPct val="0"/>
-                </a:spcAft>
-                <a:defRPr>
-                  <a:solidFill>
-                    <a:schemeClr val="tx1"/>
-                  </a:solidFill>
-                  <a:latin typeface="Arial" pitchFamily="34" charset="0"/>
-                  <a:cs typeface="Arial" pitchFamily="34" charset="0"/>
-                </a:defRPr>
-              </a:lvl7pPr>
-              <a:lvl8pPr marL="3429000" indent="-228600" eaLnBrk="0" fontAlgn="base" hangingPunct="0">
-                <a:spcBef>
-                  <a:spcPct val="0"/>
-                </a:spcBef>
-                <a:spcAft>
-                  <a:spcPct val="0"/>
-                </a:spcAft>
-                <a:defRPr>
-                  <a:solidFill>
-                    <a:schemeClr val="tx1"/>
-                  </a:solidFill>
-                  <a:latin typeface="Arial" pitchFamily="34" charset="0"/>
-                  <a:cs typeface="Arial" pitchFamily="34" charset="0"/>
-                </a:defRPr>
-              </a:lvl8pPr>
-              <a:lvl9pPr marL="3886200" indent="-228600" eaLnBrk="0" fontAlgn="base" hangingPunct="0">
-                <a:spcBef>
-                  <a:spcPct val="0"/>
-                </a:spcBef>
-                <a:spcAft>
-                  <a:spcPct val="0"/>
-                </a:spcAft>
-                <a:defRPr>
-                  <a:solidFill>
-                    <a:schemeClr val="tx1"/>
-                  </a:solidFill>
-                  <a:latin typeface="Arial" pitchFamily="34" charset="0"/>
-                  <a:cs typeface="Arial" pitchFamily="34" charset="0"/>
-                </a:defRPr>
-              </a:lvl9pPr>
-            </a:lstStyle>
-            <a:p>
-              <a:pPr marL="0" marR="0" lvl="0" indent="0" algn="l" defTabSz="914400" rtl="0" eaLnBrk="1" fontAlgn="auto" latinLnBrk="0" hangingPunct="1">
-                <a:lnSpc>
-                  <a:spcPct val="100000"/>
-                </a:lnSpc>
-                <a:spcBef>
-                  <a:spcPts val="0"/>
-                </a:spcBef>
-                <a:spcAft>
-                  <a:spcPts val="0"/>
-                </a:spcAft>
-                <a:buClrTx/>
-                <a:buSzTx/>
-                <a:buFontTx/>
-                <a:buNone/>
-                <a:tabLst/>
-                <a:defRPr/>
-              </a:pPr>
-              <a:endParaRPr kumimoji="0" lang="pt-BR" altLang="pt-BR" sz="800" b="0" i="0" u="none" strike="noStrike" kern="1200" cap="none" spc="0" normalizeH="0" baseline="0" noProof="0">
-                <a:ln>
-                  <a:noFill/>
-                </a:ln>
-                <a:solidFill>
-                  <a:prstClr val="black"/>
-                </a:solidFill>
-                <a:effectLst/>
-                <a:uLnTx/>
-                <a:uFillTx/>
-                <a:latin typeface="Arial" pitchFamily="34" charset="0"/>
-                <a:ea typeface="+mn-ea"/>
-                <a:cs typeface="Arial" pitchFamily="34" charset="0"/>
-              </a:endParaRPr>
-            </a:p>
-          </p:txBody>
-        </p:sp>
-      </p:grpSp>
       <p:sp>
         <p:nvSpPr>
           <p:cNvPr id="162" name="CaixaDeTexto 97">
@@ -46646,11 +45145,7 @@
             </a:r>
             <a:r>
               <a:rPr lang="pt-BR" sz="1200" b="1" dirty="0" smtClean="0"/>
-              <a:t>Realizado</a:t>
-            </a:r>
-            <a:r>
-              <a:rPr lang="pt-BR" sz="1200" b="1" dirty="0" smtClean="0"/>
-              <a:t>                      </a:t>
+              <a:t>Realizado                      </a:t>
             </a:r>
             <a:r>
               <a:rPr lang="pt-BR" sz="1200" b="1" dirty="0" smtClean="0">
@@ -47428,11 +45923,7 @@
             </a:r>
             <a:r>
               <a:rPr lang="pt-BR" altLang="pt-BR" sz="1000" b="1" dirty="0" smtClean="0"/>
-              <a:t>0</a:t>
-            </a:r>
-            <a:r>
-              <a:rPr lang="pt-BR" altLang="pt-BR" sz="1000" b="1" dirty="0" smtClean="0"/>
-              <a:t>%</a:t>
+              <a:t>0%</a:t>
             </a:r>
             <a:endParaRPr lang="pt-BR" altLang="pt-BR" sz="1000" b="1" dirty="0"/>
           </a:p>
@@ -47733,11 +46224,7 @@
             <a:pPr eaLnBrk="1" hangingPunct="1"/>
             <a:r>
               <a:rPr lang="pt-BR" altLang="pt-BR" sz="1000" b="1" dirty="0"/>
-              <a:t> </a:t>
-            </a:r>
-            <a:r>
-              <a:rPr lang="pt-BR" altLang="pt-BR" sz="1000" b="1" dirty="0"/>
-              <a:t>5</a:t>
+              <a:t> 5</a:t>
             </a:r>
             <a:r>
               <a:rPr lang="pt-BR" altLang="pt-BR" sz="1000" b="1" dirty="0" smtClean="0"/>
@@ -47766,7 +46253,7 @@
         </p:nvGrpSpPr>
         <p:grpSpPr bwMode="auto">
           <a:xfrm>
-            <a:off x="3967629" y="3519303"/>
+            <a:off x="3930144" y="4357546"/>
             <a:ext cx="484070" cy="176546"/>
             <a:chOff x="2925" y="3611"/>
             <a:chExt cx="273" cy="91"/>
@@ -48138,6 +46625,1719 @@
         <p:sp>
           <p:nvSpPr>
             <p:cNvPr id="173" name="Oval 78">
+              <a:extLst>
+                <a:ext uri="{FF2B5EF4-FFF2-40B4-BE49-F238E27FC236}">
+                  <a16:creationId xmlns:a16="http://schemas.microsoft.com/office/drawing/2014/main" id="{088813C7-A103-4CB1-ADA6-393C5AA5C5F0}"/>
+                </a:ext>
+              </a:extLst>
+            </p:cNvPr>
+            <p:cNvSpPr>
+              <a:spLocks noChangeArrowheads="1"/>
+            </p:cNvSpPr>
+            <p:nvPr/>
+          </p:nvSpPr>
+          <p:spPr bwMode="auto">
+            <a:xfrm>
+              <a:off x="3107" y="3611"/>
+              <a:ext cx="91" cy="91"/>
+            </a:xfrm>
+            <a:prstGeom prst="ellipse">
+              <a:avLst/>
+            </a:prstGeom>
+            <a:noFill/>
+            <a:ln w="9525">
+              <a:solidFill>
+                <a:schemeClr val="tx1"/>
+              </a:solidFill>
+              <a:round/>
+              <a:headEnd/>
+              <a:tailEnd/>
+            </a:ln>
+            <a:extLst>
+              <a:ext uri="{909E8E84-426E-40DD-AFC4-6F175D3DCCD1}">
+                <a14:hiddenFill xmlns:a14="http://schemas.microsoft.com/office/drawing/2010/main">
+                  <a:solidFill>
+                    <a:srgbClr val="FFFFFF"/>
+                  </a:solidFill>
+                </a14:hiddenFill>
+              </a:ext>
+            </a:extLst>
+          </p:spPr>
+          <p:txBody>
+            <a:bodyPr wrap="none" anchor="ctr"/>
+            <a:lstStyle>
+              <a:lvl1pPr eaLnBrk="0" hangingPunct="0">
+                <a:defRPr>
+                  <a:solidFill>
+                    <a:schemeClr val="tx1"/>
+                  </a:solidFill>
+                  <a:latin typeface="Arial" pitchFamily="34" charset="0"/>
+                  <a:cs typeface="Arial" pitchFamily="34" charset="0"/>
+                </a:defRPr>
+              </a:lvl1pPr>
+              <a:lvl2pPr marL="742950" indent="-285750" eaLnBrk="0" hangingPunct="0">
+                <a:defRPr>
+                  <a:solidFill>
+                    <a:schemeClr val="tx1"/>
+                  </a:solidFill>
+                  <a:latin typeface="Arial" pitchFamily="34" charset="0"/>
+                  <a:cs typeface="Arial" pitchFamily="34" charset="0"/>
+                </a:defRPr>
+              </a:lvl2pPr>
+              <a:lvl3pPr marL="1143000" indent="-228600" eaLnBrk="0" hangingPunct="0">
+                <a:defRPr>
+                  <a:solidFill>
+                    <a:schemeClr val="tx1"/>
+                  </a:solidFill>
+                  <a:latin typeface="Arial" pitchFamily="34" charset="0"/>
+                  <a:cs typeface="Arial" pitchFamily="34" charset="0"/>
+                </a:defRPr>
+              </a:lvl3pPr>
+              <a:lvl4pPr marL="1600200" indent="-228600" eaLnBrk="0" hangingPunct="0">
+                <a:defRPr>
+                  <a:solidFill>
+                    <a:schemeClr val="tx1"/>
+                  </a:solidFill>
+                  <a:latin typeface="Arial" pitchFamily="34" charset="0"/>
+                  <a:cs typeface="Arial" pitchFamily="34" charset="0"/>
+                </a:defRPr>
+              </a:lvl4pPr>
+              <a:lvl5pPr marL="2057400" indent="-228600" eaLnBrk="0" hangingPunct="0">
+                <a:defRPr>
+                  <a:solidFill>
+                    <a:schemeClr val="tx1"/>
+                  </a:solidFill>
+                  <a:latin typeface="Arial" pitchFamily="34" charset="0"/>
+                  <a:cs typeface="Arial" pitchFamily="34" charset="0"/>
+                </a:defRPr>
+              </a:lvl5pPr>
+              <a:lvl6pPr marL="2514600" indent="-228600" eaLnBrk="0" fontAlgn="base" hangingPunct="0">
+                <a:spcBef>
+                  <a:spcPct val="0"/>
+                </a:spcBef>
+                <a:spcAft>
+                  <a:spcPct val="0"/>
+                </a:spcAft>
+                <a:defRPr>
+                  <a:solidFill>
+                    <a:schemeClr val="tx1"/>
+                  </a:solidFill>
+                  <a:latin typeface="Arial" pitchFamily="34" charset="0"/>
+                  <a:cs typeface="Arial" pitchFamily="34" charset="0"/>
+                </a:defRPr>
+              </a:lvl6pPr>
+              <a:lvl7pPr marL="2971800" indent="-228600" eaLnBrk="0" fontAlgn="base" hangingPunct="0">
+                <a:spcBef>
+                  <a:spcPct val="0"/>
+                </a:spcBef>
+                <a:spcAft>
+                  <a:spcPct val="0"/>
+                </a:spcAft>
+                <a:defRPr>
+                  <a:solidFill>
+                    <a:schemeClr val="tx1"/>
+                  </a:solidFill>
+                  <a:latin typeface="Arial" pitchFamily="34" charset="0"/>
+                  <a:cs typeface="Arial" pitchFamily="34" charset="0"/>
+                </a:defRPr>
+              </a:lvl7pPr>
+              <a:lvl8pPr marL="3429000" indent="-228600" eaLnBrk="0" fontAlgn="base" hangingPunct="0">
+                <a:spcBef>
+                  <a:spcPct val="0"/>
+                </a:spcBef>
+                <a:spcAft>
+                  <a:spcPct val="0"/>
+                </a:spcAft>
+                <a:defRPr>
+                  <a:solidFill>
+                    <a:schemeClr val="tx1"/>
+                  </a:solidFill>
+                  <a:latin typeface="Arial" pitchFamily="34" charset="0"/>
+                  <a:cs typeface="Arial" pitchFamily="34" charset="0"/>
+                </a:defRPr>
+              </a:lvl8pPr>
+              <a:lvl9pPr marL="3886200" indent="-228600" eaLnBrk="0" fontAlgn="base" hangingPunct="0">
+                <a:spcBef>
+                  <a:spcPct val="0"/>
+                </a:spcBef>
+                <a:spcAft>
+                  <a:spcPct val="0"/>
+                </a:spcAft>
+                <a:defRPr>
+                  <a:solidFill>
+                    <a:schemeClr val="tx1"/>
+                  </a:solidFill>
+                  <a:latin typeface="Arial" pitchFamily="34" charset="0"/>
+                  <a:cs typeface="Arial" pitchFamily="34" charset="0"/>
+                </a:defRPr>
+              </a:lvl9pPr>
+            </a:lstStyle>
+            <a:p>
+              <a:pPr marL="0" marR="0" lvl="0" indent="0" algn="l" defTabSz="914400" rtl="0" eaLnBrk="1" fontAlgn="auto" latinLnBrk="0" hangingPunct="1">
+                <a:lnSpc>
+                  <a:spcPct val="100000"/>
+                </a:lnSpc>
+                <a:spcBef>
+                  <a:spcPts val="0"/>
+                </a:spcBef>
+                <a:spcAft>
+                  <a:spcPts val="0"/>
+                </a:spcAft>
+                <a:buClrTx/>
+                <a:buSzTx/>
+                <a:buFontTx/>
+                <a:buNone/>
+                <a:tabLst/>
+                <a:defRPr/>
+              </a:pPr>
+              <a:endParaRPr kumimoji="0" lang="pt-BR" altLang="pt-BR" sz="1800" b="0" i="0" u="none" strike="noStrike" kern="1200" cap="none" spc="0" normalizeH="0" baseline="0" noProof="0">
+                <a:ln>
+                  <a:noFill/>
+                </a:ln>
+                <a:solidFill>
+                  <a:prstClr val="black"/>
+                </a:solidFill>
+                <a:effectLst/>
+                <a:uLnTx/>
+                <a:uFillTx/>
+                <a:latin typeface="Arial" pitchFamily="34" charset="0"/>
+                <a:ea typeface="+mn-ea"/>
+                <a:cs typeface="Arial" pitchFamily="34" charset="0"/>
+              </a:endParaRPr>
+            </a:p>
+          </p:txBody>
+        </p:sp>
+      </p:grpSp>
+      <p:grpSp>
+        <p:nvGrpSpPr>
+          <p:cNvPr id="74" name="Group 75">
+            <a:extLst>
+              <a:ext uri="{FF2B5EF4-FFF2-40B4-BE49-F238E27FC236}">
+                <a16:creationId xmlns:a16="http://schemas.microsoft.com/office/drawing/2014/main" id="{F67E1E38-031B-42AD-A6D2-77F3077EC3A1}"/>
+              </a:ext>
+            </a:extLst>
+          </p:cNvPr>
+          <p:cNvGrpSpPr>
+            <a:grpSpLocks/>
+          </p:cNvGrpSpPr>
+          <p:nvPr/>
+        </p:nvGrpSpPr>
+        <p:grpSpPr bwMode="auto">
+          <a:xfrm>
+            <a:off x="3954855" y="4001588"/>
+            <a:ext cx="484070" cy="176546"/>
+            <a:chOff x="2925" y="3611"/>
+            <a:chExt cx="273" cy="91"/>
+          </a:xfrm>
+        </p:grpSpPr>
+        <p:sp>
+          <p:nvSpPr>
+            <p:cNvPr id="75" name="Oval 76">
+              <a:extLst>
+                <a:ext uri="{FF2B5EF4-FFF2-40B4-BE49-F238E27FC236}">
+                  <a16:creationId xmlns:a16="http://schemas.microsoft.com/office/drawing/2014/main" id="{A534A1D7-16C8-4B09-823F-2E3A9C351023}"/>
+                </a:ext>
+              </a:extLst>
+            </p:cNvPr>
+            <p:cNvSpPr>
+              <a:spLocks noChangeArrowheads="1"/>
+            </p:cNvSpPr>
+            <p:nvPr/>
+          </p:nvSpPr>
+          <p:spPr bwMode="auto">
+            <a:xfrm>
+              <a:off x="2925" y="3611"/>
+              <a:ext cx="91" cy="91"/>
+            </a:xfrm>
+            <a:prstGeom prst="ellipse">
+              <a:avLst/>
+            </a:prstGeom>
+            <a:noFill/>
+            <a:ln w="9525">
+              <a:solidFill>
+                <a:schemeClr val="tx1"/>
+              </a:solidFill>
+              <a:round/>
+              <a:headEnd/>
+              <a:tailEnd/>
+            </a:ln>
+            <a:extLst>
+              <a:ext uri="{909E8E84-426E-40DD-AFC4-6F175D3DCCD1}">
+                <a14:hiddenFill xmlns:a14="http://schemas.microsoft.com/office/drawing/2010/main">
+                  <a:solidFill>
+                    <a:srgbClr val="FFFFFF"/>
+                  </a:solidFill>
+                </a14:hiddenFill>
+              </a:ext>
+            </a:extLst>
+          </p:spPr>
+          <p:txBody>
+            <a:bodyPr wrap="none" anchor="ctr"/>
+            <a:lstStyle>
+              <a:lvl1pPr eaLnBrk="0" hangingPunct="0">
+                <a:defRPr>
+                  <a:solidFill>
+                    <a:schemeClr val="tx1"/>
+                  </a:solidFill>
+                  <a:latin typeface="Arial" pitchFamily="34" charset="0"/>
+                  <a:cs typeface="Arial" pitchFamily="34" charset="0"/>
+                </a:defRPr>
+              </a:lvl1pPr>
+              <a:lvl2pPr marL="742950" indent="-285750" eaLnBrk="0" hangingPunct="0">
+                <a:defRPr>
+                  <a:solidFill>
+                    <a:schemeClr val="tx1"/>
+                  </a:solidFill>
+                  <a:latin typeface="Arial" pitchFamily="34" charset="0"/>
+                  <a:cs typeface="Arial" pitchFamily="34" charset="0"/>
+                </a:defRPr>
+              </a:lvl2pPr>
+              <a:lvl3pPr marL="1143000" indent="-228600" eaLnBrk="0" hangingPunct="0">
+                <a:defRPr>
+                  <a:solidFill>
+                    <a:schemeClr val="tx1"/>
+                  </a:solidFill>
+                  <a:latin typeface="Arial" pitchFamily="34" charset="0"/>
+                  <a:cs typeface="Arial" pitchFamily="34" charset="0"/>
+                </a:defRPr>
+              </a:lvl3pPr>
+              <a:lvl4pPr marL="1600200" indent="-228600" eaLnBrk="0" hangingPunct="0">
+                <a:defRPr>
+                  <a:solidFill>
+                    <a:schemeClr val="tx1"/>
+                  </a:solidFill>
+                  <a:latin typeface="Arial" pitchFamily="34" charset="0"/>
+                  <a:cs typeface="Arial" pitchFamily="34" charset="0"/>
+                </a:defRPr>
+              </a:lvl4pPr>
+              <a:lvl5pPr marL="2057400" indent="-228600" eaLnBrk="0" hangingPunct="0">
+                <a:defRPr>
+                  <a:solidFill>
+                    <a:schemeClr val="tx1"/>
+                  </a:solidFill>
+                  <a:latin typeface="Arial" pitchFamily="34" charset="0"/>
+                  <a:cs typeface="Arial" pitchFamily="34" charset="0"/>
+                </a:defRPr>
+              </a:lvl5pPr>
+              <a:lvl6pPr marL="2514600" indent="-228600" eaLnBrk="0" fontAlgn="base" hangingPunct="0">
+                <a:spcBef>
+                  <a:spcPct val="0"/>
+                </a:spcBef>
+                <a:spcAft>
+                  <a:spcPct val="0"/>
+                </a:spcAft>
+                <a:defRPr>
+                  <a:solidFill>
+                    <a:schemeClr val="tx1"/>
+                  </a:solidFill>
+                  <a:latin typeface="Arial" pitchFamily="34" charset="0"/>
+                  <a:cs typeface="Arial" pitchFamily="34" charset="0"/>
+                </a:defRPr>
+              </a:lvl6pPr>
+              <a:lvl7pPr marL="2971800" indent="-228600" eaLnBrk="0" fontAlgn="base" hangingPunct="0">
+                <a:spcBef>
+                  <a:spcPct val="0"/>
+                </a:spcBef>
+                <a:spcAft>
+                  <a:spcPct val="0"/>
+                </a:spcAft>
+                <a:defRPr>
+                  <a:solidFill>
+                    <a:schemeClr val="tx1"/>
+                  </a:solidFill>
+                  <a:latin typeface="Arial" pitchFamily="34" charset="0"/>
+                  <a:cs typeface="Arial" pitchFamily="34" charset="0"/>
+                </a:defRPr>
+              </a:lvl7pPr>
+              <a:lvl8pPr marL="3429000" indent="-228600" eaLnBrk="0" fontAlgn="base" hangingPunct="0">
+                <a:spcBef>
+                  <a:spcPct val="0"/>
+                </a:spcBef>
+                <a:spcAft>
+                  <a:spcPct val="0"/>
+                </a:spcAft>
+                <a:defRPr>
+                  <a:solidFill>
+                    <a:schemeClr val="tx1"/>
+                  </a:solidFill>
+                  <a:latin typeface="Arial" pitchFamily="34" charset="0"/>
+                  <a:cs typeface="Arial" pitchFamily="34" charset="0"/>
+                </a:defRPr>
+              </a:lvl8pPr>
+              <a:lvl9pPr marL="3886200" indent="-228600" eaLnBrk="0" fontAlgn="base" hangingPunct="0">
+                <a:spcBef>
+                  <a:spcPct val="0"/>
+                </a:spcBef>
+                <a:spcAft>
+                  <a:spcPct val="0"/>
+                </a:spcAft>
+                <a:defRPr>
+                  <a:solidFill>
+                    <a:schemeClr val="tx1"/>
+                  </a:solidFill>
+                  <a:latin typeface="Arial" pitchFamily="34" charset="0"/>
+                  <a:cs typeface="Arial" pitchFamily="34" charset="0"/>
+                </a:defRPr>
+              </a:lvl9pPr>
+            </a:lstStyle>
+            <a:p>
+              <a:pPr marL="0" marR="0" lvl="0" indent="0" algn="l" defTabSz="914400" rtl="0" eaLnBrk="1" fontAlgn="auto" latinLnBrk="0" hangingPunct="1">
+                <a:lnSpc>
+                  <a:spcPct val="100000"/>
+                </a:lnSpc>
+                <a:spcBef>
+                  <a:spcPts val="0"/>
+                </a:spcBef>
+                <a:spcAft>
+                  <a:spcPts val="0"/>
+                </a:spcAft>
+                <a:buClrTx/>
+                <a:buSzTx/>
+                <a:buFontTx/>
+                <a:buNone/>
+                <a:tabLst/>
+                <a:defRPr/>
+              </a:pPr>
+              <a:endParaRPr kumimoji="0" lang="pt-BR" altLang="pt-BR" sz="1800" b="0" i="0" u="none" strike="noStrike" kern="1200" cap="none" spc="0" normalizeH="0" baseline="0" noProof="0">
+                <a:ln>
+                  <a:noFill/>
+                </a:ln>
+                <a:solidFill>
+                  <a:prstClr val="black"/>
+                </a:solidFill>
+                <a:effectLst/>
+                <a:uLnTx/>
+                <a:uFillTx/>
+                <a:latin typeface="Arial" pitchFamily="34" charset="0"/>
+                <a:ea typeface="+mn-ea"/>
+                <a:cs typeface="Arial" pitchFamily="34" charset="0"/>
+              </a:endParaRPr>
+            </a:p>
+          </p:txBody>
+        </p:sp>
+        <p:sp>
+          <p:nvSpPr>
+            <p:cNvPr id="76" name="Oval 77">
+              <a:extLst>
+                <a:ext uri="{FF2B5EF4-FFF2-40B4-BE49-F238E27FC236}">
+                  <a16:creationId xmlns:a16="http://schemas.microsoft.com/office/drawing/2014/main" id="{79BFD190-CBA6-4E71-B2DB-FBCA33DAFC3F}"/>
+                </a:ext>
+              </a:extLst>
+            </p:cNvPr>
+            <p:cNvSpPr>
+              <a:spLocks noChangeArrowheads="1"/>
+            </p:cNvSpPr>
+            <p:nvPr/>
+          </p:nvSpPr>
+          <p:spPr bwMode="auto">
+            <a:xfrm>
+              <a:off x="3016" y="3611"/>
+              <a:ext cx="91" cy="91"/>
+            </a:xfrm>
+            <a:prstGeom prst="ellipse">
+              <a:avLst/>
+            </a:prstGeom>
+            <a:solidFill>
+              <a:srgbClr val="FFC000"/>
+            </a:solidFill>
+            <a:ln w="9525">
+              <a:solidFill>
+                <a:schemeClr val="tx1"/>
+              </a:solidFill>
+              <a:round/>
+              <a:headEnd/>
+              <a:tailEnd/>
+            </a:ln>
+          </p:spPr>
+          <p:txBody>
+            <a:bodyPr wrap="none" anchor="ctr"/>
+            <a:lstStyle>
+              <a:lvl1pPr eaLnBrk="0" hangingPunct="0">
+                <a:defRPr>
+                  <a:solidFill>
+                    <a:schemeClr val="tx1"/>
+                  </a:solidFill>
+                  <a:latin typeface="Arial" pitchFamily="34" charset="0"/>
+                  <a:cs typeface="Arial" pitchFamily="34" charset="0"/>
+                </a:defRPr>
+              </a:lvl1pPr>
+              <a:lvl2pPr marL="742950" indent="-285750" eaLnBrk="0" hangingPunct="0">
+                <a:defRPr>
+                  <a:solidFill>
+                    <a:schemeClr val="tx1"/>
+                  </a:solidFill>
+                  <a:latin typeface="Arial" pitchFamily="34" charset="0"/>
+                  <a:cs typeface="Arial" pitchFamily="34" charset="0"/>
+                </a:defRPr>
+              </a:lvl2pPr>
+              <a:lvl3pPr marL="1143000" indent="-228600" eaLnBrk="0" hangingPunct="0">
+                <a:defRPr>
+                  <a:solidFill>
+                    <a:schemeClr val="tx1"/>
+                  </a:solidFill>
+                  <a:latin typeface="Arial" pitchFamily="34" charset="0"/>
+                  <a:cs typeface="Arial" pitchFamily="34" charset="0"/>
+                </a:defRPr>
+              </a:lvl3pPr>
+              <a:lvl4pPr marL="1600200" indent="-228600" eaLnBrk="0" hangingPunct="0">
+                <a:defRPr>
+                  <a:solidFill>
+                    <a:schemeClr val="tx1"/>
+                  </a:solidFill>
+                  <a:latin typeface="Arial" pitchFamily="34" charset="0"/>
+                  <a:cs typeface="Arial" pitchFamily="34" charset="0"/>
+                </a:defRPr>
+              </a:lvl4pPr>
+              <a:lvl5pPr marL="2057400" indent="-228600" eaLnBrk="0" hangingPunct="0">
+                <a:defRPr>
+                  <a:solidFill>
+                    <a:schemeClr val="tx1"/>
+                  </a:solidFill>
+                  <a:latin typeface="Arial" pitchFamily="34" charset="0"/>
+                  <a:cs typeface="Arial" pitchFamily="34" charset="0"/>
+                </a:defRPr>
+              </a:lvl5pPr>
+              <a:lvl6pPr marL="2514600" indent="-228600" eaLnBrk="0" fontAlgn="base" hangingPunct="0">
+                <a:spcBef>
+                  <a:spcPct val="0"/>
+                </a:spcBef>
+                <a:spcAft>
+                  <a:spcPct val="0"/>
+                </a:spcAft>
+                <a:defRPr>
+                  <a:solidFill>
+                    <a:schemeClr val="tx1"/>
+                  </a:solidFill>
+                  <a:latin typeface="Arial" pitchFamily="34" charset="0"/>
+                  <a:cs typeface="Arial" pitchFamily="34" charset="0"/>
+                </a:defRPr>
+              </a:lvl6pPr>
+              <a:lvl7pPr marL="2971800" indent="-228600" eaLnBrk="0" fontAlgn="base" hangingPunct="0">
+                <a:spcBef>
+                  <a:spcPct val="0"/>
+                </a:spcBef>
+                <a:spcAft>
+                  <a:spcPct val="0"/>
+                </a:spcAft>
+                <a:defRPr>
+                  <a:solidFill>
+                    <a:schemeClr val="tx1"/>
+                  </a:solidFill>
+                  <a:latin typeface="Arial" pitchFamily="34" charset="0"/>
+                  <a:cs typeface="Arial" pitchFamily="34" charset="0"/>
+                </a:defRPr>
+              </a:lvl7pPr>
+              <a:lvl8pPr marL="3429000" indent="-228600" eaLnBrk="0" fontAlgn="base" hangingPunct="0">
+                <a:spcBef>
+                  <a:spcPct val="0"/>
+                </a:spcBef>
+                <a:spcAft>
+                  <a:spcPct val="0"/>
+                </a:spcAft>
+                <a:defRPr>
+                  <a:solidFill>
+                    <a:schemeClr val="tx1"/>
+                  </a:solidFill>
+                  <a:latin typeface="Arial" pitchFamily="34" charset="0"/>
+                  <a:cs typeface="Arial" pitchFamily="34" charset="0"/>
+                </a:defRPr>
+              </a:lvl8pPr>
+              <a:lvl9pPr marL="3886200" indent="-228600" eaLnBrk="0" fontAlgn="base" hangingPunct="0">
+                <a:spcBef>
+                  <a:spcPct val="0"/>
+                </a:spcBef>
+                <a:spcAft>
+                  <a:spcPct val="0"/>
+                </a:spcAft>
+                <a:defRPr>
+                  <a:solidFill>
+                    <a:schemeClr val="tx1"/>
+                  </a:solidFill>
+                  <a:latin typeface="Arial" pitchFamily="34" charset="0"/>
+                  <a:cs typeface="Arial" pitchFamily="34" charset="0"/>
+                </a:defRPr>
+              </a:lvl9pPr>
+            </a:lstStyle>
+            <a:p>
+              <a:pPr marL="0" marR="0" lvl="0" indent="0" algn="l" defTabSz="914400" rtl="0" eaLnBrk="1" fontAlgn="auto" latinLnBrk="0" hangingPunct="1">
+                <a:lnSpc>
+                  <a:spcPct val="100000"/>
+                </a:lnSpc>
+                <a:spcBef>
+                  <a:spcPts val="0"/>
+                </a:spcBef>
+                <a:spcAft>
+                  <a:spcPts val="0"/>
+                </a:spcAft>
+                <a:buClrTx/>
+                <a:buSzTx/>
+                <a:buFontTx/>
+                <a:buNone/>
+                <a:tabLst/>
+                <a:defRPr/>
+              </a:pPr>
+              <a:endParaRPr kumimoji="0" lang="pt-BR" altLang="pt-BR" sz="1800" b="0" i="0" u="none" strike="noStrike" kern="1200" cap="none" spc="0" normalizeH="0" baseline="0" noProof="0">
+                <a:ln>
+                  <a:noFill/>
+                </a:ln>
+                <a:solidFill>
+                  <a:prstClr val="black"/>
+                </a:solidFill>
+                <a:effectLst/>
+                <a:uLnTx/>
+                <a:uFillTx/>
+                <a:latin typeface="Arial" pitchFamily="34" charset="0"/>
+                <a:ea typeface="+mn-ea"/>
+                <a:cs typeface="Arial" pitchFamily="34" charset="0"/>
+              </a:endParaRPr>
+            </a:p>
+          </p:txBody>
+        </p:sp>
+        <p:sp>
+          <p:nvSpPr>
+            <p:cNvPr id="77" name="Oval 78">
+              <a:extLst>
+                <a:ext uri="{FF2B5EF4-FFF2-40B4-BE49-F238E27FC236}">
+                  <a16:creationId xmlns:a16="http://schemas.microsoft.com/office/drawing/2014/main" id="{088813C7-A103-4CB1-ADA6-393C5AA5C5F0}"/>
+                </a:ext>
+              </a:extLst>
+            </p:cNvPr>
+            <p:cNvSpPr>
+              <a:spLocks noChangeArrowheads="1"/>
+            </p:cNvSpPr>
+            <p:nvPr/>
+          </p:nvSpPr>
+          <p:spPr bwMode="auto">
+            <a:xfrm>
+              <a:off x="3107" y="3611"/>
+              <a:ext cx="91" cy="91"/>
+            </a:xfrm>
+            <a:prstGeom prst="ellipse">
+              <a:avLst/>
+            </a:prstGeom>
+            <a:noFill/>
+            <a:ln w="9525">
+              <a:solidFill>
+                <a:schemeClr val="tx1"/>
+              </a:solidFill>
+              <a:round/>
+              <a:headEnd/>
+              <a:tailEnd/>
+            </a:ln>
+            <a:extLst>
+              <a:ext uri="{909E8E84-426E-40DD-AFC4-6F175D3DCCD1}">
+                <a14:hiddenFill xmlns:a14="http://schemas.microsoft.com/office/drawing/2010/main">
+                  <a:solidFill>
+                    <a:srgbClr val="FFFFFF"/>
+                  </a:solidFill>
+                </a14:hiddenFill>
+              </a:ext>
+            </a:extLst>
+          </p:spPr>
+          <p:txBody>
+            <a:bodyPr wrap="none" anchor="ctr"/>
+            <a:lstStyle>
+              <a:lvl1pPr eaLnBrk="0" hangingPunct="0">
+                <a:defRPr>
+                  <a:solidFill>
+                    <a:schemeClr val="tx1"/>
+                  </a:solidFill>
+                  <a:latin typeface="Arial" pitchFamily="34" charset="0"/>
+                  <a:cs typeface="Arial" pitchFamily="34" charset="0"/>
+                </a:defRPr>
+              </a:lvl1pPr>
+              <a:lvl2pPr marL="742950" indent="-285750" eaLnBrk="0" hangingPunct="0">
+                <a:defRPr>
+                  <a:solidFill>
+                    <a:schemeClr val="tx1"/>
+                  </a:solidFill>
+                  <a:latin typeface="Arial" pitchFamily="34" charset="0"/>
+                  <a:cs typeface="Arial" pitchFamily="34" charset="0"/>
+                </a:defRPr>
+              </a:lvl2pPr>
+              <a:lvl3pPr marL="1143000" indent="-228600" eaLnBrk="0" hangingPunct="0">
+                <a:defRPr>
+                  <a:solidFill>
+                    <a:schemeClr val="tx1"/>
+                  </a:solidFill>
+                  <a:latin typeface="Arial" pitchFamily="34" charset="0"/>
+                  <a:cs typeface="Arial" pitchFamily="34" charset="0"/>
+                </a:defRPr>
+              </a:lvl3pPr>
+              <a:lvl4pPr marL="1600200" indent="-228600" eaLnBrk="0" hangingPunct="0">
+                <a:defRPr>
+                  <a:solidFill>
+                    <a:schemeClr val="tx1"/>
+                  </a:solidFill>
+                  <a:latin typeface="Arial" pitchFamily="34" charset="0"/>
+                  <a:cs typeface="Arial" pitchFamily="34" charset="0"/>
+                </a:defRPr>
+              </a:lvl4pPr>
+              <a:lvl5pPr marL="2057400" indent="-228600" eaLnBrk="0" hangingPunct="0">
+                <a:defRPr>
+                  <a:solidFill>
+                    <a:schemeClr val="tx1"/>
+                  </a:solidFill>
+                  <a:latin typeface="Arial" pitchFamily="34" charset="0"/>
+                  <a:cs typeface="Arial" pitchFamily="34" charset="0"/>
+                </a:defRPr>
+              </a:lvl5pPr>
+              <a:lvl6pPr marL="2514600" indent="-228600" eaLnBrk="0" fontAlgn="base" hangingPunct="0">
+                <a:spcBef>
+                  <a:spcPct val="0"/>
+                </a:spcBef>
+                <a:spcAft>
+                  <a:spcPct val="0"/>
+                </a:spcAft>
+                <a:defRPr>
+                  <a:solidFill>
+                    <a:schemeClr val="tx1"/>
+                  </a:solidFill>
+                  <a:latin typeface="Arial" pitchFamily="34" charset="0"/>
+                  <a:cs typeface="Arial" pitchFamily="34" charset="0"/>
+                </a:defRPr>
+              </a:lvl6pPr>
+              <a:lvl7pPr marL="2971800" indent="-228600" eaLnBrk="0" fontAlgn="base" hangingPunct="0">
+                <a:spcBef>
+                  <a:spcPct val="0"/>
+                </a:spcBef>
+                <a:spcAft>
+                  <a:spcPct val="0"/>
+                </a:spcAft>
+                <a:defRPr>
+                  <a:solidFill>
+                    <a:schemeClr val="tx1"/>
+                  </a:solidFill>
+                  <a:latin typeface="Arial" pitchFamily="34" charset="0"/>
+                  <a:cs typeface="Arial" pitchFamily="34" charset="0"/>
+                </a:defRPr>
+              </a:lvl7pPr>
+              <a:lvl8pPr marL="3429000" indent="-228600" eaLnBrk="0" fontAlgn="base" hangingPunct="0">
+                <a:spcBef>
+                  <a:spcPct val="0"/>
+                </a:spcBef>
+                <a:spcAft>
+                  <a:spcPct val="0"/>
+                </a:spcAft>
+                <a:defRPr>
+                  <a:solidFill>
+                    <a:schemeClr val="tx1"/>
+                  </a:solidFill>
+                  <a:latin typeface="Arial" pitchFamily="34" charset="0"/>
+                  <a:cs typeface="Arial" pitchFamily="34" charset="0"/>
+                </a:defRPr>
+              </a:lvl8pPr>
+              <a:lvl9pPr marL="3886200" indent="-228600" eaLnBrk="0" fontAlgn="base" hangingPunct="0">
+                <a:spcBef>
+                  <a:spcPct val="0"/>
+                </a:spcBef>
+                <a:spcAft>
+                  <a:spcPct val="0"/>
+                </a:spcAft>
+                <a:defRPr>
+                  <a:solidFill>
+                    <a:schemeClr val="tx1"/>
+                  </a:solidFill>
+                  <a:latin typeface="Arial" pitchFamily="34" charset="0"/>
+                  <a:cs typeface="Arial" pitchFamily="34" charset="0"/>
+                </a:defRPr>
+              </a:lvl9pPr>
+            </a:lstStyle>
+            <a:p>
+              <a:pPr marL="0" marR="0" lvl="0" indent="0" algn="l" defTabSz="914400" rtl="0" eaLnBrk="1" fontAlgn="auto" latinLnBrk="0" hangingPunct="1">
+                <a:lnSpc>
+                  <a:spcPct val="100000"/>
+                </a:lnSpc>
+                <a:spcBef>
+                  <a:spcPts val="0"/>
+                </a:spcBef>
+                <a:spcAft>
+                  <a:spcPts val="0"/>
+                </a:spcAft>
+                <a:buClrTx/>
+                <a:buSzTx/>
+                <a:buFontTx/>
+                <a:buNone/>
+                <a:tabLst/>
+                <a:defRPr/>
+              </a:pPr>
+              <a:endParaRPr kumimoji="0" lang="pt-BR" altLang="pt-BR" sz="1800" b="0" i="0" u="none" strike="noStrike" kern="1200" cap="none" spc="0" normalizeH="0" baseline="0" noProof="0">
+                <a:ln>
+                  <a:noFill/>
+                </a:ln>
+                <a:solidFill>
+                  <a:prstClr val="black"/>
+                </a:solidFill>
+                <a:effectLst/>
+                <a:uLnTx/>
+                <a:uFillTx/>
+                <a:latin typeface="Arial" pitchFamily="34" charset="0"/>
+                <a:ea typeface="+mn-ea"/>
+                <a:cs typeface="Arial" pitchFamily="34" charset="0"/>
+              </a:endParaRPr>
+            </a:p>
+          </p:txBody>
+        </p:sp>
+      </p:grpSp>
+      <p:grpSp>
+        <p:nvGrpSpPr>
+          <p:cNvPr id="78" name="Group 75">
+            <a:extLst>
+              <a:ext uri="{FF2B5EF4-FFF2-40B4-BE49-F238E27FC236}">
+                <a16:creationId xmlns:a16="http://schemas.microsoft.com/office/drawing/2014/main" id="{F67E1E38-031B-42AD-A6D2-77F3077EC3A1}"/>
+              </a:ext>
+            </a:extLst>
+          </p:cNvPr>
+          <p:cNvGrpSpPr>
+            <a:grpSpLocks/>
+          </p:cNvGrpSpPr>
+          <p:nvPr/>
+        </p:nvGrpSpPr>
+        <p:grpSpPr bwMode="auto">
+          <a:xfrm>
+            <a:off x="3942441" y="3570900"/>
+            <a:ext cx="484070" cy="176546"/>
+            <a:chOff x="2925" y="3611"/>
+            <a:chExt cx="273" cy="91"/>
+          </a:xfrm>
+        </p:grpSpPr>
+        <p:sp>
+          <p:nvSpPr>
+            <p:cNvPr id="79" name="Oval 76">
+              <a:extLst>
+                <a:ext uri="{FF2B5EF4-FFF2-40B4-BE49-F238E27FC236}">
+                  <a16:creationId xmlns:a16="http://schemas.microsoft.com/office/drawing/2014/main" id="{A534A1D7-16C8-4B09-823F-2E3A9C351023}"/>
+                </a:ext>
+              </a:extLst>
+            </p:cNvPr>
+            <p:cNvSpPr>
+              <a:spLocks noChangeArrowheads="1"/>
+            </p:cNvSpPr>
+            <p:nvPr/>
+          </p:nvSpPr>
+          <p:spPr bwMode="auto">
+            <a:xfrm>
+              <a:off x="2925" y="3611"/>
+              <a:ext cx="91" cy="91"/>
+            </a:xfrm>
+            <a:prstGeom prst="ellipse">
+              <a:avLst/>
+            </a:prstGeom>
+            <a:noFill/>
+            <a:ln w="9525">
+              <a:solidFill>
+                <a:schemeClr val="tx1"/>
+              </a:solidFill>
+              <a:round/>
+              <a:headEnd/>
+              <a:tailEnd/>
+            </a:ln>
+            <a:extLst>
+              <a:ext uri="{909E8E84-426E-40DD-AFC4-6F175D3DCCD1}">
+                <a14:hiddenFill xmlns:a14="http://schemas.microsoft.com/office/drawing/2010/main">
+                  <a:solidFill>
+                    <a:srgbClr val="FFFFFF"/>
+                  </a:solidFill>
+                </a14:hiddenFill>
+              </a:ext>
+            </a:extLst>
+          </p:spPr>
+          <p:txBody>
+            <a:bodyPr wrap="none" anchor="ctr"/>
+            <a:lstStyle>
+              <a:lvl1pPr eaLnBrk="0" hangingPunct="0">
+                <a:defRPr>
+                  <a:solidFill>
+                    <a:schemeClr val="tx1"/>
+                  </a:solidFill>
+                  <a:latin typeface="Arial" pitchFamily="34" charset="0"/>
+                  <a:cs typeface="Arial" pitchFamily="34" charset="0"/>
+                </a:defRPr>
+              </a:lvl1pPr>
+              <a:lvl2pPr marL="742950" indent="-285750" eaLnBrk="0" hangingPunct="0">
+                <a:defRPr>
+                  <a:solidFill>
+                    <a:schemeClr val="tx1"/>
+                  </a:solidFill>
+                  <a:latin typeface="Arial" pitchFamily="34" charset="0"/>
+                  <a:cs typeface="Arial" pitchFamily="34" charset="0"/>
+                </a:defRPr>
+              </a:lvl2pPr>
+              <a:lvl3pPr marL="1143000" indent="-228600" eaLnBrk="0" hangingPunct="0">
+                <a:defRPr>
+                  <a:solidFill>
+                    <a:schemeClr val="tx1"/>
+                  </a:solidFill>
+                  <a:latin typeface="Arial" pitchFamily="34" charset="0"/>
+                  <a:cs typeface="Arial" pitchFamily="34" charset="0"/>
+                </a:defRPr>
+              </a:lvl3pPr>
+              <a:lvl4pPr marL="1600200" indent="-228600" eaLnBrk="0" hangingPunct="0">
+                <a:defRPr>
+                  <a:solidFill>
+                    <a:schemeClr val="tx1"/>
+                  </a:solidFill>
+                  <a:latin typeface="Arial" pitchFamily="34" charset="0"/>
+                  <a:cs typeface="Arial" pitchFamily="34" charset="0"/>
+                </a:defRPr>
+              </a:lvl4pPr>
+              <a:lvl5pPr marL="2057400" indent="-228600" eaLnBrk="0" hangingPunct="0">
+                <a:defRPr>
+                  <a:solidFill>
+                    <a:schemeClr val="tx1"/>
+                  </a:solidFill>
+                  <a:latin typeface="Arial" pitchFamily="34" charset="0"/>
+                  <a:cs typeface="Arial" pitchFamily="34" charset="0"/>
+                </a:defRPr>
+              </a:lvl5pPr>
+              <a:lvl6pPr marL="2514600" indent="-228600" eaLnBrk="0" fontAlgn="base" hangingPunct="0">
+                <a:spcBef>
+                  <a:spcPct val="0"/>
+                </a:spcBef>
+                <a:spcAft>
+                  <a:spcPct val="0"/>
+                </a:spcAft>
+                <a:defRPr>
+                  <a:solidFill>
+                    <a:schemeClr val="tx1"/>
+                  </a:solidFill>
+                  <a:latin typeface="Arial" pitchFamily="34" charset="0"/>
+                  <a:cs typeface="Arial" pitchFamily="34" charset="0"/>
+                </a:defRPr>
+              </a:lvl6pPr>
+              <a:lvl7pPr marL="2971800" indent="-228600" eaLnBrk="0" fontAlgn="base" hangingPunct="0">
+                <a:spcBef>
+                  <a:spcPct val="0"/>
+                </a:spcBef>
+                <a:spcAft>
+                  <a:spcPct val="0"/>
+                </a:spcAft>
+                <a:defRPr>
+                  <a:solidFill>
+                    <a:schemeClr val="tx1"/>
+                  </a:solidFill>
+                  <a:latin typeface="Arial" pitchFamily="34" charset="0"/>
+                  <a:cs typeface="Arial" pitchFamily="34" charset="0"/>
+                </a:defRPr>
+              </a:lvl7pPr>
+              <a:lvl8pPr marL="3429000" indent="-228600" eaLnBrk="0" fontAlgn="base" hangingPunct="0">
+                <a:spcBef>
+                  <a:spcPct val="0"/>
+                </a:spcBef>
+                <a:spcAft>
+                  <a:spcPct val="0"/>
+                </a:spcAft>
+                <a:defRPr>
+                  <a:solidFill>
+                    <a:schemeClr val="tx1"/>
+                  </a:solidFill>
+                  <a:latin typeface="Arial" pitchFamily="34" charset="0"/>
+                  <a:cs typeface="Arial" pitchFamily="34" charset="0"/>
+                </a:defRPr>
+              </a:lvl8pPr>
+              <a:lvl9pPr marL="3886200" indent="-228600" eaLnBrk="0" fontAlgn="base" hangingPunct="0">
+                <a:spcBef>
+                  <a:spcPct val="0"/>
+                </a:spcBef>
+                <a:spcAft>
+                  <a:spcPct val="0"/>
+                </a:spcAft>
+                <a:defRPr>
+                  <a:solidFill>
+                    <a:schemeClr val="tx1"/>
+                  </a:solidFill>
+                  <a:latin typeface="Arial" pitchFamily="34" charset="0"/>
+                  <a:cs typeface="Arial" pitchFamily="34" charset="0"/>
+                </a:defRPr>
+              </a:lvl9pPr>
+            </a:lstStyle>
+            <a:p>
+              <a:pPr marL="0" marR="0" lvl="0" indent="0" algn="l" defTabSz="914400" rtl="0" eaLnBrk="1" fontAlgn="auto" latinLnBrk="0" hangingPunct="1">
+                <a:lnSpc>
+                  <a:spcPct val="100000"/>
+                </a:lnSpc>
+                <a:spcBef>
+                  <a:spcPts val="0"/>
+                </a:spcBef>
+                <a:spcAft>
+                  <a:spcPts val="0"/>
+                </a:spcAft>
+                <a:buClrTx/>
+                <a:buSzTx/>
+                <a:buFontTx/>
+                <a:buNone/>
+                <a:tabLst/>
+                <a:defRPr/>
+              </a:pPr>
+              <a:endParaRPr kumimoji="0" lang="pt-BR" altLang="pt-BR" sz="1800" b="0" i="0" u="none" strike="noStrike" kern="1200" cap="none" spc="0" normalizeH="0" baseline="0" noProof="0">
+                <a:ln>
+                  <a:noFill/>
+                </a:ln>
+                <a:solidFill>
+                  <a:prstClr val="black"/>
+                </a:solidFill>
+                <a:effectLst/>
+                <a:uLnTx/>
+                <a:uFillTx/>
+                <a:latin typeface="Arial" pitchFamily="34" charset="0"/>
+                <a:ea typeface="+mn-ea"/>
+                <a:cs typeface="Arial" pitchFamily="34" charset="0"/>
+              </a:endParaRPr>
+            </a:p>
+          </p:txBody>
+        </p:sp>
+        <p:sp>
+          <p:nvSpPr>
+            <p:cNvPr id="80" name="Oval 77">
+              <a:extLst>
+                <a:ext uri="{FF2B5EF4-FFF2-40B4-BE49-F238E27FC236}">
+                  <a16:creationId xmlns:a16="http://schemas.microsoft.com/office/drawing/2014/main" id="{79BFD190-CBA6-4E71-B2DB-FBCA33DAFC3F}"/>
+                </a:ext>
+              </a:extLst>
+            </p:cNvPr>
+            <p:cNvSpPr>
+              <a:spLocks noChangeArrowheads="1"/>
+            </p:cNvSpPr>
+            <p:nvPr/>
+          </p:nvSpPr>
+          <p:spPr bwMode="auto">
+            <a:xfrm>
+              <a:off x="3016" y="3611"/>
+              <a:ext cx="91" cy="91"/>
+            </a:xfrm>
+            <a:prstGeom prst="ellipse">
+              <a:avLst/>
+            </a:prstGeom>
+            <a:solidFill>
+              <a:srgbClr val="FFC000"/>
+            </a:solidFill>
+            <a:ln w="9525">
+              <a:solidFill>
+                <a:schemeClr val="tx1"/>
+              </a:solidFill>
+              <a:round/>
+              <a:headEnd/>
+              <a:tailEnd/>
+            </a:ln>
+          </p:spPr>
+          <p:txBody>
+            <a:bodyPr wrap="none" anchor="ctr"/>
+            <a:lstStyle>
+              <a:lvl1pPr eaLnBrk="0" hangingPunct="0">
+                <a:defRPr>
+                  <a:solidFill>
+                    <a:schemeClr val="tx1"/>
+                  </a:solidFill>
+                  <a:latin typeface="Arial" pitchFamily="34" charset="0"/>
+                  <a:cs typeface="Arial" pitchFamily="34" charset="0"/>
+                </a:defRPr>
+              </a:lvl1pPr>
+              <a:lvl2pPr marL="742950" indent="-285750" eaLnBrk="0" hangingPunct="0">
+                <a:defRPr>
+                  <a:solidFill>
+                    <a:schemeClr val="tx1"/>
+                  </a:solidFill>
+                  <a:latin typeface="Arial" pitchFamily="34" charset="0"/>
+                  <a:cs typeface="Arial" pitchFamily="34" charset="0"/>
+                </a:defRPr>
+              </a:lvl2pPr>
+              <a:lvl3pPr marL="1143000" indent="-228600" eaLnBrk="0" hangingPunct="0">
+                <a:defRPr>
+                  <a:solidFill>
+                    <a:schemeClr val="tx1"/>
+                  </a:solidFill>
+                  <a:latin typeface="Arial" pitchFamily="34" charset="0"/>
+                  <a:cs typeface="Arial" pitchFamily="34" charset="0"/>
+                </a:defRPr>
+              </a:lvl3pPr>
+              <a:lvl4pPr marL="1600200" indent="-228600" eaLnBrk="0" hangingPunct="0">
+                <a:defRPr>
+                  <a:solidFill>
+                    <a:schemeClr val="tx1"/>
+                  </a:solidFill>
+                  <a:latin typeface="Arial" pitchFamily="34" charset="0"/>
+                  <a:cs typeface="Arial" pitchFamily="34" charset="0"/>
+                </a:defRPr>
+              </a:lvl4pPr>
+              <a:lvl5pPr marL="2057400" indent="-228600" eaLnBrk="0" hangingPunct="0">
+                <a:defRPr>
+                  <a:solidFill>
+                    <a:schemeClr val="tx1"/>
+                  </a:solidFill>
+                  <a:latin typeface="Arial" pitchFamily="34" charset="0"/>
+                  <a:cs typeface="Arial" pitchFamily="34" charset="0"/>
+                </a:defRPr>
+              </a:lvl5pPr>
+              <a:lvl6pPr marL="2514600" indent="-228600" eaLnBrk="0" fontAlgn="base" hangingPunct="0">
+                <a:spcBef>
+                  <a:spcPct val="0"/>
+                </a:spcBef>
+                <a:spcAft>
+                  <a:spcPct val="0"/>
+                </a:spcAft>
+                <a:defRPr>
+                  <a:solidFill>
+                    <a:schemeClr val="tx1"/>
+                  </a:solidFill>
+                  <a:latin typeface="Arial" pitchFamily="34" charset="0"/>
+                  <a:cs typeface="Arial" pitchFamily="34" charset="0"/>
+                </a:defRPr>
+              </a:lvl6pPr>
+              <a:lvl7pPr marL="2971800" indent="-228600" eaLnBrk="0" fontAlgn="base" hangingPunct="0">
+                <a:spcBef>
+                  <a:spcPct val="0"/>
+                </a:spcBef>
+                <a:spcAft>
+                  <a:spcPct val="0"/>
+                </a:spcAft>
+                <a:defRPr>
+                  <a:solidFill>
+                    <a:schemeClr val="tx1"/>
+                  </a:solidFill>
+                  <a:latin typeface="Arial" pitchFamily="34" charset="0"/>
+                  <a:cs typeface="Arial" pitchFamily="34" charset="0"/>
+                </a:defRPr>
+              </a:lvl7pPr>
+              <a:lvl8pPr marL="3429000" indent="-228600" eaLnBrk="0" fontAlgn="base" hangingPunct="0">
+                <a:spcBef>
+                  <a:spcPct val="0"/>
+                </a:spcBef>
+                <a:spcAft>
+                  <a:spcPct val="0"/>
+                </a:spcAft>
+                <a:defRPr>
+                  <a:solidFill>
+                    <a:schemeClr val="tx1"/>
+                  </a:solidFill>
+                  <a:latin typeface="Arial" pitchFamily="34" charset="0"/>
+                  <a:cs typeface="Arial" pitchFamily="34" charset="0"/>
+                </a:defRPr>
+              </a:lvl8pPr>
+              <a:lvl9pPr marL="3886200" indent="-228600" eaLnBrk="0" fontAlgn="base" hangingPunct="0">
+                <a:spcBef>
+                  <a:spcPct val="0"/>
+                </a:spcBef>
+                <a:spcAft>
+                  <a:spcPct val="0"/>
+                </a:spcAft>
+                <a:defRPr>
+                  <a:solidFill>
+                    <a:schemeClr val="tx1"/>
+                  </a:solidFill>
+                  <a:latin typeface="Arial" pitchFamily="34" charset="0"/>
+                  <a:cs typeface="Arial" pitchFamily="34" charset="0"/>
+                </a:defRPr>
+              </a:lvl9pPr>
+            </a:lstStyle>
+            <a:p>
+              <a:pPr marL="0" marR="0" lvl="0" indent="0" algn="l" defTabSz="914400" rtl="0" eaLnBrk="1" fontAlgn="auto" latinLnBrk="0" hangingPunct="1">
+                <a:lnSpc>
+                  <a:spcPct val="100000"/>
+                </a:lnSpc>
+                <a:spcBef>
+                  <a:spcPts val="0"/>
+                </a:spcBef>
+                <a:spcAft>
+                  <a:spcPts val="0"/>
+                </a:spcAft>
+                <a:buClrTx/>
+                <a:buSzTx/>
+                <a:buFontTx/>
+                <a:buNone/>
+                <a:tabLst/>
+                <a:defRPr/>
+              </a:pPr>
+              <a:endParaRPr kumimoji="0" lang="pt-BR" altLang="pt-BR" sz="1800" b="0" i="0" u="none" strike="noStrike" kern="1200" cap="none" spc="0" normalizeH="0" baseline="0" noProof="0">
+                <a:ln>
+                  <a:noFill/>
+                </a:ln>
+                <a:solidFill>
+                  <a:prstClr val="black"/>
+                </a:solidFill>
+                <a:effectLst/>
+                <a:uLnTx/>
+                <a:uFillTx/>
+                <a:latin typeface="Arial" pitchFamily="34" charset="0"/>
+                <a:ea typeface="+mn-ea"/>
+                <a:cs typeface="Arial" pitchFamily="34" charset="0"/>
+              </a:endParaRPr>
+            </a:p>
+          </p:txBody>
+        </p:sp>
+        <p:sp>
+          <p:nvSpPr>
+            <p:cNvPr id="81" name="Oval 78">
+              <a:extLst>
+                <a:ext uri="{FF2B5EF4-FFF2-40B4-BE49-F238E27FC236}">
+                  <a16:creationId xmlns:a16="http://schemas.microsoft.com/office/drawing/2014/main" id="{088813C7-A103-4CB1-ADA6-393C5AA5C5F0}"/>
+                </a:ext>
+              </a:extLst>
+            </p:cNvPr>
+            <p:cNvSpPr>
+              <a:spLocks noChangeArrowheads="1"/>
+            </p:cNvSpPr>
+            <p:nvPr/>
+          </p:nvSpPr>
+          <p:spPr bwMode="auto">
+            <a:xfrm>
+              <a:off x="3107" y="3611"/>
+              <a:ext cx="91" cy="91"/>
+            </a:xfrm>
+            <a:prstGeom prst="ellipse">
+              <a:avLst/>
+            </a:prstGeom>
+            <a:noFill/>
+            <a:ln w="9525">
+              <a:solidFill>
+                <a:schemeClr val="tx1"/>
+              </a:solidFill>
+              <a:round/>
+              <a:headEnd/>
+              <a:tailEnd/>
+            </a:ln>
+            <a:extLst>
+              <a:ext uri="{909E8E84-426E-40DD-AFC4-6F175D3DCCD1}">
+                <a14:hiddenFill xmlns:a14="http://schemas.microsoft.com/office/drawing/2010/main">
+                  <a:solidFill>
+                    <a:srgbClr val="FFFFFF"/>
+                  </a:solidFill>
+                </a14:hiddenFill>
+              </a:ext>
+            </a:extLst>
+          </p:spPr>
+          <p:txBody>
+            <a:bodyPr wrap="none" anchor="ctr"/>
+            <a:lstStyle>
+              <a:lvl1pPr eaLnBrk="0" hangingPunct="0">
+                <a:defRPr>
+                  <a:solidFill>
+                    <a:schemeClr val="tx1"/>
+                  </a:solidFill>
+                  <a:latin typeface="Arial" pitchFamily="34" charset="0"/>
+                  <a:cs typeface="Arial" pitchFamily="34" charset="0"/>
+                </a:defRPr>
+              </a:lvl1pPr>
+              <a:lvl2pPr marL="742950" indent="-285750" eaLnBrk="0" hangingPunct="0">
+                <a:defRPr>
+                  <a:solidFill>
+                    <a:schemeClr val="tx1"/>
+                  </a:solidFill>
+                  <a:latin typeface="Arial" pitchFamily="34" charset="0"/>
+                  <a:cs typeface="Arial" pitchFamily="34" charset="0"/>
+                </a:defRPr>
+              </a:lvl2pPr>
+              <a:lvl3pPr marL="1143000" indent="-228600" eaLnBrk="0" hangingPunct="0">
+                <a:defRPr>
+                  <a:solidFill>
+                    <a:schemeClr val="tx1"/>
+                  </a:solidFill>
+                  <a:latin typeface="Arial" pitchFamily="34" charset="0"/>
+                  <a:cs typeface="Arial" pitchFamily="34" charset="0"/>
+                </a:defRPr>
+              </a:lvl3pPr>
+              <a:lvl4pPr marL="1600200" indent="-228600" eaLnBrk="0" hangingPunct="0">
+                <a:defRPr>
+                  <a:solidFill>
+                    <a:schemeClr val="tx1"/>
+                  </a:solidFill>
+                  <a:latin typeface="Arial" pitchFamily="34" charset="0"/>
+                  <a:cs typeface="Arial" pitchFamily="34" charset="0"/>
+                </a:defRPr>
+              </a:lvl4pPr>
+              <a:lvl5pPr marL="2057400" indent="-228600" eaLnBrk="0" hangingPunct="0">
+                <a:defRPr>
+                  <a:solidFill>
+                    <a:schemeClr val="tx1"/>
+                  </a:solidFill>
+                  <a:latin typeface="Arial" pitchFamily="34" charset="0"/>
+                  <a:cs typeface="Arial" pitchFamily="34" charset="0"/>
+                </a:defRPr>
+              </a:lvl5pPr>
+              <a:lvl6pPr marL="2514600" indent="-228600" eaLnBrk="0" fontAlgn="base" hangingPunct="0">
+                <a:spcBef>
+                  <a:spcPct val="0"/>
+                </a:spcBef>
+                <a:spcAft>
+                  <a:spcPct val="0"/>
+                </a:spcAft>
+                <a:defRPr>
+                  <a:solidFill>
+                    <a:schemeClr val="tx1"/>
+                  </a:solidFill>
+                  <a:latin typeface="Arial" pitchFamily="34" charset="0"/>
+                  <a:cs typeface="Arial" pitchFamily="34" charset="0"/>
+                </a:defRPr>
+              </a:lvl6pPr>
+              <a:lvl7pPr marL="2971800" indent="-228600" eaLnBrk="0" fontAlgn="base" hangingPunct="0">
+                <a:spcBef>
+                  <a:spcPct val="0"/>
+                </a:spcBef>
+                <a:spcAft>
+                  <a:spcPct val="0"/>
+                </a:spcAft>
+                <a:defRPr>
+                  <a:solidFill>
+                    <a:schemeClr val="tx1"/>
+                  </a:solidFill>
+                  <a:latin typeface="Arial" pitchFamily="34" charset="0"/>
+                  <a:cs typeface="Arial" pitchFamily="34" charset="0"/>
+                </a:defRPr>
+              </a:lvl7pPr>
+              <a:lvl8pPr marL="3429000" indent="-228600" eaLnBrk="0" fontAlgn="base" hangingPunct="0">
+                <a:spcBef>
+                  <a:spcPct val="0"/>
+                </a:spcBef>
+                <a:spcAft>
+                  <a:spcPct val="0"/>
+                </a:spcAft>
+                <a:defRPr>
+                  <a:solidFill>
+                    <a:schemeClr val="tx1"/>
+                  </a:solidFill>
+                  <a:latin typeface="Arial" pitchFamily="34" charset="0"/>
+                  <a:cs typeface="Arial" pitchFamily="34" charset="0"/>
+                </a:defRPr>
+              </a:lvl8pPr>
+              <a:lvl9pPr marL="3886200" indent="-228600" eaLnBrk="0" fontAlgn="base" hangingPunct="0">
+                <a:spcBef>
+                  <a:spcPct val="0"/>
+                </a:spcBef>
+                <a:spcAft>
+                  <a:spcPct val="0"/>
+                </a:spcAft>
+                <a:defRPr>
+                  <a:solidFill>
+                    <a:schemeClr val="tx1"/>
+                  </a:solidFill>
+                  <a:latin typeface="Arial" pitchFamily="34" charset="0"/>
+                  <a:cs typeface="Arial" pitchFamily="34" charset="0"/>
+                </a:defRPr>
+              </a:lvl9pPr>
+            </a:lstStyle>
+            <a:p>
+              <a:pPr marL="0" marR="0" lvl="0" indent="0" algn="l" defTabSz="914400" rtl="0" eaLnBrk="1" fontAlgn="auto" latinLnBrk="0" hangingPunct="1">
+                <a:lnSpc>
+                  <a:spcPct val="100000"/>
+                </a:lnSpc>
+                <a:spcBef>
+                  <a:spcPts val="0"/>
+                </a:spcBef>
+                <a:spcAft>
+                  <a:spcPts val="0"/>
+                </a:spcAft>
+                <a:buClrTx/>
+                <a:buSzTx/>
+                <a:buFontTx/>
+                <a:buNone/>
+                <a:tabLst/>
+                <a:defRPr/>
+              </a:pPr>
+              <a:endParaRPr kumimoji="0" lang="pt-BR" altLang="pt-BR" sz="1800" b="0" i="0" u="none" strike="noStrike" kern="1200" cap="none" spc="0" normalizeH="0" baseline="0" noProof="0">
+                <a:ln>
+                  <a:noFill/>
+                </a:ln>
+                <a:solidFill>
+                  <a:prstClr val="black"/>
+                </a:solidFill>
+                <a:effectLst/>
+                <a:uLnTx/>
+                <a:uFillTx/>
+                <a:latin typeface="Arial" pitchFamily="34" charset="0"/>
+                <a:ea typeface="+mn-ea"/>
+                <a:cs typeface="Arial" pitchFamily="34" charset="0"/>
+              </a:endParaRPr>
+            </a:p>
+          </p:txBody>
+        </p:sp>
+      </p:grpSp>
+      <p:grpSp>
+        <p:nvGrpSpPr>
+          <p:cNvPr id="82" name="Group 75">
+            <a:extLst>
+              <a:ext uri="{FF2B5EF4-FFF2-40B4-BE49-F238E27FC236}">
+                <a16:creationId xmlns:a16="http://schemas.microsoft.com/office/drawing/2014/main" id="{F67E1E38-031B-42AD-A6D2-77F3077EC3A1}"/>
+              </a:ext>
+            </a:extLst>
+          </p:cNvPr>
+          <p:cNvGrpSpPr>
+            <a:grpSpLocks/>
+          </p:cNvGrpSpPr>
+          <p:nvPr/>
+        </p:nvGrpSpPr>
+        <p:grpSpPr bwMode="auto">
+          <a:xfrm>
+            <a:off x="3954855" y="5063623"/>
+            <a:ext cx="484070" cy="176546"/>
+            <a:chOff x="2925" y="3611"/>
+            <a:chExt cx="273" cy="91"/>
+          </a:xfrm>
+        </p:grpSpPr>
+        <p:sp>
+          <p:nvSpPr>
+            <p:cNvPr id="83" name="Oval 76">
+              <a:extLst>
+                <a:ext uri="{FF2B5EF4-FFF2-40B4-BE49-F238E27FC236}">
+                  <a16:creationId xmlns:a16="http://schemas.microsoft.com/office/drawing/2014/main" id="{A534A1D7-16C8-4B09-823F-2E3A9C351023}"/>
+                </a:ext>
+              </a:extLst>
+            </p:cNvPr>
+            <p:cNvSpPr>
+              <a:spLocks noChangeArrowheads="1"/>
+            </p:cNvSpPr>
+            <p:nvPr/>
+          </p:nvSpPr>
+          <p:spPr bwMode="auto">
+            <a:xfrm>
+              <a:off x="2925" y="3611"/>
+              <a:ext cx="91" cy="91"/>
+            </a:xfrm>
+            <a:prstGeom prst="ellipse">
+              <a:avLst/>
+            </a:prstGeom>
+            <a:noFill/>
+            <a:ln w="9525">
+              <a:solidFill>
+                <a:schemeClr val="tx1"/>
+              </a:solidFill>
+              <a:round/>
+              <a:headEnd/>
+              <a:tailEnd/>
+            </a:ln>
+            <a:extLst>
+              <a:ext uri="{909E8E84-426E-40DD-AFC4-6F175D3DCCD1}">
+                <a14:hiddenFill xmlns:a14="http://schemas.microsoft.com/office/drawing/2010/main">
+                  <a:solidFill>
+                    <a:srgbClr val="FFFFFF"/>
+                  </a:solidFill>
+                </a14:hiddenFill>
+              </a:ext>
+            </a:extLst>
+          </p:spPr>
+          <p:txBody>
+            <a:bodyPr wrap="none" anchor="ctr"/>
+            <a:lstStyle>
+              <a:lvl1pPr eaLnBrk="0" hangingPunct="0">
+                <a:defRPr>
+                  <a:solidFill>
+                    <a:schemeClr val="tx1"/>
+                  </a:solidFill>
+                  <a:latin typeface="Arial" pitchFamily="34" charset="0"/>
+                  <a:cs typeface="Arial" pitchFamily="34" charset="0"/>
+                </a:defRPr>
+              </a:lvl1pPr>
+              <a:lvl2pPr marL="742950" indent="-285750" eaLnBrk="0" hangingPunct="0">
+                <a:defRPr>
+                  <a:solidFill>
+                    <a:schemeClr val="tx1"/>
+                  </a:solidFill>
+                  <a:latin typeface="Arial" pitchFamily="34" charset="0"/>
+                  <a:cs typeface="Arial" pitchFamily="34" charset="0"/>
+                </a:defRPr>
+              </a:lvl2pPr>
+              <a:lvl3pPr marL="1143000" indent="-228600" eaLnBrk="0" hangingPunct="0">
+                <a:defRPr>
+                  <a:solidFill>
+                    <a:schemeClr val="tx1"/>
+                  </a:solidFill>
+                  <a:latin typeface="Arial" pitchFamily="34" charset="0"/>
+                  <a:cs typeface="Arial" pitchFamily="34" charset="0"/>
+                </a:defRPr>
+              </a:lvl3pPr>
+              <a:lvl4pPr marL="1600200" indent="-228600" eaLnBrk="0" hangingPunct="0">
+                <a:defRPr>
+                  <a:solidFill>
+                    <a:schemeClr val="tx1"/>
+                  </a:solidFill>
+                  <a:latin typeface="Arial" pitchFamily="34" charset="0"/>
+                  <a:cs typeface="Arial" pitchFamily="34" charset="0"/>
+                </a:defRPr>
+              </a:lvl4pPr>
+              <a:lvl5pPr marL="2057400" indent="-228600" eaLnBrk="0" hangingPunct="0">
+                <a:defRPr>
+                  <a:solidFill>
+                    <a:schemeClr val="tx1"/>
+                  </a:solidFill>
+                  <a:latin typeface="Arial" pitchFamily="34" charset="0"/>
+                  <a:cs typeface="Arial" pitchFamily="34" charset="0"/>
+                </a:defRPr>
+              </a:lvl5pPr>
+              <a:lvl6pPr marL="2514600" indent="-228600" eaLnBrk="0" fontAlgn="base" hangingPunct="0">
+                <a:spcBef>
+                  <a:spcPct val="0"/>
+                </a:spcBef>
+                <a:spcAft>
+                  <a:spcPct val="0"/>
+                </a:spcAft>
+                <a:defRPr>
+                  <a:solidFill>
+                    <a:schemeClr val="tx1"/>
+                  </a:solidFill>
+                  <a:latin typeface="Arial" pitchFamily="34" charset="0"/>
+                  <a:cs typeface="Arial" pitchFamily="34" charset="0"/>
+                </a:defRPr>
+              </a:lvl6pPr>
+              <a:lvl7pPr marL="2971800" indent="-228600" eaLnBrk="0" fontAlgn="base" hangingPunct="0">
+                <a:spcBef>
+                  <a:spcPct val="0"/>
+                </a:spcBef>
+                <a:spcAft>
+                  <a:spcPct val="0"/>
+                </a:spcAft>
+                <a:defRPr>
+                  <a:solidFill>
+                    <a:schemeClr val="tx1"/>
+                  </a:solidFill>
+                  <a:latin typeface="Arial" pitchFamily="34" charset="0"/>
+                  <a:cs typeface="Arial" pitchFamily="34" charset="0"/>
+                </a:defRPr>
+              </a:lvl7pPr>
+              <a:lvl8pPr marL="3429000" indent="-228600" eaLnBrk="0" fontAlgn="base" hangingPunct="0">
+                <a:spcBef>
+                  <a:spcPct val="0"/>
+                </a:spcBef>
+                <a:spcAft>
+                  <a:spcPct val="0"/>
+                </a:spcAft>
+                <a:defRPr>
+                  <a:solidFill>
+                    <a:schemeClr val="tx1"/>
+                  </a:solidFill>
+                  <a:latin typeface="Arial" pitchFamily="34" charset="0"/>
+                  <a:cs typeface="Arial" pitchFamily="34" charset="0"/>
+                </a:defRPr>
+              </a:lvl8pPr>
+              <a:lvl9pPr marL="3886200" indent="-228600" eaLnBrk="0" fontAlgn="base" hangingPunct="0">
+                <a:spcBef>
+                  <a:spcPct val="0"/>
+                </a:spcBef>
+                <a:spcAft>
+                  <a:spcPct val="0"/>
+                </a:spcAft>
+                <a:defRPr>
+                  <a:solidFill>
+                    <a:schemeClr val="tx1"/>
+                  </a:solidFill>
+                  <a:latin typeface="Arial" pitchFamily="34" charset="0"/>
+                  <a:cs typeface="Arial" pitchFamily="34" charset="0"/>
+                </a:defRPr>
+              </a:lvl9pPr>
+            </a:lstStyle>
+            <a:p>
+              <a:pPr marL="0" marR="0" lvl="0" indent="0" algn="l" defTabSz="914400" rtl="0" eaLnBrk="1" fontAlgn="auto" latinLnBrk="0" hangingPunct="1">
+                <a:lnSpc>
+                  <a:spcPct val="100000"/>
+                </a:lnSpc>
+                <a:spcBef>
+                  <a:spcPts val="0"/>
+                </a:spcBef>
+                <a:spcAft>
+                  <a:spcPts val="0"/>
+                </a:spcAft>
+                <a:buClrTx/>
+                <a:buSzTx/>
+                <a:buFontTx/>
+                <a:buNone/>
+                <a:tabLst/>
+                <a:defRPr/>
+              </a:pPr>
+              <a:endParaRPr kumimoji="0" lang="pt-BR" altLang="pt-BR" sz="1800" b="0" i="0" u="none" strike="noStrike" kern="1200" cap="none" spc="0" normalizeH="0" baseline="0" noProof="0">
+                <a:ln>
+                  <a:noFill/>
+                </a:ln>
+                <a:solidFill>
+                  <a:prstClr val="black"/>
+                </a:solidFill>
+                <a:effectLst/>
+                <a:uLnTx/>
+                <a:uFillTx/>
+                <a:latin typeface="Arial" pitchFamily="34" charset="0"/>
+                <a:ea typeface="+mn-ea"/>
+                <a:cs typeface="Arial" pitchFamily="34" charset="0"/>
+              </a:endParaRPr>
+            </a:p>
+          </p:txBody>
+        </p:sp>
+        <p:sp>
+          <p:nvSpPr>
+            <p:cNvPr id="84" name="Oval 77">
+              <a:extLst>
+                <a:ext uri="{FF2B5EF4-FFF2-40B4-BE49-F238E27FC236}">
+                  <a16:creationId xmlns:a16="http://schemas.microsoft.com/office/drawing/2014/main" id="{79BFD190-CBA6-4E71-B2DB-FBCA33DAFC3F}"/>
+                </a:ext>
+              </a:extLst>
+            </p:cNvPr>
+            <p:cNvSpPr>
+              <a:spLocks noChangeArrowheads="1"/>
+            </p:cNvSpPr>
+            <p:nvPr/>
+          </p:nvSpPr>
+          <p:spPr bwMode="auto">
+            <a:xfrm>
+              <a:off x="3016" y="3611"/>
+              <a:ext cx="91" cy="91"/>
+            </a:xfrm>
+            <a:prstGeom prst="ellipse">
+              <a:avLst/>
+            </a:prstGeom>
+            <a:solidFill>
+              <a:srgbClr val="FFC000"/>
+            </a:solidFill>
+            <a:ln w="9525">
+              <a:solidFill>
+                <a:schemeClr val="tx1"/>
+              </a:solidFill>
+              <a:round/>
+              <a:headEnd/>
+              <a:tailEnd/>
+            </a:ln>
+          </p:spPr>
+          <p:txBody>
+            <a:bodyPr wrap="none" anchor="ctr"/>
+            <a:lstStyle>
+              <a:lvl1pPr eaLnBrk="0" hangingPunct="0">
+                <a:defRPr>
+                  <a:solidFill>
+                    <a:schemeClr val="tx1"/>
+                  </a:solidFill>
+                  <a:latin typeface="Arial" pitchFamily="34" charset="0"/>
+                  <a:cs typeface="Arial" pitchFamily="34" charset="0"/>
+                </a:defRPr>
+              </a:lvl1pPr>
+              <a:lvl2pPr marL="742950" indent="-285750" eaLnBrk="0" hangingPunct="0">
+                <a:defRPr>
+                  <a:solidFill>
+                    <a:schemeClr val="tx1"/>
+                  </a:solidFill>
+                  <a:latin typeface="Arial" pitchFamily="34" charset="0"/>
+                  <a:cs typeface="Arial" pitchFamily="34" charset="0"/>
+                </a:defRPr>
+              </a:lvl2pPr>
+              <a:lvl3pPr marL="1143000" indent="-228600" eaLnBrk="0" hangingPunct="0">
+                <a:defRPr>
+                  <a:solidFill>
+                    <a:schemeClr val="tx1"/>
+                  </a:solidFill>
+                  <a:latin typeface="Arial" pitchFamily="34" charset="0"/>
+                  <a:cs typeface="Arial" pitchFamily="34" charset="0"/>
+                </a:defRPr>
+              </a:lvl3pPr>
+              <a:lvl4pPr marL="1600200" indent="-228600" eaLnBrk="0" hangingPunct="0">
+                <a:defRPr>
+                  <a:solidFill>
+                    <a:schemeClr val="tx1"/>
+                  </a:solidFill>
+                  <a:latin typeface="Arial" pitchFamily="34" charset="0"/>
+                  <a:cs typeface="Arial" pitchFamily="34" charset="0"/>
+                </a:defRPr>
+              </a:lvl4pPr>
+              <a:lvl5pPr marL="2057400" indent="-228600" eaLnBrk="0" hangingPunct="0">
+                <a:defRPr>
+                  <a:solidFill>
+                    <a:schemeClr val="tx1"/>
+                  </a:solidFill>
+                  <a:latin typeface="Arial" pitchFamily="34" charset="0"/>
+                  <a:cs typeface="Arial" pitchFamily="34" charset="0"/>
+                </a:defRPr>
+              </a:lvl5pPr>
+              <a:lvl6pPr marL="2514600" indent="-228600" eaLnBrk="0" fontAlgn="base" hangingPunct="0">
+                <a:spcBef>
+                  <a:spcPct val="0"/>
+                </a:spcBef>
+                <a:spcAft>
+                  <a:spcPct val="0"/>
+                </a:spcAft>
+                <a:defRPr>
+                  <a:solidFill>
+                    <a:schemeClr val="tx1"/>
+                  </a:solidFill>
+                  <a:latin typeface="Arial" pitchFamily="34" charset="0"/>
+                  <a:cs typeface="Arial" pitchFamily="34" charset="0"/>
+                </a:defRPr>
+              </a:lvl6pPr>
+              <a:lvl7pPr marL="2971800" indent="-228600" eaLnBrk="0" fontAlgn="base" hangingPunct="0">
+                <a:spcBef>
+                  <a:spcPct val="0"/>
+                </a:spcBef>
+                <a:spcAft>
+                  <a:spcPct val="0"/>
+                </a:spcAft>
+                <a:defRPr>
+                  <a:solidFill>
+                    <a:schemeClr val="tx1"/>
+                  </a:solidFill>
+                  <a:latin typeface="Arial" pitchFamily="34" charset="0"/>
+                  <a:cs typeface="Arial" pitchFamily="34" charset="0"/>
+                </a:defRPr>
+              </a:lvl7pPr>
+              <a:lvl8pPr marL="3429000" indent="-228600" eaLnBrk="0" fontAlgn="base" hangingPunct="0">
+                <a:spcBef>
+                  <a:spcPct val="0"/>
+                </a:spcBef>
+                <a:spcAft>
+                  <a:spcPct val="0"/>
+                </a:spcAft>
+                <a:defRPr>
+                  <a:solidFill>
+                    <a:schemeClr val="tx1"/>
+                  </a:solidFill>
+                  <a:latin typeface="Arial" pitchFamily="34" charset="0"/>
+                  <a:cs typeface="Arial" pitchFamily="34" charset="0"/>
+                </a:defRPr>
+              </a:lvl8pPr>
+              <a:lvl9pPr marL="3886200" indent="-228600" eaLnBrk="0" fontAlgn="base" hangingPunct="0">
+                <a:spcBef>
+                  <a:spcPct val="0"/>
+                </a:spcBef>
+                <a:spcAft>
+                  <a:spcPct val="0"/>
+                </a:spcAft>
+                <a:defRPr>
+                  <a:solidFill>
+                    <a:schemeClr val="tx1"/>
+                  </a:solidFill>
+                  <a:latin typeface="Arial" pitchFamily="34" charset="0"/>
+                  <a:cs typeface="Arial" pitchFamily="34" charset="0"/>
+                </a:defRPr>
+              </a:lvl9pPr>
+            </a:lstStyle>
+            <a:p>
+              <a:pPr marL="0" marR="0" lvl="0" indent="0" algn="l" defTabSz="914400" rtl="0" eaLnBrk="1" fontAlgn="auto" latinLnBrk="0" hangingPunct="1">
+                <a:lnSpc>
+                  <a:spcPct val="100000"/>
+                </a:lnSpc>
+                <a:spcBef>
+                  <a:spcPts val="0"/>
+                </a:spcBef>
+                <a:spcAft>
+                  <a:spcPts val="0"/>
+                </a:spcAft>
+                <a:buClrTx/>
+                <a:buSzTx/>
+                <a:buFontTx/>
+                <a:buNone/>
+                <a:tabLst/>
+                <a:defRPr/>
+              </a:pPr>
+              <a:endParaRPr kumimoji="0" lang="pt-BR" altLang="pt-BR" sz="1800" b="0" i="0" u="none" strike="noStrike" kern="1200" cap="none" spc="0" normalizeH="0" baseline="0" noProof="0">
+                <a:ln>
+                  <a:noFill/>
+                </a:ln>
+                <a:solidFill>
+                  <a:prstClr val="black"/>
+                </a:solidFill>
+                <a:effectLst/>
+                <a:uLnTx/>
+                <a:uFillTx/>
+                <a:latin typeface="Arial" pitchFamily="34" charset="0"/>
+                <a:ea typeface="+mn-ea"/>
+                <a:cs typeface="Arial" pitchFamily="34" charset="0"/>
+              </a:endParaRPr>
+            </a:p>
+          </p:txBody>
+        </p:sp>
+        <p:sp>
+          <p:nvSpPr>
+            <p:cNvPr id="85" name="Oval 78">
               <a:extLst>
                 <a:ext uri="{FF2B5EF4-FFF2-40B4-BE49-F238E27FC236}">
                   <a16:creationId xmlns:a16="http://schemas.microsoft.com/office/drawing/2014/main" id="{088813C7-A103-4CB1-ADA6-393C5AA5C5F0}"/>
